--- a/diagrams.pptx
+++ b/diagrams.pptx
@@ -7,9 +7,10 @@
   <p:sldIdLst>
     <p:sldId id="256" r:id="rId2"/>
     <p:sldId id="258" r:id="rId3"/>
-    <p:sldId id="257" r:id="rId4"/>
-    <p:sldId id="259" r:id="rId5"/>
-    <p:sldId id="260" r:id="rId6"/>
+    <p:sldId id="261" r:id="rId4"/>
+    <p:sldId id="257" r:id="rId5"/>
+    <p:sldId id="259" r:id="rId6"/>
+    <p:sldId id="260" r:id="rId7"/>
   </p:sldIdLst>
   <p:sldSz cx="12192000" cy="6858000"/>
   <p:notesSz cx="6858000" cy="9144000"/>
@@ -118,6 +119,606 @@
 
 <file path=ppt/changesInfos/changesInfo1.xml><?xml version="1.0" encoding="utf-8"?>
 <pc:chgInfo xmlns:a="http://schemas.openxmlformats.org/drawingml/2006/main" xmlns:r="http://schemas.openxmlformats.org/officeDocument/2006/relationships" xmlns:ac="http://schemas.microsoft.com/office/drawing/2013/main/command" xmlns:pc="http://schemas.microsoft.com/office/powerpoint/2013/main/command">
+  <pc:docChgLst>
+    <pc:chgData name="Matt Pasco" userId="61e868afd31bb85b" providerId="LiveId" clId="{77207CB6-878C-4261-BE72-FD7D06F4F092}"/>
+    <pc:docChg chg="undo redo custSel addSld modSld">
+      <pc:chgData name="Matt Pasco" userId="61e868afd31bb85b" providerId="LiveId" clId="{77207CB6-878C-4261-BE72-FD7D06F4F092}" dt="2018-04-28T18:13:57.212" v="830" actId="20577"/>
+      <pc:docMkLst>
+        <pc:docMk/>
+      </pc:docMkLst>
+      <pc:sldChg chg="addSp delSp modSp add">
+        <pc:chgData name="Matt Pasco" userId="61e868afd31bb85b" providerId="LiveId" clId="{77207CB6-878C-4261-BE72-FD7D06F4F092}" dt="2018-04-28T18:13:57.212" v="830" actId="20577"/>
+        <pc:sldMkLst>
+          <pc:docMk/>
+          <pc:sldMk cId="2777473097" sldId="261"/>
+        </pc:sldMkLst>
+        <pc:spChg chg="del">
+          <ac:chgData name="Matt Pasco" userId="61e868afd31bb85b" providerId="LiveId" clId="{77207CB6-878C-4261-BE72-FD7D06F4F092}" dt="2018-04-28T17:32:43.107" v="1" actId="478"/>
+          <ac:spMkLst>
+            <pc:docMk/>
+            <pc:sldMk cId="2777473097" sldId="261"/>
+            <ac:spMk id="2" creationId="{37A0F4C6-1DA7-42D4-8FBA-6F2D71852EB6}"/>
+          </ac:spMkLst>
+        </pc:spChg>
+        <pc:spChg chg="del">
+          <ac:chgData name="Matt Pasco" userId="61e868afd31bb85b" providerId="LiveId" clId="{77207CB6-878C-4261-BE72-FD7D06F4F092}" dt="2018-04-28T17:32:43.107" v="1" actId="478"/>
+          <ac:spMkLst>
+            <pc:docMk/>
+            <pc:sldMk cId="2777473097" sldId="261"/>
+            <ac:spMk id="3" creationId="{9E1E6798-619F-41EC-9AD8-1F1BF8D46194}"/>
+          </ac:spMkLst>
+        </pc:spChg>
+        <pc:spChg chg="add mod">
+          <ac:chgData name="Matt Pasco" userId="61e868afd31bb85b" providerId="LiveId" clId="{77207CB6-878C-4261-BE72-FD7D06F4F092}" dt="2018-04-28T17:47:33.483" v="461" actId="1038"/>
+          <ac:spMkLst>
+            <pc:docMk/>
+            <pc:sldMk cId="2777473097" sldId="261"/>
+            <ac:spMk id="4" creationId="{38B81C03-0AFB-41ED-8621-F4391F604280}"/>
+          </ac:spMkLst>
+        </pc:spChg>
+        <pc:spChg chg="add mod">
+          <ac:chgData name="Matt Pasco" userId="61e868afd31bb85b" providerId="LiveId" clId="{77207CB6-878C-4261-BE72-FD7D06F4F092}" dt="2018-04-28T17:47:33.483" v="461" actId="1038"/>
+          <ac:spMkLst>
+            <pc:docMk/>
+            <pc:sldMk cId="2777473097" sldId="261"/>
+            <ac:spMk id="5" creationId="{FE79A487-BED9-4EDF-8CCD-D1147DFCAD34}"/>
+          </ac:spMkLst>
+        </pc:spChg>
+        <pc:spChg chg="add mod">
+          <ac:chgData name="Matt Pasco" userId="61e868afd31bb85b" providerId="LiveId" clId="{77207CB6-878C-4261-BE72-FD7D06F4F092}" dt="2018-04-28T17:47:33.483" v="461" actId="1038"/>
+          <ac:spMkLst>
+            <pc:docMk/>
+            <pc:sldMk cId="2777473097" sldId="261"/>
+            <ac:spMk id="6" creationId="{7F4C7A04-C157-443E-BC54-6B872D712430}"/>
+          </ac:spMkLst>
+        </pc:spChg>
+        <pc:spChg chg="add mod">
+          <ac:chgData name="Matt Pasco" userId="61e868afd31bb85b" providerId="LiveId" clId="{77207CB6-878C-4261-BE72-FD7D06F4F092}" dt="2018-04-28T17:57:28.182" v="738" actId="1076"/>
+          <ac:spMkLst>
+            <pc:docMk/>
+            <pc:sldMk cId="2777473097" sldId="261"/>
+            <ac:spMk id="7" creationId="{8B557183-F2D9-4449-A5CF-70E5968F689B}"/>
+          </ac:spMkLst>
+        </pc:spChg>
+        <pc:spChg chg="add mod">
+          <ac:chgData name="Matt Pasco" userId="61e868afd31bb85b" providerId="LiveId" clId="{77207CB6-878C-4261-BE72-FD7D06F4F092}" dt="2018-04-28T17:47:33.483" v="461" actId="1038"/>
+          <ac:spMkLst>
+            <pc:docMk/>
+            <pc:sldMk cId="2777473097" sldId="261"/>
+            <ac:spMk id="8" creationId="{E74ED724-1BBF-4817-AF17-BECA7DD14777}"/>
+          </ac:spMkLst>
+        </pc:spChg>
+        <pc:spChg chg="add mod">
+          <ac:chgData name="Matt Pasco" userId="61e868afd31bb85b" providerId="LiveId" clId="{77207CB6-878C-4261-BE72-FD7D06F4F092}" dt="2018-04-28T17:51:54.513" v="737" actId="1076"/>
+          <ac:spMkLst>
+            <pc:docMk/>
+            <pc:sldMk cId="2777473097" sldId="261"/>
+            <ac:spMk id="9" creationId="{F94AF2A1-1D72-427D-90FC-3525210E70AF}"/>
+          </ac:spMkLst>
+        </pc:spChg>
+        <pc:spChg chg="add mod">
+          <ac:chgData name="Matt Pasco" userId="61e868afd31bb85b" providerId="LiveId" clId="{77207CB6-878C-4261-BE72-FD7D06F4F092}" dt="2018-04-28T18:00:28.726" v="775" actId="1035"/>
+          <ac:spMkLst>
+            <pc:docMk/>
+            <pc:sldMk cId="2777473097" sldId="261"/>
+            <ac:spMk id="10" creationId="{AFE203FE-EA2E-4554-BCFE-44EDAE41CBC1}"/>
+          </ac:spMkLst>
+        </pc:spChg>
+        <pc:spChg chg="add mod">
+          <ac:chgData name="Matt Pasco" userId="61e868afd31bb85b" providerId="LiveId" clId="{77207CB6-878C-4261-BE72-FD7D06F4F092}" dt="2018-04-28T18:00:28.726" v="775" actId="1035"/>
+          <ac:spMkLst>
+            <pc:docMk/>
+            <pc:sldMk cId="2777473097" sldId="261"/>
+            <ac:spMk id="11" creationId="{3C6490D6-E708-439A-9B8E-FB92EE6DE75D}"/>
+          </ac:spMkLst>
+        </pc:spChg>
+        <pc:spChg chg="add mod">
+          <ac:chgData name="Matt Pasco" userId="61e868afd31bb85b" providerId="LiveId" clId="{77207CB6-878C-4261-BE72-FD7D06F4F092}" dt="2018-04-28T17:49:06.238" v="598" actId="1037"/>
+          <ac:spMkLst>
+            <pc:docMk/>
+            <pc:sldMk cId="2777473097" sldId="261"/>
+            <ac:spMk id="12" creationId="{0388C244-BF7D-478D-8EBA-136AE8E0E347}"/>
+          </ac:spMkLst>
+        </pc:spChg>
+        <pc:spChg chg="add mod">
+          <ac:chgData name="Matt Pasco" userId="61e868afd31bb85b" providerId="LiveId" clId="{77207CB6-878C-4261-BE72-FD7D06F4F092}" dt="2018-04-28T17:47:33.483" v="461" actId="1038"/>
+          <ac:spMkLst>
+            <pc:docMk/>
+            <pc:sldMk cId="2777473097" sldId="261"/>
+            <ac:spMk id="15" creationId="{71E8A17A-BEE7-4014-8DC1-95131949B865}"/>
+          </ac:spMkLst>
+        </pc:spChg>
+        <pc:spChg chg="add mod">
+          <ac:chgData name="Matt Pasco" userId="61e868afd31bb85b" providerId="LiveId" clId="{77207CB6-878C-4261-BE72-FD7D06F4F092}" dt="2018-04-28T17:49:00.096" v="592" actId="1037"/>
+          <ac:spMkLst>
+            <pc:docMk/>
+            <pc:sldMk cId="2777473097" sldId="261"/>
+            <ac:spMk id="17" creationId="{5056A39E-E0E4-49AE-A9E8-76C7ADC95F2E}"/>
+          </ac:spMkLst>
+        </pc:spChg>
+        <pc:spChg chg="add mod">
+          <ac:chgData name="Matt Pasco" userId="61e868afd31bb85b" providerId="LiveId" clId="{77207CB6-878C-4261-BE72-FD7D06F4F092}" dt="2018-04-28T18:02:00.214" v="815" actId="14100"/>
+          <ac:spMkLst>
+            <pc:docMk/>
+            <pc:sldMk cId="2777473097" sldId="261"/>
+            <ac:spMk id="25" creationId="{17E1F89E-592A-4AAD-A00E-E567CE641F93}"/>
+          </ac:spMkLst>
+        </pc:spChg>
+        <pc:spChg chg="add mod">
+          <ac:chgData name="Matt Pasco" userId="61e868afd31bb85b" providerId="LiveId" clId="{77207CB6-878C-4261-BE72-FD7D06F4F092}" dt="2018-04-28T17:50:18.627" v="664" actId="1037"/>
+          <ac:spMkLst>
+            <pc:docMk/>
+            <pc:sldMk cId="2777473097" sldId="261"/>
+            <ac:spMk id="26" creationId="{1E2E41A3-7F58-48C9-ADFC-6CF956ECFCE9}"/>
+          </ac:spMkLst>
+        </pc:spChg>
+        <pc:spChg chg="add mod">
+          <ac:chgData name="Matt Pasco" userId="61e868afd31bb85b" providerId="LiveId" clId="{77207CB6-878C-4261-BE72-FD7D06F4F092}" dt="2018-04-28T17:50:18.627" v="664" actId="1037"/>
+          <ac:spMkLst>
+            <pc:docMk/>
+            <pc:sldMk cId="2777473097" sldId="261"/>
+            <ac:spMk id="27" creationId="{DADCD536-CBC6-4DB8-925A-B00D6D395228}"/>
+          </ac:spMkLst>
+        </pc:spChg>
+        <pc:spChg chg="add mod">
+          <ac:chgData name="Matt Pasco" userId="61e868afd31bb85b" providerId="LiveId" clId="{77207CB6-878C-4261-BE72-FD7D06F4F092}" dt="2018-04-28T17:50:18.627" v="664" actId="1037"/>
+          <ac:spMkLst>
+            <pc:docMk/>
+            <pc:sldMk cId="2777473097" sldId="261"/>
+            <ac:spMk id="28" creationId="{B3F90377-F7B2-4036-9A7C-5F42DEC039BB}"/>
+          </ac:spMkLst>
+        </pc:spChg>
+        <pc:spChg chg="add mod">
+          <ac:chgData name="Matt Pasco" userId="61e868afd31bb85b" providerId="LiveId" clId="{77207CB6-878C-4261-BE72-FD7D06F4F092}" dt="2018-04-28T18:01:33.628" v="810" actId="1036"/>
+          <ac:spMkLst>
+            <pc:docMk/>
+            <pc:sldMk cId="2777473097" sldId="261"/>
+            <ac:spMk id="29" creationId="{0E74275E-16EA-439E-8AC9-ED3C70D3E3ED}"/>
+          </ac:spMkLst>
+        </pc:spChg>
+        <pc:spChg chg="add mod">
+          <ac:chgData name="Matt Pasco" userId="61e868afd31bb85b" providerId="LiveId" clId="{77207CB6-878C-4261-BE72-FD7D06F4F092}" dt="2018-04-28T18:01:33.628" v="810" actId="1036"/>
+          <ac:spMkLst>
+            <pc:docMk/>
+            <pc:sldMk cId="2777473097" sldId="261"/>
+            <ac:spMk id="30" creationId="{7F9D3C19-E078-4CC5-86A9-EBF6D8F4EF33}"/>
+          </ac:spMkLst>
+        </pc:spChg>
+        <pc:spChg chg="add mod">
+          <ac:chgData name="Matt Pasco" userId="61e868afd31bb85b" providerId="LiveId" clId="{77207CB6-878C-4261-BE72-FD7D06F4F092}" dt="2018-04-28T17:50:34.336" v="674" actId="1036"/>
+          <ac:spMkLst>
+            <pc:docMk/>
+            <pc:sldMk cId="2777473097" sldId="261"/>
+            <ac:spMk id="31" creationId="{26B733E6-0B04-4A13-8B34-E4BC03F0C1A1}"/>
+          </ac:spMkLst>
+        </pc:spChg>
+        <pc:spChg chg="add del mod">
+          <ac:chgData name="Matt Pasco" userId="61e868afd31bb85b" providerId="LiveId" clId="{77207CB6-878C-4261-BE72-FD7D06F4F092}" dt="2018-04-28T17:50:34.336" v="674" actId="1036"/>
+          <ac:spMkLst>
+            <pc:docMk/>
+            <pc:sldMk cId="2777473097" sldId="261"/>
+            <ac:spMk id="32" creationId="{0A76B014-A11B-4411-A05F-008BB071224F}"/>
+          </ac:spMkLst>
+        </pc:spChg>
+        <pc:spChg chg="add del mod">
+          <ac:chgData name="Matt Pasco" userId="61e868afd31bb85b" providerId="LiveId" clId="{77207CB6-878C-4261-BE72-FD7D06F4F092}" dt="2018-04-28T17:42:27.373" v="314" actId="11529"/>
+          <ac:spMkLst>
+            <pc:docMk/>
+            <pc:sldMk cId="2777473097" sldId="261"/>
+            <ac:spMk id="33" creationId="{C4E3EC62-DA53-4A28-9D89-C39CEF525FDA}"/>
+          </ac:spMkLst>
+        </pc:spChg>
+        <pc:spChg chg="add mod">
+          <ac:chgData name="Matt Pasco" userId="61e868afd31bb85b" providerId="LiveId" clId="{77207CB6-878C-4261-BE72-FD7D06F4F092}" dt="2018-04-28T17:49:09.837" v="600" actId="1037"/>
+          <ac:spMkLst>
+            <pc:docMk/>
+            <pc:sldMk cId="2777473097" sldId="261"/>
+            <ac:spMk id="44" creationId="{BE0DBB4D-4F31-41F9-8653-91A4ABC2FBE3}"/>
+          </ac:spMkLst>
+        </pc:spChg>
+        <pc:spChg chg="add mod">
+          <ac:chgData name="Matt Pasco" userId="61e868afd31bb85b" providerId="LiveId" clId="{77207CB6-878C-4261-BE72-FD7D06F4F092}" dt="2018-04-28T17:49:06.238" v="598" actId="1037"/>
+          <ac:spMkLst>
+            <pc:docMk/>
+            <pc:sldMk cId="2777473097" sldId="261"/>
+            <ac:spMk id="49" creationId="{665FD0E3-5481-42D1-A42A-88026A42F71A}"/>
+          </ac:spMkLst>
+        </pc:spChg>
+        <pc:spChg chg="add mod">
+          <ac:chgData name="Matt Pasco" userId="61e868afd31bb85b" providerId="LiveId" clId="{77207CB6-878C-4261-BE72-FD7D06F4F092}" dt="2018-04-28T17:49:00.096" v="592" actId="1037"/>
+          <ac:spMkLst>
+            <pc:docMk/>
+            <pc:sldMk cId="2777473097" sldId="261"/>
+            <ac:spMk id="50" creationId="{D612F23E-8212-4D10-A5E7-C12E0ACE9AE0}"/>
+          </ac:spMkLst>
+        </pc:spChg>
+        <pc:spChg chg="add mod">
+          <ac:chgData name="Matt Pasco" userId="61e868afd31bb85b" providerId="LiveId" clId="{77207CB6-878C-4261-BE72-FD7D06F4F092}" dt="2018-04-28T17:49:09.837" v="600" actId="1037"/>
+          <ac:spMkLst>
+            <pc:docMk/>
+            <pc:sldMk cId="2777473097" sldId="261"/>
+            <ac:spMk id="52" creationId="{48146FC5-B38C-4514-AA2F-1A3AE31615E8}"/>
+          </ac:spMkLst>
+        </pc:spChg>
+        <pc:spChg chg="add mod ord">
+          <ac:chgData name="Matt Pasco" userId="61e868afd31bb85b" providerId="LiveId" clId="{77207CB6-878C-4261-BE72-FD7D06F4F092}" dt="2018-04-28T17:59:00.678" v="750" actId="1076"/>
+          <ac:spMkLst>
+            <pc:docMk/>
+            <pc:sldMk cId="2777473097" sldId="261"/>
+            <ac:spMk id="57" creationId="{62998510-1EE9-4CB3-A9E3-2DF9331EDB5A}"/>
+          </ac:spMkLst>
+        </pc:spChg>
+        <pc:spChg chg="add mod">
+          <ac:chgData name="Matt Pasco" userId="61e868afd31bb85b" providerId="LiveId" clId="{77207CB6-878C-4261-BE72-FD7D06F4F092}" dt="2018-04-28T17:49:30.137" v="618" actId="1035"/>
+          <ac:spMkLst>
+            <pc:docMk/>
+            <pc:sldMk cId="2777473097" sldId="261"/>
+            <ac:spMk id="77" creationId="{E9EC7B2D-2EBC-4889-B729-E9941123396D}"/>
+          </ac:spMkLst>
+        </pc:spChg>
+        <pc:spChg chg="add mod">
+          <ac:chgData name="Matt Pasco" userId="61e868afd31bb85b" providerId="LiveId" clId="{77207CB6-878C-4261-BE72-FD7D06F4F092}" dt="2018-04-28T17:50:56.828" v="683" actId="20577"/>
+          <ac:spMkLst>
+            <pc:docMk/>
+            <pc:sldMk cId="2777473097" sldId="261"/>
+            <ac:spMk id="91" creationId="{211F416B-0BAA-4C17-BF19-DCEF3E1EC24C}"/>
+          </ac:spMkLst>
+        </pc:spChg>
+        <pc:spChg chg="add mod">
+          <ac:chgData name="Matt Pasco" userId="61e868afd31bb85b" providerId="LiveId" clId="{77207CB6-878C-4261-BE72-FD7D06F4F092}" dt="2018-04-28T17:51:48.018" v="736" actId="20577"/>
+          <ac:spMkLst>
+            <pc:docMk/>
+            <pc:sldMk cId="2777473097" sldId="261"/>
+            <ac:spMk id="92" creationId="{5CE0F868-98EC-4B0E-91CF-C715E06F32D8}"/>
+          </ac:spMkLst>
+        </pc:spChg>
+        <pc:spChg chg="add mod">
+          <ac:chgData name="Matt Pasco" userId="61e868afd31bb85b" providerId="LiveId" clId="{77207CB6-878C-4261-BE72-FD7D06F4F092}" dt="2018-04-28T17:59:31.360" v="756" actId="1076"/>
+          <ac:spMkLst>
+            <pc:docMk/>
+            <pc:sldMk cId="2777473097" sldId="261"/>
+            <ac:spMk id="93" creationId="{C5A275E7-E0AA-44EB-A03B-EAD38F81B821}"/>
+          </ac:spMkLst>
+        </pc:spChg>
+        <pc:spChg chg="add mod">
+          <ac:chgData name="Matt Pasco" userId="61e868afd31bb85b" providerId="LiveId" clId="{77207CB6-878C-4261-BE72-FD7D06F4F092}" dt="2018-04-28T17:58:48.829" v="744" actId="1076"/>
+          <ac:spMkLst>
+            <pc:docMk/>
+            <pc:sldMk cId="2777473097" sldId="261"/>
+            <ac:spMk id="94" creationId="{4FA4B498-DCE7-4F15-B3D5-62D50ECE45A4}"/>
+          </ac:spMkLst>
+        </pc:spChg>
+        <pc:spChg chg="add mod">
+          <ac:chgData name="Matt Pasco" userId="61e868afd31bb85b" providerId="LiveId" clId="{77207CB6-878C-4261-BE72-FD7D06F4F092}" dt="2018-04-28T18:13:57.212" v="830" actId="20577"/>
+          <ac:spMkLst>
+            <pc:docMk/>
+            <pc:sldMk cId="2777473097" sldId="261"/>
+            <ac:spMk id="95" creationId="{4D515222-496E-4B60-9C0A-DF9141392FCB}"/>
+          </ac:spMkLst>
+        </pc:spChg>
+        <pc:spChg chg="add del">
+          <ac:chgData name="Matt Pasco" userId="61e868afd31bb85b" providerId="LiveId" clId="{77207CB6-878C-4261-BE72-FD7D06F4F092}" dt="2018-04-28T17:59:15.837" v="753"/>
+          <ac:spMkLst>
+            <pc:docMk/>
+            <pc:sldMk cId="2777473097" sldId="261"/>
+            <ac:spMk id="96" creationId="{1B973438-7D1A-4E0B-A15C-77059E1C536F}"/>
+          </ac:spMkLst>
+        </pc:spChg>
+        <pc:spChg chg="add del">
+          <ac:chgData name="Matt Pasco" userId="61e868afd31bb85b" providerId="LiveId" clId="{77207CB6-878C-4261-BE72-FD7D06F4F092}" dt="2018-04-28T17:59:15.837" v="753"/>
+          <ac:spMkLst>
+            <pc:docMk/>
+            <pc:sldMk cId="2777473097" sldId="261"/>
+            <ac:spMk id="98" creationId="{01A39D20-CD26-40FA-AD19-FD22DD4AD2DA}"/>
+          </ac:spMkLst>
+        </pc:spChg>
+        <pc:spChg chg="add del">
+          <ac:chgData name="Matt Pasco" userId="61e868afd31bb85b" providerId="LiveId" clId="{77207CB6-878C-4261-BE72-FD7D06F4F092}" dt="2018-04-28T17:59:15.837" v="753"/>
+          <ac:spMkLst>
+            <pc:docMk/>
+            <pc:sldMk cId="2777473097" sldId="261"/>
+            <ac:spMk id="100" creationId="{CFDC36A9-C5DE-4AFD-931B-077CB42F13FC}"/>
+          </ac:spMkLst>
+        </pc:spChg>
+        <pc:spChg chg="add del">
+          <ac:chgData name="Matt Pasco" userId="61e868afd31bb85b" providerId="LiveId" clId="{77207CB6-878C-4261-BE72-FD7D06F4F092}" dt="2018-04-28T17:59:15.837" v="753"/>
+          <ac:spMkLst>
+            <pc:docMk/>
+            <pc:sldMk cId="2777473097" sldId="261"/>
+            <ac:spMk id="102" creationId="{1B2FCEE9-FFB6-4161-83B2-85A0A6D7F735}"/>
+          </ac:spMkLst>
+        </pc:spChg>
+        <pc:spChg chg="add mod">
+          <ac:chgData name="Matt Pasco" userId="61e868afd31bb85b" providerId="LiveId" clId="{77207CB6-878C-4261-BE72-FD7D06F4F092}" dt="2018-04-28T18:00:47.912" v="783" actId="1037"/>
+          <ac:spMkLst>
+            <pc:docMk/>
+            <pc:sldMk cId="2777473097" sldId="261"/>
+            <ac:spMk id="106" creationId="{176497C2-C8F1-4D07-B6B3-D4686469EEFD}"/>
+          </ac:spMkLst>
+        </pc:spChg>
+        <pc:spChg chg="add mod">
+          <ac:chgData name="Matt Pasco" userId="61e868afd31bb85b" providerId="LiveId" clId="{77207CB6-878C-4261-BE72-FD7D06F4F092}" dt="2018-04-28T18:00:47.912" v="783" actId="1037"/>
+          <ac:spMkLst>
+            <pc:docMk/>
+            <pc:sldMk cId="2777473097" sldId="261"/>
+            <ac:spMk id="107" creationId="{054A6F77-D471-48F0-8C5C-C31535B6E288}"/>
+          </ac:spMkLst>
+        </pc:spChg>
+        <pc:spChg chg="add mod">
+          <ac:chgData name="Matt Pasco" userId="61e868afd31bb85b" providerId="LiveId" clId="{77207CB6-878C-4261-BE72-FD7D06F4F092}" dt="2018-04-28T18:00:47.912" v="783" actId="1037"/>
+          <ac:spMkLst>
+            <pc:docMk/>
+            <pc:sldMk cId="2777473097" sldId="261"/>
+            <ac:spMk id="109" creationId="{70FC3582-F27A-4718-A1F3-B7AC248BB4A6}"/>
+          </ac:spMkLst>
+        </pc:spChg>
+        <pc:spChg chg="add mod">
+          <ac:chgData name="Matt Pasco" userId="61e868afd31bb85b" providerId="LiveId" clId="{77207CB6-878C-4261-BE72-FD7D06F4F092}" dt="2018-04-28T18:00:47.912" v="783" actId="1037"/>
+          <ac:spMkLst>
+            <pc:docMk/>
+            <pc:sldMk cId="2777473097" sldId="261"/>
+            <ac:spMk id="111" creationId="{91AF56D0-81B5-497A-A179-940F0EFDCC72}"/>
+          </ac:spMkLst>
+        </pc:spChg>
+        <pc:spChg chg="add mod">
+          <ac:chgData name="Matt Pasco" userId="61e868afd31bb85b" providerId="LiveId" clId="{77207CB6-878C-4261-BE72-FD7D06F4F092}" dt="2018-04-28T18:00:47.912" v="783" actId="1037"/>
+          <ac:spMkLst>
+            <pc:docMk/>
+            <pc:sldMk cId="2777473097" sldId="261"/>
+            <ac:spMk id="112" creationId="{38FCE4C1-849D-4C45-A829-5199972C764F}"/>
+          </ac:spMkLst>
+        </pc:spChg>
+        <pc:spChg chg="add mod">
+          <ac:chgData name="Matt Pasco" userId="61e868afd31bb85b" providerId="LiveId" clId="{77207CB6-878C-4261-BE72-FD7D06F4F092}" dt="2018-04-28T18:00:47.912" v="783" actId="1037"/>
+          <ac:spMkLst>
+            <pc:docMk/>
+            <pc:sldMk cId="2777473097" sldId="261"/>
+            <ac:spMk id="114" creationId="{77D8C811-8A7A-4A39-B4E8-E6700E8E2407}"/>
+          </ac:spMkLst>
+        </pc:spChg>
+        <pc:spChg chg="add mod">
+          <ac:chgData name="Matt Pasco" userId="61e868afd31bb85b" providerId="LiveId" clId="{77207CB6-878C-4261-BE72-FD7D06F4F092}" dt="2018-04-28T18:00:47.912" v="783" actId="1037"/>
+          <ac:spMkLst>
+            <pc:docMk/>
+            <pc:sldMk cId="2777473097" sldId="261"/>
+            <ac:spMk id="116" creationId="{1EDBCAFC-F2A6-492D-A5C6-B7138650A26D}"/>
+          </ac:spMkLst>
+        </pc:spChg>
+        <pc:spChg chg="add del mod">
+          <ac:chgData name="Matt Pasco" userId="61e868afd31bb85b" providerId="LiveId" clId="{77207CB6-878C-4261-BE72-FD7D06F4F092}" dt="2018-04-28T18:04:21.415" v="829" actId="478"/>
+          <ac:spMkLst>
+            <pc:docMk/>
+            <pc:sldMk cId="2777473097" sldId="261"/>
+            <ac:spMk id="131" creationId="{124FDE62-82AA-4C44-AD06-3EA083953B63}"/>
+          </ac:spMkLst>
+        </pc:spChg>
+        <pc:cxnChg chg="add mod">
+          <ac:chgData name="Matt Pasco" userId="61e868afd31bb85b" providerId="LiveId" clId="{77207CB6-878C-4261-BE72-FD7D06F4F092}" dt="2018-04-28T17:50:25.699" v="665" actId="14100"/>
+          <ac:cxnSpMkLst>
+            <pc:docMk/>
+            <pc:sldMk cId="2777473097" sldId="261"/>
+            <ac:cxnSpMk id="14" creationId="{2BFAEA89-58D5-4B54-BFAF-8ED1C9E4D083}"/>
+          </ac:cxnSpMkLst>
+        </pc:cxnChg>
+        <pc:cxnChg chg="add mod">
+          <ac:chgData name="Matt Pasco" userId="61e868afd31bb85b" providerId="LiveId" clId="{77207CB6-878C-4261-BE72-FD7D06F4F092}" dt="2018-04-28T17:49:06.238" v="598" actId="1037"/>
+          <ac:cxnSpMkLst>
+            <pc:docMk/>
+            <pc:sldMk cId="2777473097" sldId="261"/>
+            <ac:cxnSpMk id="19" creationId="{60821455-0CA5-49AE-B591-F335C2E810BB}"/>
+          </ac:cxnSpMkLst>
+        </pc:cxnChg>
+        <pc:cxnChg chg="add mod">
+          <ac:chgData name="Matt Pasco" userId="61e868afd31bb85b" providerId="LiveId" clId="{77207CB6-878C-4261-BE72-FD7D06F4F092}" dt="2018-04-28T17:47:33.483" v="461" actId="1038"/>
+          <ac:cxnSpMkLst>
+            <pc:docMk/>
+            <pc:sldMk cId="2777473097" sldId="261"/>
+            <ac:cxnSpMk id="23" creationId="{7B5E54E0-129E-468E-9079-C7A85CCA220B}"/>
+          </ac:cxnSpMkLst>
+        </pc:cxnChg>
+        <pc:cxnChg chg="add mod">
+          <ac:chgData name="Matt Pasco" userId="61e868afd31bb85b" providerId="LiveId" clId="{77207CB6-878C-4261-BE72-FD7D06F4F092}" dt="2018-04-28T17:49:09.837" v="600" actId="1037"/>
+          <ac:cxnSpMkLst>
+            <pc:docMk/>
+            <pc:sldMk cId="2777473097" sldId="261"/>
+            <ac:cxnSpMk id="45" creationId="{63B23734-723E-4EED-959B-76291DB510A9}"/>
+          </ac:cxnSpMkLst>
+        </pc:cxnChg>
+        <pc:cxnChg chg="add mod">
+          <ac:chgData name="Matt Pasco" userId="61e868afd31bb85b" providerId="LiveId" clId="{77207CB6-878C-4261-BE72-FD7D06F4F092}" dt="2018-04-28T17:49:06.238" v="598" actId="1037"/>
+          <ac:cxnSpMkLst>
+            <pc:docMk/>
+            <pc:sldMk cId="2777473097" sldId="261"/>
+            <ac:cxnSpMk id="51" creationId="{7F746533-2401-438A-B4E2-86088B770587}"/>
+          </ac:cxnSpMkLst>
+        </pc:cxnChg>
+        <pc:cxnChg chg="add mod">
+          <ac:chgData name="Matt Pasco" userId="61e868afd31bb85b" providerId="LiveId" clId="{77207CB6-878C-4261-BE72-FD7D06F4F092}" dt="2018-04-28T17:49:09.837" v="600" actId="1037"/>
+          <ac:cxnSpMkLst>
+            <pc:docMk/>
+            <pc:sldMk cId="2777473097" sldId="261"/>
+            <ac:cxnSpMk id="53" creationId="{19840294-3B54-447A-972B-19593B1D5ADF}"/>
+          </ac:cxnSpMkLst>
+        </pc:cxnChg>
+        <pc:cxnChg chg="add mod">
+          <ac:chgData name="Matt Pasco" userId="61e868afd31bb85b" providerId="LiveId" clId="{77207CB6-878C-4261-BE72-FD7D06F4F092}" dt="2018-04-28T17:50:34.336" v="674" actId="1036"/>
+          <ac:cxnSpMkLst>
+            <pc:docMk/>
+            <pc:sldMk cId="2777473097" sldId="261"/>
+            <ac:cxnSpMk id="54" creationId="{382E0715-64FF-434D-9FF0-D845E472B569}"/>
+          </ac:cxnSpMkLst>
+        </pc:cxnChg>
+        <pc:cxnChg chg="add del mod">
+          <ac:chgData name="Matt Pasco" userId="61e868afd31bb85b" providerId="LiveId" clId="{77207CB6-878C-4261-BE72-FD7D06F4F092}" dt="2018-04-28T17:47:30.643" v="442" actId="478"/>
+          <ac:cxnSpMkLst>
+            <pc:docMk/>
+            <pc:sldMk cId="2777473097" sldId="261"/>
+            <ac:cxnSpMk id="60" creationId="{783DD476-63E3-4AFD-8039-0B4F472ECD37}"/>
+          </ac:cxnSpMkLst>
+        </pc:cxnChg>
+        <pc:cxnChg chg="add del mod">
+          <ac:chgData name="Matt Pasco" userId="61e868afd31bb85b" providerId="LiveId" clId="{77207CB6-878C-4261-BE72-FD7D06F4F092}" dt="2018-04-28T17:47:26.908" v="441" actId="478"/>
+          <ac:cxnSpMkLst>
+            <pc:docMk/>
+            <pc:sldMk cId="2777473097" sldId="261"/>
+            <ac:cxnSpMk id="73" creationId="{CACB1380-4785-43D2-A61E-A71A0CE9215C}"/>
+          </ac:cxnSpMkLst>
+        </pc:cxnChg>
+        <pc:cxnChg chg="add mod">
+          <ac:chgData name="Matt Pasco" userId="61e868afd31bb85b" providerId="LiveId" clId="{77207CB6-878C-4261-BE72-FD7D06F4F092}" dt="2018-04-28T17:49:37.052" v="619" actId="13822"/>
+          <ac:cxnSpMkLst>
+            <pc:docMk/>
+            <pc:sldMk cId="2777473097" sldId="261"/>
+            <ac:cxnSpMk id="81" creationId="{E1FFB0E2-688C-4D06-8B90-0064269C81D7}"/>
+          </ac:cxnSpMkLst>
+        </pc:cxnChg>
+        <pc:cxnChg chg="add mod">
+          <ac:chgData name="Matt Pasco" userId="61e868afd31bb85b" providerId="LiveId" clId="{77207CB6-878C-4261-BE72-FD7D06F4F092}" dt="2018-04-28T17:49:37.052" v="619" actId="13822"/>
+          <ac:cxnSpMkLst>
+            <pc:docMk/>
+            <pc:sldMk cId="2777473097" sldId="261"/>
+            <ac:cxnSpMk id="83" creationId="{32651CC0-7207-4D85-A9A0-3CD6F90C6279}"/>
+          </ac:cxnSpMkLst>
+        </pc:cxnChg>
+        <pc:cxnChg chg="add mod">
+          <ac:chgData name="Matt Pasco" userId="61e868afd31bb85b" providerId="LiveId" clId="{77207CB6-878C-4261-BE72-FD7D06F4F092}" dt="2018-04-28T17:50:43.187" v="677" actId="13822"/>
+          <ac:cxnSpMkLst>
+            <pc:docMk/>
+            <pc:sldMk cId="2777473097" sldId="261"/>
+            <ac:cxnSpMk id="85" creationId="{ED694835-1F6B-4402-8802-1FE592A247A1}"/>
+          </ac:cxnSpMkLst>
+        </pc:cxnChg>
+        <pc:cxnChg chg="add del mod">
+          <ac:chgData name="Matt Pasco" userId="61e868afd31bb85b" providerId="LiveId" clId="{77207CB6-878C-4261-BE72-FD7D06F4F092}" dt="2018-04-28T17:50:40.859" v="676" actId="11529"/>
+          <ac:cxnSpMkLst>
+            <pc:docMk/>
+            <pc:sldMk cId="2777473097" sldId="261"/>
+            <ac:cxnSpMk id="90" creationId="{BDF04A14-75CA-4894-B087-79EFF8B6876F}"/>
+          </ac:cxnSpMkLst>
+        </pc:cxnChg>
+        <pc:cxnChg chg="add del">
+          <ac:chgData name="Matt Pasco" userId="61e868afd31bb85b" providerId="LiveId" clId="{77207CB6-878C-4261-BE72-FD7D06F4F092}" dt="2018-04-28T17:59:15.837" v="753"/>
+          <ac:cxnSpMkLst>
+            <pc:docMk/>
+            <pc:sldMk cId="2777473097" sldId="261"/>
+            <ac:cxnSpMk id="97" creationId="{4C9A94FE-D7E4-4393-A05B-9167B6090FF7}"/>
+          </ac:cxnSpMkLst>
+        </pc:cxnChg>
+        <pc:cxnChg chg="add del">
+          <ac:chgData name="Matt Pasco" userId="61e868afd31bb85b" providerId="LiveId" clId="{77207CB6-878C-4261-BE72-FD7D06F4F092}" dt="2018-04-28T17:59:15.837" v="753"/>
+          <ac:cxnSpMkLst>
+            <pc:docMk/>
+            <pc:sldMk cId="2777473097" sldId="261"/>
+            <ac:cxnSpMk id="99" creationId="{ED21C82B-C2BC-4817-AD4C-337B75499632}"/>
+          </ac:cxnSpMkLst>
+        </pc:cxnChg>
+        <pc:cxnChg chg="add del">
+          <ac:chgData name="Matt Pasco" userId="61e868afd31bb85b" providerId="LiveId" clId="{77207CB6-878C-4261-BE72-FD7D06F4F092}" dt="2018-04-28T17:59:15.837" v="753"/>
+          <ac:cxnSpMkLst>
+            <pc:docMk/>
+            <pc:sldMk cId="2777473097" sldId="261"/>
+            <ac:cxnSpMk id="101" creationId="{44CF2CF7-1367-4BB9-A831-0A5CDF825ACA}"/>
+          </ac:cxnSpMkLst>
+        </pc:cxnChg>
+        <pc:cxnChg chg="add del">
+          <ac:chgData name="Matt Pasco" userId="61e868afd31bb85b" providerId="LiveId" clId="{77207CB6-878C-4261-BE72-FD7D06F4F092}" dt="2018-04-28T17:59:15.837" v="753"/>
+          <ac:cxnSpMkLst>
+            <pc:docMk/>
+            <pc:sldMk cId="2777473097" sldId="261"/>
+            <ac:cxnSpMk id="103" creationId="{DB9D1104-4597-4AA4-BC75-58BB22B29082}"/>
+          </ac:cxnSpMkLst>
+        </pc:cxnChg>
+        <pc:cxnChg chg="add del">
+          <ac:chgData name="Matt Pasco" userId="61e868afd31bb85b" providerId="LiveId" clId="{77207CB6-878C-4261-BE72-FD7D06F4F092}" dt="2018-04-28T17:59:15.837" v="753"/>
+          <ac:cxnSpMkLst>
+            <pc:docMk/>
+            <pc:sldMk cId="2777473097" sldId="261"/>
+            <ac:cxnSpMk id="104" creationId="{97FC2D0A-2AD7-439A-97C1-B7E4280C504A}"/>
+          </ac:cxnSpMkLst>
+        </pc:cxnChg>
+        <pc:cxnChg chg="add del">
+          <ac:chgData name="Matt Pasco" userId="61e868afd31bb85b" providerId="LiveId" clId="{77207CB6-878C-4261-BE72-FD7D06F4F092}" dt="2018-04-28T17:59:15.837" v="753"/>
+          <ac:cxnSpMkLst>
+            <pc:docMk/>
+            <pc:sldMk cId="2777473097" sldId="261"/>
+            <ac:cxnSpMk id="105" creationId="{D0C7D686-347D-4066-8344-67CC3248F7AA}"/>
+          </ac:cxnSpMkLst>
+        </pc:cxnChg>
+        <pc:cxnChg chg="add mod">
+          <ac:chgData name="Matt Pasco" userId="61e868afd31bb85b" providerId="LiveId" clId="{77207CB6-878C-4261-BE72-FD7D06F4F092}" dt="2018-04-28T18:00:47.912" v="783" actId="1037"/>
+          <ac:cxnSpMkLst>
+            <pc:docMk/>
+            <pc:sldMk cId="2777473097" sldId="261"/>
+            <ac:cxnSpMk id="108" creationId="{44987315-77B9-4FEB-A799-C549765C1724}"/>
+          </ac:cxnSpMkLst>
+        </pc:cxnChg>
+        <pc:cxnChg chg="add mod">
+          <ac:chgData name="Matt Pasco" userId="61e868afd31bb85b" providerId="LiveId" clId="{77207CB6-878C-4261-BE72-FD7D06F4F092}" dt="2018-04-28T18:00:47.912" v="783" actId="1037"/>
+          <ac:cxnSpMkLst>
+            <pc:docMk/>
+            <pc:sldMk cId="2777473097" sldId="261"/>
+            <ac:cxnSpMk id="110" creationId="{004D8479-DC49-4025-9EB7-FAB0A586EAA0}"/>
+          </ac:cxnSpMkLst>
+        </pc:cxnChg>
+        <pc:cxnChg chg="add mod">
+          <ac:chgData name="Matt Pasco" userId="61e868afd31bb85b" providerId="LiveId" clId="{77207CB6-878C-4261-BE72-FD7D06F4F092}" dt="2018-04-28T18:00:47.912" v="783" actId="1037"/>
+          <ac:cxnSpMkLst>
+            <pc:docMk/>
+            <pc:sldMk cId="2777473097" sldId="261"/>
+            <ac:cxnSpMk id="113" creationId="{A1B90F6D-081E-4EDD-9244-0B6A6A2D2B1B}"/>
+          </ac:cxnSpMkLst>
+        </pc:cxnChg>
+        <pc:cxnChg chg="add mod">
+          <ac:chgData name="Matt Pasco" userId="61e868afd31bb85b" providerId="LiveId" clId="{77207CB6-878C-4261-BE72-FD7D06F4F092}" dt="2018-04-28T18:00:47.912" v="783" actId="1037"/>
+          <ac:cxnSpMkLst>
+            <pc:docMk/>
+            <pc:sldMk cId="2777473097" sldId="261"/>
+            <ac:cxnSpMk id="115" creationId="{C3F673EC-377F-45D4-B6C1-F7BA84E69764}"/>
+          </ac:cxnSpMkLst>
+        </pc:cxnChg>
+        <pc:cxnChg chg="add mod">
+          <ac:chgData name="Matt Pasco" userId="61e868afd31bb85b" providerId="LiveId" clId="{77207CB6-878C-4261-BE72-FD7D06F4F092}" dt="2018-04-28T18:00:47.912" v="783" actId="1037"/>
+          <ac:cxnSpMkLst>
+            <pc:docMk/>
+            <pc:sldMk cId="2777473097" sldId="261"/>
+            <ac:cxnSpMk id="117" creationId="{E14E8437-A418-432D-997F-1E59EF928698}"/>
+          </ac:cxnSpMkLst>
+        </pc:cxnChg>
+        <pc:cxnChg chg="add mod">
+          <ac:chgData name="Matt Pasco" userId="61e868afd31bb85b" providerId="LiveId" clId="{77207CB6-878C-4261-BE72-FD7D06F4F092}" dt="2018-04-28T18:00:47.912" v="783" actId="1037"/>
+          <ac:cxnSpMkLst>
+            <pc:docMk/>
+            <pc:sldMk cId="2777473097" sldId="261"/>
+            <ac:cxnSpMk id="118" creationId="{2ABF494F-EA27-412B-9166-18A0BFABA004}"/>
+          </ac:cxnSpMkLst>
+        </pc:cxnChg>
+        <pc:cxnChg chg="add mod">
+          <ac:chgData name="Matt Pasco" userId="61e868afd31bb85b" providerId="LiveId" clId="{77207CB6-878C-4261-BE72-FD7D06F4F092}" dt="2018-04-28T18:00:47.912" v="783" actId="1037"/>
+          <ac:cxnSpMkLst>
+            <pc:docMk/>
+            <pc:sldMk cId="2777473097" sldId="261"/>
+            <ac:cxnSpMk id="119" creationId="{128A07A8-BE28-474A-8952-05F565A5AE79}"/>
+          </ac:cxnSpMkLst>
+        </pc:cxnChg>
+        <pc:cxnChg chg="add mod">
+          <ac:chgData name="Matt Pasco" userId="61e868afd31bb85b" providerId="LiveId" clId="{77207CB6-878C-4261-BE72-FD7D06F4F092}" dt="2018-04-28T18:00:47.912" v="783" actId="1037"/>
+          <ac:cxnSpMkLst>
+            <pc:docMk/>
+            <pc:sldMk cId="2777473097" sldId="261"/>
+            <ac:cxnSpMk id="122" creationId="{F99A4289-4659-4A72-94AE-7AAE8F6AF5B6}"/>
+          </ac:cxnSpMkLst>
+        </pc:cxnChg>
+        <pc:cxnChg chg="add mod">
+          <ac:chgData name="Matt Pasco" userId="61e868afd31bb85b" providerId="LiveId" clId="{77207CB6-878C-4261-BE72-FD7D06F4F092}" dt="2018-04-28T18:01:45.827" v="814" actId="14100"/>
+          <ac:cxnSpMkLst>
+            <pc:docMk/>
+            <pc:sldMk cId="2777473097" sldId="261"/>
+            <ac:cxnSpMk id="126" creationId="{B45F6E88-A3DD-480D-A724-EE9793A81C04}"/>
+          </ac:cxnSpMkLst>
+        </pc:cxnChg>
+      </pc:sldChg>
+    </pc:docChg>
+  </pc:docChgLst>
   <pc:docChgLst>
     <pc:chgData name="Matt Pasco" userId="61e868afd31bb85b" providerId="LiveId" clId="{DDA463E8-D303-48F1-B9BC-B9C4804769A4}"/>
     <pc:docChg chg="custSel modSld">
@@ -371,7 +972,7 @@
           <a:p>
             <a:fld id="{3C998EE5-1C60-4B0B-B87B-D4B3A29EF731}" type="datetimeFigureOut">
               <a:rPr lang="en-US" smtClean="0"/>
-              <a:t>4/25/2018</a:t>
+              <a:t>4/28/2018</a:t>
             </a:fld>
             <a:endParaRPr lang="en-US"/>
           </a:p>
@@ -569,7 +1170,7 @@
           <a:p>
             <a:fld id="{3C998EE5-1C60-4B0B-B87B-D4B3A29EF731}" type="datetimeFigureOut">
               <a:rPr lang="en-US" smtClean="0"/>
-              <a:t>4/25/2018</a:t>
+              <a:t>4/28/2018</a:t>
             </a:fld>
             <a:endParaRPr lang="en-US"/>
           </a:p>
@@ -777,7 +1378,7 @@
           <a:p>
             <a:fld id="{3C998EE5-1C60-4B0B-B87B-D4B3A29EF731}" type="datetimeFigureOut">
               <a:rPr lang="en-US" smtClean="0"/>
-              <a:t>4/25/2018</a:t>
+              <a:t>4/28/2018</a:t>
             </a:fld>
             <a:endParaRPr lang="en-US"/>
           </a:p>
@@ -975,7 +1576,7 @@
           <a:p>
             <a:fld id="{3C998EE5-1C60-4B0B-B87B-D4B3A29EF731}" type="datetimeFigureOut">
               <a:rPr lang="en-US" smtClean="0"/>
-              <a:t>4/25/2018</a:t>
+              <a:t>4/28/2018</a:t>
             </a:fld>
             <a:endParaRPr lang="en-US"/>
           </a:p>
@@ -1250,7 +1851,7 @@
           <a:p>
             <a:fld id="{3C998EE5-1C60-4B0B-B87B-D4B3A29EF731}" type="datetimeFigureOut">
               <a:rPr lang="en-US" smtClean="0"/>
-              <a:t>4/25/2018</a:t>
+              <a:t>4/28/2018</a:t>
             </a:fld>
             <a:endParaRPr lang="en-US"/>
           </a:p>
@@ -1515,7 +2116,7 @@
           <a:p>
             <a:fld id="{3C998EE5-1C60-4B0B-B87B-D4B3A29EF731}" type="datetimeFigureOut">
               <a:rPr lang="en-US" smtClean="0"/>
-              <a:t>4/25/2018</a:t>
+              <a:t>4/28/2018</a:t>
             </a:fld>
             <a:endParaRPr lang="en-US"/>
           </a:p>
@@ -1927,7 +2528,7 @@
           <a:p>
             <a:fld id="{3C998EE5-1C60-4B0B-B87B-D4B3A29EF731}" type="datetimeFigureOut">
               <a:rPr lang="en-US" smtClean="0"/>
-              <a:t>4/25/2018</a:t>
+              <a:t>4/28/2018</a:t>
             </a:fld>
             <a:endParaRPr lang="en-US"/>
           </a:p>
@@ -2068,7 +2669,7 @@
           <a:p>
             <a:fld id="{3C998EE5-1C60-4B0B-B87B-D4B3A29EF731}" type="datetimeFigureOut">
               <a:rPr lang="en-US" smtClean="0"/>
-              <a:t>4/25/2018</a:t>
+              <a:t>4/28/2018</a:t>
             </a:fld>
             <a:endParaRPr lang="en-US"/>
           </a:p>
@@ -2181,7 +2782,7 @@
           <a:p>
             <a:fld id="{3C998EE5-1C60-4B0B-B87B-D4B3A29EF731}" type="datetimeFigureOut">
               <a:rPr lang="en-US" smtClean="0"/>
-              <a:t>4/25/2018</a:t>
+              <a:t>4/28/2018</a:t>
             </a:fld>
             <a:endParaRPr lang="en-US"/>
           </a:p>
@@ -2492,7 +3093,7 @@
           <a:p>
             <a:fld id="{3C998EE5-1C60-4B0B-B87B-D4B3A29EF731}" type="datetimeFigureOut">
               <a:rPr lang="en-US" smtClean="0"/>
-              <a:t>4/25/2018</a:t>
+              <a:t>4/28/2018</a:t>
             </a:fld>
             <a:endParaRPr lang="en-US"/>
           </a:p>
@@ -2780,7 +3381,7 @@
           <a:p>
             <a:fld id="{3C998EE5-1C60-4B0B-B87B-D4B3A29EF731}" type="datetimeFigureOut">
               <a:rPr lang="en-US" smtClean="0"/>
-              <a:t>4/25/2018</a:t>
+              <a:t>4/28/2018</a:t>
             </a:fld>
             <a:endParaRPr lang="en-US"/>
           </a:p>
@@ -3021,7 +3622,7 @@
           <a:p>
             <a:fld id="{3C998EE5-1C60-4B0B-B87B-D4B3A29EF731}" type="datetimeFigureOut">
               <a:rPr lang="en-US" smtClean="0"/>
-              <a:t>4/25/2018</a:t>
+              <a:t>4/28/2018</a:t>
             </a:fld>
             <a:endParaRPr lang="en-US"/>
           </a:p>
@@ -3986,10 +4587,10 @@
       </p:grpSpPr>
       <p:sp>
         <p:nvSpPr>
-          <p:cNvPr id="14" name="Double Bracket 13">
-            <a:extLst>
-              <a:ext uri="{FF2B5EF4-FFF2-40B4-BE49-F238E27FC236}">
-                <a16:creationId xmlns:a16="http://schemas.microsoft.com/office/drawing/2014/main" id="{8C15911B-A108-4EE6-82DF-45519AB3B400}"/>
+          <p:cNvPr id="57" name="Flowchart: Process 56">
+            <a:extLst>
+              <a:ext uri="{FF2B5EF4-FFF2-40B4-BE49-F238E27FC236}">
+                <a16:creationId xmlns:a16="http://schemas.microsoft.com/office/drawing/2014/main" id="{62998510-1EE9-4CB3-A9E3-2DF9331EDB5A}"/>
               </a:ext>
             </a:extLst>
           </p:cNvPr>
@@ -3998,8 +4599,70 @@
         </p:nvSpPr>
         <p:spPr>
           <a:xfrm>
-            <a:off x="1219200" y="1339969"/>
-            <a:ext cx="5785449" cy="4934309"/>
+            <a:off x="3492840" y="1388325"/>
+            <a:ext cx="5460487" cy="4988141"/>
+          </a:xfrm>
+          <a:prstGeom prst="flowChartProcess">
+            <a:avLst/>
+          </a:prstGeom>
+          <a:solidFill>
+            <a:schemeClr val="bg1">
+              <a:lumMod val="95000"/>
+            </a:schemeClr>
+          </a:solidFill>
+          <a:ln>
+            <a:solidFill>
+              <a:schemeClr val="tx1"/>
+            </a:solidFill>
+          </a:ln>
+        </p:spPr>
+        <p:style>
+          <a:lnRef idx="2">
+            <a:schemeClr val="accent1">
+              <a:shade val="50000"/>
+            </a:schemeClr>
+          </a:lnRef>
+          <a:fillRef idx="1">
+            <a:schemeClr val="accent1"/>
+          </a:fillRef>
+          <a:effectRef idx="0">
+            <a:schemeClr val="accent1"/>
+          </a:effectRef>
+          <a:fontRef idx="minor">
+            <a:schemeClr val="lt1"/>
+          </a:fontRef>
+        </p:style>
+        <p:txBody>
+          <a:bodyPr rtlCol="0" anchor="ctr"/>
+          <a:lstStyle/>
+          <a:p>
+            <a:pPr algn="ctr"/>
+            <a:endParaRPr lang="en-US" sz="1400" dirty="0">
+              <a:solidFill>
+                <a:schemeClr val="tx1"/>
+              </a:solidFill>
+              <a:latin typeface="Times New Roman" panose="02020603050405020304" pitchFamily="18" charset="0"/>
+              <a:cs typeface="Times New Roman" panose="02020603050405020304" pitchFamily="18" charset="0"/>
+            </a:endParaRPr>
+          </a:p>
+        </p:txBody>
+      </p:sp>
+      <p:sp>
+        <p:nvSpPr>
+          <p:cNvPr id="4" name="Double Bracket 3">
+            <a:extLst>
+              <a:ext uri="{FF2B5EF4-FFF2-40B4-BE49-F238E27FC236}">
+                <a16:creationId xmlns:a16="http://schemas.microsoft.com/office/drawing/2014/main" id="{38B81C03-0AFB-41ED-8621-F4391F604280}"/>
+              </a:ext>
+            </a:extLst>
+          </p:cNvPr>
+          <p:cNvSpPr/>
+          <p:nvPr/>
+        </p:nvSpPr>
+        <p:spPr>
+          <a:xfrm>
+            <a:off x="310976" y="1339969"/>
+            <a:ext cx="3006811" cy="4934309"/>
           </a:xfrm>
           <a:prstGeom prst="bracketPair">
             <a:avLst>
@@ -4026,7 +4689,7 @@
           <a:lstStyle/>
           <a:p>
             <a:pPr algn="ctr"/>
-            <a:endParaRPr lang="en-US">
+            <a:endParaRPr lang="en-US" sz="1400">
               <a:latin typeface="Times New Roman" panose="02020603050405020304" pitchFamily="18" charset="0"/>
               <a:cs typeface="Times New Roman" panose="02020603050405020304" pitchFamily="18" charset="0"/>
             </a:endParaRPr>
@@ -4035,10 +4698,10 @@
       </p:sp>
       <p:sp>
         <p:nvSpPr>
-          <p:cNvPr id="15" name="Double Bracket 14">
-            <a:extLst>
-              <a:ext uri="{FF2B5EF4-FFF2-40B4-BE49-F238E27FC236}">
-                <a16:creationId xmlns:a16="http://schemas.microsoft.com/office/drawing/2014/main" id="{C28020CD-43EF-41B7-86BD-C91A86C1C26D}"/>
+          <p:cNvPr id="5" name="Double Bracket 4">
+            <a:extLst>
+              <a:ext uri="{FF2B5EF4-FFF2-40B4-BE49-F238E27FC236}">
+                <a16:creationId xmlns:a16="http://schemas.microsoft.com/office/drawing/2014/main" id="{FE79A487-BED9-4EDF-8CCD-D1147DFCAD34}"/>
               </a:ext>
             </a:extLst>
           </p:cNvPr>
@@ -4047,8 +4710,8 @@
         </p:nvSpPr>
         <p:spPr>
           <a:xfrm>
-            <a:off x="1360098" y="1535501"/>
-            <a:ext cx="2697193" cy="603849"/>
+            <a:off x="466241" y="1540596"/>
+            <a:ext cx="2629126" cy="603849"/>
           </a:xfrm>
           <a:prstGeom prst="bracketPair">
             <a:avLst/>
@@ -4073,7 +4736,7 @@
           <a:lstStyle/>
           <a:p>
             <a:pPr algn="ctr"/>
-            <a:endParaRPr lang="en-US">
+            <a:endParaRPr lang="en-US" sz="1400">
               <a:latin typeface="Times New Roman" panose="02020603050405020304" pitchFamily="18" charset="0"/>
               <a:cs typeface="Times New Roman" panose="02020603050405020304" pitchFamily="18" charset="0"/>
             </a:endParaRPr>
@@ -4082,10 +4745,207 @@
       </p:sp>
       <p:sp>
         <p:nvSpPr>
-          <p:cNvPr id="16" name="Double Bracket 15">
-            <a:extLst>
-              <a:ext uri="{FF2B5EF4-FFF2-40B4-BE49-F238E27FC236}">
-                <a16:creationId xmlns:a16="http://schemas.microsoft.com/office/drawing/2014/main" id="{1AF8EB5C-13F1-4E33-8BB8-45E3A03323ED}"/>
+          <p:cNvPr id="6" name="TextBox 5">
+            <a:extLst>
+              <a:ext uri="{FF2B5EF4-FFF2-40B4-BE49-F238E27FC236}">
+                <a16:creationId xmlns:a16="http://schemas.microsoft.com/office/drawing/2014/main" id="{7F4C7A04-C157-443E-BC54-6B872D712430}"/>
+              </a:ext>
+            </a:extLst>
+          </p:cNvPr>
+          <p:cNvSpPr txBox="1"/>
+          <p:nvPr/>
+        </p:nvSpPr>
+        <p:spPr>
+          <a:xfrm>
+            <a:off x="561861" y="1611689"/>
+            <a:ext cx="2386092" cy="369332"/>
+          </a:xfrm>
+          <a:prstGeom prst="rect">
+            <a:avLst/>
+          </a:prstGeom>
+          <a:noFill/>
+        </p:spPr>
+        <p:txBody>
+          <a:bodyPr wrap="square" rtlCol="0">
+            <a:spAutoFit/>
+          </a:bodyPr>
+          <a:lstStyle/>
+          <a:p>
+            <a:pPr algn="ctr"/>
+            <a:r>
+              <a:rPr lang="en-US" dirty="0">
+                <a:latin typeface="Times New Roman" panose="02020603050405020304" pitchFamily="18" charset="0"/>
+                <a:cs typeface="Times New Roman" panose="02020603050405020304" pitchFamily="18" charset="0"/>
+              </a:rPr>
+              <a:t>Team</a:t>
+            </a:r>
+            <a:r>
+              <a:rPr lang="en-US" baseline="-25000" dirty="0">
+                <a:latin typeface="Times New Roman" panose="02020603050405020304" pitchFamily="18" charset="0"/>
+                <a:cs typeface="Times New Roman" panose="02020603050405020304" pitchFamily="18" charset="0"/>
+              </a:rPr>
+              <a:t>0,0</a:t>
+            </a:r>
+            <a:r>
+              <a:rPr lang="en-US" dirty="0">
+                <a:latin typeface="Times New Roman" panose="02020603050405020304" pitchFamily="18" charset="0"/>
+                <a:cs typeface="Times New Roman" panose="02020603050405020304" pitchFamily="18" charset="0"/>
+              </a:rPr>
+              <a:t> ID, Team</a:t>
+            </a:r>
+            <a:r>
+              <a:rPr lang="en-US" baseline="-25000" dirty="0">
+                <a:latin typeface="Times New Roman" panose="02020603050405020304" pitchFamily="18" charset="0"/>
+                <a:cs typeface="Times New Roman" panose="02020603050405020304" pitchFamily="18" charset="0"/>
+              </a:rPr>
+              <a:t>0,1</a:t>
+            </a:r>
+            <a:r>
+              <a:rPr lang="en-US" dirty="0">
+                <a:latin typeface="Times New Roman" panose="02020603050405020304" pitchFamily="18" charset="0"/>
+                <a:cs typeface="Times New Roman" panose="02020603050405020304" pitchFamily="18" charset="0"/>
+              </a:rPr>
+              <a:t> ID</a:t>
+            </a:r>
+          </a:p>
+        </p:txBody>
+      </p:sp>
+      <p:sp>
+        <p:nvSpPr>
+          <p:cNvPr id="7" name="TextBox 6">
+            <a:extLst>
+              <a:ext uri="{FF2B5EF4-FFF2-40B4-BE49-F238E27FC236}">
+                <a16:creationId xmlns:a16="http://schemas.microsoft.com/office/drawing/2014/main" id="{8B557183-F2D9-4449-A5CF-70E5968F689B}"/>
+              </a:ext>
+            </a:extLst>
+          </p:cNvPr>
+          <p:cNvSpPr txBox="1"/>
+          <p:nvPr/>
+        </p:nvSpPr>
+        <p:spPr>
+          <a:xfrm rot="5400000">
+            <a:off x="497262" y="3200871"/>
+            <a:ext cx="3128514" cy="1015663"/>
+          </a:xfrm>
+          <a:prstGeom prst="rect">
+            <a:avLst/>
+          </a:prstGeom>
+          <a:noFill/>
+        </p:spPr>
+        <p:txBody>
+          <a:bodyPr wrap="square" rtlCol="0">
+            <a:spAutoFit/>
+          </a:bodyPr>
+          <a:lstStyle/>
+          <a:p>
+            <a:pPr algn="ctr"/>
+            <a:r>
+              <a:rPr lang="en-US" sz="6000" dirty="0">
+                <a:latin typeface="Times New Roman" panose="02020603050405020304" pitchFamily="18" charset="0"/>
+                <a:cs typeface="Times New Roman" panose="02020603050405020304" pitchFamily="18" charset="0"/>
+              </a:rPr>
+              <a:t>…</a:t>
+            </a:r>
+          </a:p>
+        </p:txBody>
+      </p:sp>
+      <p:sp>
+        <p:nvSpPr>
+          <p:cNvPr id="8" name="TextBox 7">
+            <a:extLst>
+              <a:ext uri="{FF2B5EF4-FFF2-40B4-BE49-F238E27FC236}">
+                <a16:creationId xmlns:a16="http://schemas.microsoft.com/office/drawing/2014/main" id="{E74ED724-1BBF-4817-AF17-BECA7DD14777}"/>
+              </a:ext>
+            </a:extLst>
+          </p:cNvPr>
+          <p:cNvSpPr txBox="1"/>
+          <p:nvPr/>
+        </p:nvSpPr>
+        <p:spPr>
+          <a:xfrm>
+            <a:off x="-5325" y="6184749"/>
+            <a:ext cx="457200" cy="307777"/>
+          </a:xfrm>
+          <a:prstGeom prst="rect">
+            <a:avLst/>
+          </a:prstGeom>
+          <a:noFill/>
+        </p:spPr>
+        <p:txBody>
+          <a:bodyPr wrap="square" rtlCol="0">
+            <a:spAutoFit/>
+          </a:bodyPr>
+          <a:lstStyle/>
+          <a:p>
+            <a:r>
+              <a:rPr lang="en-US" sz="1400" dirty="0">
+                <a:latin typeface="Times New Roman" panose="02020603050405020304" pitchFamily="18" charset="0"/>
+                <a:cs typeface="Times New Roman" panose="02020603050405020304" pitchFamily="18" charset="0"/>
+              </a:rPr>
+              <a:t>32</a:t>
+            </a:r>
+          </a:p>
+        </p:txBody>
+      </p:sp>
+      <p:sp>
+        <p:nvSpPr>
+          <p:cNvPr id="9" name="TextBox 8">
+            <a:extLst>
+              <a:ext uri="{FF2B5EF4-FFF2-40B4-BE49-F238E27FC236}">
+                <a16:creationId xmlns:a16="http://schemas.microsoft.com/office/drawing/2014/main" id="{F94AF2A1-1D72-427D-90FC-3525210E70AF}"/>
+              </a:ext>
+            </a:extLst>
+          </p:cNvPr>
+          <p:cNvSpPr txBox="1"/>
+          <p:nvPr/>
+        </p:nvSpPr>
+        <p:spPr>
+          <a:xfrm>
+            <a:off x="9145875" y="718194"/>
+            <a:ext cx="3006808" cy="707886"/>
+          </a:xfrm>
+          <a:prstGeom prst="rect">
+            <a:avLst/>
+          </a:prstGeom>
+          <a:noFill/>
+        </p:spPr>
+        <p:txBody>
+          <a:bodyPr wrap="square" rtlCol="0">
+            <a:spAutoFit/>
+          </a:bodyPr>
+          <a:lstStyle/>
+          <a:p>
+            <a:pPr algn="ctr"/>
+            <a:r>
+              <a:rPr lang="en-US" sz="2000" dirty="0">
+                <a:latin typeface="Times New Roman" panose="02020603050405020304" pitchFamily="18" charset="0"/>
+                <a:cs typeface="Times New Roman" panose="02020603050405020304" pitchFamily="18" charset="0"/>
+              </a:rPr>
+              <a:t>Predicted 2</a:t>
+            </a:r>
+            <a:r>
+              <a:rPr lang="en-US" sz="2000" baseline="30000" dirty="0">
+                <a:latin typeface="Times New Roman" panose="02020603050405020304" pitchFamily="18" charset="0"/>
+                <a:cs typeface="Times New Roman" panose="02020603050405020304" pitchFamily="18" charset="0"/>
+              </a:rPr>
+              <a:t>nd</a:t>
+            </a:r>
+            <a:r>
+              <a:rPr lang="en-US" sz="2000" dirty="0">
+                <a:latin typeface="Times New Roman" panose="02020603050405020304" pitchFamily="18" charset="0"/>
+                <a:cs typeface="Times New Roman" panose="02020603050405020304" pitchFamily="18" charset="0"/>
+              </a:rPr>
+              <a:t>  Round Games</a:t>
+            </a:r>
+          </a:p>
+        </p:txBody>
+      </p:sp>
+      <p:sp>
+        <p:nvSpPr>
+          <p:cNvPr id="10" name="Double Bracket 9">
+            <a:extLst>
+              <a:ext uri="{FF2B5EF4-FFF2-40B4-BE49-F238E27FC236}">
+                <a16:creationId xmlns:a16="http://schemas.microsoft.com/office/drawing/2014/main" id="{AFE203FE-EA2E-4554-BCFE-44EDAE41CBC1}"/>
               </a:ext>
             </a:extLst>
           </p:cNvPr>
@@ -4094,8 +4954,8 @@
         </p:nvSpPr>
         <p:spPr>
           <a:xfrm>
-            <a:off x="4198188" y="1535502"/>
-            <a:ext cx="2697193" cy="603849"/>
+            <a:off x="451874" y="5511684"/>
+            <a:ext cx="2643493" cy="603849"/>
           </a:xfrm>
           <a:prstGeom prst="bracketPair">
             <a:avLst/>
@@ -4120,7 +4980,7 @@
           <a:lstStyle/>
           <a:p>
             <a:pPr algn="ctr"/>
-            <a:endParaRPr lang="en-US">
+            <a:endParaRPr lang="en-US" sz="1400">
               <a:latin typeface="Times New Roman" panose="02020603050405020304" pitchFamily="18" charset="0"/>
               <a:cs typeface="Times New Roman" panose="02020603050405020304" pitchFamily="18" charset="0"/>
             </a:endParaRPr>
@@ -4129,10 +4989,10 @@
       </p:sp>
       <p:sp>
         <p:nvSpPr>
-          <p:cNvPr id="17" name="TextBox 16">
-            <a:extLst>
-              <a:ext uri="{FF2B5EF4-FFF2-40B4-BE49-F238E27FC236}">
-                <a16:creationId xmlns:a16="http://schemas.microsoft.com/office/drawing/2014/main" id="{EA98BA4C-4894-4C0F-A628-F7EDCB9DD70B}"/>
+          <p:cNvPr id="11" name="TextBox 10">
+            <a:extLst>
+              <a:ext uri="{FF2B5EF4-FFF2-40B4-BE49-F238E27FC236}">
+                <a16:creationId xmlns:a16="http://schemas.microsoft.com/office/drawing/2014/main" id="{3C6490D6-E708-439A-9B8E-FB92EE6DE75D}"/>
               </a:ext>
             </a:extLst>
           </p:cNvPr>
@@ -4141,8 +5001,8 @@
         </p:nvSpPr>
         <p:spPr>
           <a:xfrm>
-            <a:off x="1467928" y="1483482"/>
-            <a:ext cx="2513162" cy="707886"/>
+            <a:off x="561861" y="5585147"/>
+            <a:ext cx="2533506" cy="369332"/>
           </a:xfrm>
           <a:prstGeom prst="rect">
             <a:avLst/>
@@ -4157,420 +5017,410 @@
           <a:p>
             <a:pPr algn="ctr"/>
             <a:r>
-              <a:rPr lang="en-US" sz="2000" dirty="0">
+              <a:rPr lang="en-US" dirty="0">
                 <a:latin typeface="Times New Roman" panose="02020603050405020304" pitchFamily="18" charset="0"/>
                 <a:cs typeface="Times New Roman" panose="02020603050405020304" pitchFamily="18" charset="0"/>
               </a:rPr>
               <a:t>Team</a:t>
             </a:r>
             <a:r>
-              <a:rPr lang="en-US" sz="2000" baseline="-25000" dirty="0">
-                <a:latin typeface="Times New Roman" panose="02020603050405020304" pitchFamily="18" charset="0"/>
-                <a:cs typeface="Times New Roman" panose="02020603050405020304" pitchFamily="18" charset="0"/>
-              </a:rPr>
-              <a:t>0,0</a:t>
-            </a:r>
-            <a:r>
-              <a:rPr lang="en-US" sz="2000" dirty="0">
-                <a:latin typeface="Times New Roman" panose="02020603050405020304" pitchFamily="18" charset="0"/>
-                <a:cs typeface="Times New Roman" panose="02020603050405020304" pitchFamily="18" charset="0"/>
-              </a:rPr>
-              <a:t> </a:t>
-            </a:r>
-            <a:r>
-              <a:rPr lang="en-US" sz="2000" dirty="0" err="1">
-                <a:latin typeface="Times New Roman" panose="02020603050405020304" pitchFamily="18" charset="0"/>
-                <a:cs typeface="Times New Roman" panose="02020603050405020304" pitchFamily="18" charset="0"/>
-              </a:rPr>
-              <a:t>Kenpom</a:t>
-            </a:r>
-            <a:r>
-              <a:rPr lang="en-US" sz="2000" dirty="0">
-                <a:latin typeface="Times New Roman" panose="02020603050405020304" pitchFamily="18" charset="0"/>
-                <a:cs typeface="Times New Roman" panose="02020603050405020304" pitchFamily="18" charset="0"/>
-              </a:rPr>
-              <a:t> Features</a:t>
-            </a:r>
-          </a:p>
-        </p:txBody>
-      </p:sp>
-      <p:sp>
-        <p:nvSpPr>
-          <p:cNvPr id="18" name="TextBox 17">
-            <a:extLst>
-              <a:ext uri="{FF2B5EF4-FFF2-40B4-BE49-F238E27FC236}">
-                <a16:creationId xmlns:a16="http://schemas.microsoft.com/office/drawing/2014/main" id="{6134CB12-4F2C-4339-AB6F-239BED3FC62A}"/>
-              </a:ext>
-            </a:extLst>
-          </p:cNvPr>
-          <p:cNvSpPr txBox="1"/>
-          <p:nvPr/>
-        </p:nvSpPr>
-        <p:spPr>
-          <a:xfrm>
-            <a:off x="4290203" y="1483221"/>
-            <a:ext cx="2513162" cy="707886"/>
-          </a:xfrm>
-          <a:prstGeom prst="rect">
-            <a:avLst/>
-          </a:prstGeom>
-          <a:noFill/>
-        </p:spPr>
-        <p:txBody>
-          <a:bodyPr wrap="square" rtlCol="0">
-            <a:spAutoFit/>
-          </a:bodyPr>
+              <a:rPr lang="en-US" baseline="-25000" dirty="0">
+                <a:latin typeface="Times New Roman" panose="02020603050405020304" pitchFamily="18" charset="0"/>
+                <a:cs typeface="Times New Roman" panose="02020603050405020304" pitchFamily="18" charset="0"/>
+              </a:rPr>
+              <a:t>31,0</a:t>
+            </a:r>
+            <a:r>
+              <a:rPr lang="en-US" dirty="0">
+                <a:latin typeface="Times New Roman" panose="02020603050405020304" pitchFamily="18" charset="0"/>
+                <a:cs typeface="Times New Roman" panose="02020603050405020304" pitchFamily="18" charset="0"/>
+              </a:rPr>
+              <a:t> ID, Team</a:t>
+            </a:r>
+            <a:r>
+              <a:rPr lang="en-US" baseline="-25000" dirty="0">
+                <a:latin typeface="Times New Roman" panose="02020603050405020304" pitchFamily="18" charset="0"/>
+                <a:cs typeface="Times New Roman" panose="02020603050405020304" pitchFamily="18" charset="0"/>
+              </a:rPr>
+              <a:t>31,1</a:t>
+            </a:r>
+            <a:r>
+              <a:rPr lang="en-US" dirty="0">
+                <a:latin typeface="Times New Roman" panose="02020603050405020304" pitchFamily="18" charset="0"/>
+                <a:cs typeface="Times New Roman" panose="02020603050405020304" pitchFamily="18" charset="0"/>
+              </a:rPr>
+              <a:t> ID</a:t>
+            </a:r>
+          </a:p>
+        </p:txBody>
+      </p:sp>
+      <p:sp>
+        <p:nvSpPr>
+          <p:cNvPr id="12" name="Flowchart: Process 11">
+            <a:extLst>
+              <a:ext uri="{FF2B5EF4-FFF2-40B4-BE49-F238E27FC236}">
+                <a16:creationId xmlns:a16="http://schemas.microsoft.com/office/drawing/2014/main" id="{0388C244-BF7D-478D-8EBA-136AE8E0E347}"/>
+              </a:ext>
+            </a:extLst>
+          </p:cNvPr>
+          <p:cNvSpPr/>
+          <p:nvPr/>
+        </p:nvSpPr>
+        <p:spPr>
+          <a:xfrm>
+            <a:off x="3641182" y="1540596"/>
+            <a:ext cx="1326238" cy="609078"/>
+          </a:xfrm>
+          <a:prstGeom prst="flowChartProcess">
+            <a:avLst/>
+          </a:prstGeom>
+          <a:solidFill>
+            <a:schemeClr val="bg1"/>
+          </a:solidFill>
+          <a:ln>
+            <a:solidFill>
+              <a:schemeClr val="tx1"/>
+            </a:solidFill>
+          </a:ln>
+        </p:spPr>
+        <p:style>
+          <a:lnRef idx="2">
+            <a:schemeClr val="accent1">
+              <a:shade val="50000"/>
+            </a:schemeClr>
+          </a:lnRef>
+          <a:fillRef idx="1">
+            <a:schemeClr val="accent1"/>
+          </a:fillRef>
+          <a:effectRef idx="0">
+            <a:schemeClr val="accent1"/>
+          </a:effectRef>
+          <a:fontRef idx="minor">
+            <a:schemeClr val="lt1"/>
+          </a:fontRef>
+        </p:style>
+        <p:txBody>
+          <a:bodyPr rtlCol="0" anchor="ctr"/>
           <a:lstStyle/>
           <a:p>
             <a:pPr algn="ctr"/>
             <a:r>
-              <a:rPr lang="en-US" sz="2000" dirty="0">
-                <a:latin typeface="Times New Roman" panose="02020603050405020304" pitchFamily="18" charset="0"/>
-                <a:cs typeface="Times New Roman" panose="02020603050405020304" pitchFamily="18" charset="0"/>
-              </a:rPr>
-              <a:t>Team</a:t>
-            </a:r>
-            <a:r>
-              <a:rPr lang="en-US" sz="2000" baseline="-25000" dirty="0">
-                <a:latin typeface="Times New Roman" panose="02020603050405020304" pitchFamily="18" charset="0"/>
-                <a:cs typeface="Times New Roman" panose="02020603050405020304" pitchFamily="18" charset="0"/>
-              </a:rPr>
-              <a:t>0,1</a:t>
-            </a:r>
-            <a:r>
-              <a:rPr lang="en-US" sz="2000" dirty="0">
-                <a:latin typeface="Times New Roman" panose="02020603050405020304" pitchFamily="18" charset="0"/>
-                <a:cs typeface="Times New Roman" panose="02020603050405020304" pitchFamily="18" charset="0"/>
-              </a:rPr>
-              <a:t> </a:t>
-            </a:r>
-            <a:r>
-              <a:rPr lang="en-US" sz="2000" dirty="0" err="1">
-                <a:latin typeface="Times New Roman" panose="02020603050405020304" pitchFamily="18" charset="0"/>
-                <a:cs typeface="Times New Roman" panose="02020603050405020304" pitchFamily="18" charset="0"/>
-              </a:rPr>
-              <a:t>Kenpom</a:t>
-            </a:r>
-            <a:r>
-              <a:rPr lang="en-US" sz="2000" dirty="0">
-                <a:latin typeface="Times New Roman" panose="02020603050405020304" pitchFamily="18" charset="0"/>
-                <a:cs typeface="Times New Roman" panose="02020603050405020304" pitchFamily="18" charset="0"/>
-              </a:rPr>
-              <a:t> Features</a:t>
-            </a:r>
-          </a:p>
-        </p:txBody>
-      </p:sp>
-      <p:sp>
-        <p:nvSpPr>
-          <p:cNvPr id="20" name="Double Bracket 19">
-            <a:extLst>
-              <a:ext uri="{FF2B5EF4-FFF2-40B4-BE49-F238E27FC236}">
-                <a16:creationId xmlns:a16="http://schemas.microsoft.com/office/drawing/2014/main" id="{CE2F4AF5-5911-4927-AB5A-FD25B3C1B13F}"/>
-              </a:ext>
-            </a:extLst>
-          </p:cNvPr>
-          <p:cNvSpPr/>
-          <p:nvPr/>
-        </p:nvSpPr>
-        <p:spPr>
-          <a:xfrm>
-            <a:off x="1360098" y="5528882"/>
-            <a:ext cx="2697193" cy="603849"/>
-          </a:xfrm>
-          <a:prstGeom prst="bracketPair">
-            <a:avLst/>
-          </a:prstGeom>
+              <a:rPr lang="en-US" sz="1400" dirty="0">
+                <a:solidFill>
+                  <a:schemeClr val="tx1"/>
+                </a:solidFill>
+                <a:latin typeface="Times New Roman" panose="02020603050405020304" pitchFamily="18" charset="0"/>
+                <a:cs typeface="Times New Roman" panose="02020603050405020304" pitchFamily="18" charset="0"/>
+              </a:rPr>
+              <a:t>Create feature vector</a:t>
+            </a:r>
+          </a:p>
+        </p:txBody>
+      </p:sp>
+      <p:cxnSp>
+        <p:nvCxnSpPr>
+          <p:cNvPr id="14" name="Straight Arrow Connector 13">
+            <a:extLst>
+              <a:ext uri="{FF2B5EF4-FFF2-40B4-BE49-F238E27FC236}">
+                <a16:creationId xmlns:a16="http://schemas.microsoft.com/office/drawing/2014/main" id="{2BFAEA89-58D5-4B54-BFAF-8ED1C9E4D083}"/>
+              </a:ext>
+            </a:extLst>
+          </p:cNvPr>
+          <p:cNvCxnSpPr>
+            <a:cxnSpLocks/>
+            <a:stCxn id="5" idx="3"/>
+            <a:endCxn id="12" idx="1"/>
+          </p:cNvCxnSpPr>
+          <p:nvPr/>
+        </p:nvCxnSpPr>
+        <p:spPr>
+          <a:xfrm>
+            <a:off x="3095367" y="1842521"/>
+            <a:ext cx="545815" cy="2614"/>
+          </a:xfrm>
+          <a:prstGeom prst="straightConnector1">
+            <a:avLst/>
+          </a:prstGeom>
+          <a:ln>
+            <a:tailEnd type="triangle"/>
+          </a:ln>
         </p:spPr>
         <p:style>
-          <a:lnRef idx="3">
+          <a:lnRef idx="1">
             <a:schemeClr val="dk1"/>
           </a:lnRef>
           <a:fillRef idx="0">
             <a:schemeClr val="dk1"/>
           </a:fillRef>
-          <a:effectRef idx="2">
+          <a:effectRef idx="0">
             <a:schemeClr val="dk1"/>
           </a:effectRef>
           <a:fontRef idx="minor">
             <a:schemeClr val="tx1"/>
           </a:fontRef>
         </p:style>
+      </p:cxnSp>
+      <p:sp>
+        <p:nvSpPr>
+          <p:cNvPr id="15" name="Flowchart: Predefined Process 14">
+            <a:extLst>
+              <a:ext uri="{FF2B5EF4-FFF2-40B4-BE49-F238E27FC236}">
+                <a16:creationId xmlns:a16="http://schemas.microsoft.com/office/drawing/2014/main" id="{71E8A17A-BEE7-4014-8DC1-95131949B865}"/>
+              </a:ext>
+            </a:extLst>
+          </p:cNvPr>
+          <p:cNvSpPr/>
+          <p:nvPr/>
+        </p:nvSpPr>
+        <p:spPr>
+          <a:xfrm>
+            <a:off x="5611511" y="419839"/>
+            <a:ext cx="1133732" cy="730689"/>
+          </a:xfrm>
+          <a:prstGeom prst="flowChartPredefinedProcess">
+            <a:avLst/>
+          </a:prstGeom>
+          <a:solidFill>
+            <a:schemeClr val="bg1"/>
+          </a:solidFill>
+          <a:ln>
+            <a:solidFill>
+              <a:schemeClr val="tx1"/>
+            </a:solidFill>
+          </a:ln>
+        </p:spPr>
+        <p:style>
+          <a:lnRef idx="2">
+            <a:schemeClr val="accent1">
+              <a:shade val="50000"/>
+            </a:schemeClr>
+          </a:lnRef>
+          <a:fillRef idx="1">
+            <a:schemeClr val="accent1"/>
+          </a:fillRef>
+          <a:effectRef idx="0">
+            <a:schemeClr val="accent1"/>
+          </a:effectRef>
+          <a:fontRef idx="minor">
+            <a:schemeClr val="lt1"/>
+          </a:fontRef>
+        </p:style>
         <p:txBody>
           <a:bodyPr rtlCol="0" anchor="ctr"/>
           <a:lstStyle/>
           <a:p>
             <a:pPr algn="ctr"/>
-            <a:endParaRPr lang="en-US">
+            <a:r>
+              <a:rPr lang="en-US" sz="1400" dirty="0">
+                <a:solidFill>
+                  <a:schemeClr val="tx1"/>
+                </a:solidFill>
+                <a:latin typeface="Times New Roman" panose="02020603050405020304" pitchFamily="18" charset="0"/>
+                <a:cs typeface="Times New Roman" panose="02020603050405020304" pitchFamily="18" charset="0"/>
+              </a:rPr>
+              <a:t>Trained Model</a:t>
+            </a:r>
+          </a:p>
+        </p:txBody>
+      </p:sp>
+      <p:sp>
+        <p:nvSpPr>
+          <p:cNvPr id="17" name="Flowchart: Process 16">
+            <a:extLst>
+              <a:ext uri="{FF2B5EF4-FFF2-40B4-BE49-F238E27FC236}">
+                <a16:creationId xmlns:a16="http://schemas.microsoft.com/office/drawing/2014/main" id="{5056A39E-E0E4-49AE-A9E8-76C7ADC95F2E}"/>
+              </a:ext>
+            </a:extLst>
+          </p:cNvPr>
+          <p:cNvSpPr/>
+          <p:nvPr/>
+        </p:nvSpPr>
+        <p:spPr>
+          <a:xfrm>
+            <a:off x="5189843" y="1540596"/>
+            <a:ext cx="1037967" cy="603849"/>
+          </a:xfrm>
+          <a:prstGeom prst="flowChartProcess">
+            <a:avLst/>
+          </a:prstGeom>
+          <a:solidFill>
+            <a:schemeClr val="bg1"/>
+          </a:solidFill>
+          <a:ln>
+            <a:solidFill>
+              <a:schemeClr val="tx1"/>
+            </a:solidFill>
+          </a:ln>
+        </p:spPr>
+        <p:style>
+          <a:lnRef idx="2">
+            <a:schemeClr val="accent1">
+              <a:shade val="50000"/>
+            </a:schemeClr>
+          </a:lnRef>
+          <a:fillRef idx="1">
+            <a:schemeClr val="accent1"/>
+          </a:fillRef>
+          <a:effectRef idx="0">
+            <a:schemeClr val="accent1"/>
+          </a:effectRef>
+          <a:fontRef idx="minor">
+            <a:schemeClr val="lt1"/>
+          </a:fontRef>
+        </p:style>
+        <p:txBody>
+          <a:bodyPr rtlCol="0" anchor="ctr"/>
+          <a:lstStyle/>
+          <a:p>
+            <a:pPr algn="ctr"/>
+            <a:r>
+              <a:rPr lang="en-US" sz="1400" dirty="0">
+                <a:solidFill>
+                  <a:schemeClr val="tx1"/>
+                </a:solidFill>
+                <a:latin typeface="Times New Roman" panose="02020603050405020304" pitchFamily="18" charset="0"/>
+                <a:cs typeface="Times New Roman" panose="02020603050405020304" pitchFamily="18" charset="0"/>
+              </a:rPr>
+              <a:t>Predict</a:t>
+            </a:r>
+            <a:endParaRPr lang="en-US" dirty="0">
+              <a:solidFill>
+                <a:schemeClr val="tx1"/>
+              </a:solidFill>
               <a:latin typeface="Times New Roman" panose="02020603050405020304" pitchFamily="18" charset="0"/>
               <a:cs typeface="Times New Roman" panose="02020603050405020304" pitchFamily="18" charset="0"/>
             </a:endParaRPr>
           </a:p>
         </p:txBody>
       </p:sp>
-      <p:sp>
-        <p:nvSpPr>
-          <p:cNvPr id="21" name="Double Bracket 20">
-            <a:extLst>
-              <a:ext uri="{FF2B5EF4-FFF2-40B4-BE49-F238E27FC236}">
-                <a16:creationId xmlns:a16="http://schemas.microsoft.com/office/drawing/2014/main" id="{B9C711F1-B151-4E9A-A5F6-AD79DAB96089}"/>
-              </a:ext>
-            </a:extLst>
-          </p:cNvPr>
-          <p:cNvSpPr/>
-          <p:nvPr/>
-        </p:nvSpPr>
-        <p:spPr>
-          <a:xfrm>
-            <a:off x="4198188" y="5528883"/>
-            <a:ext cx="2697193" cy="603849"/>
-          </a:xfrm>
-          <a:prstGeom prst="bracketPair">
-            <a:avLst/>
-          </a:prstGeom>
+      <p:cxnSp>
+        <p:nvCxnSpPr>
+          <p:cNvPr id="19" name="Straight Arrow Connector 18">
+            <a:extLst>
+              <a:ext uri="{FF2B5EF4-FFF2-40B4-BE49-F238E27FC236}">
+                <a16:creationId xmlns:a16="http://schemas.microsoft.com/office/drawing/2014/main" id="{60821455-0CA5-49AE-B591-F335C2E810BB}"/>
+              </a:ext>
+            </a:extLst>
+          </p:cNvPr>
+          <p:cNvCxnSpPr>
+            <a:cxnSpLocks/>
+            <a:stCxn id="12" idx="3"/>
+            <a:endCxn id="17" idx="1"/>
+          </p:cNvCxnSpPr>
+          <p:nvPr/>
+        </p:nvCxnSpPr>
+        <p:spPr>
+          <a:xfrm flipV="1">
+            <a:off x="4967420" y="1842521"/>
+            <a:ext cx="222423" cy="2614"/>
+          </a:xfrm>
+          <a:prstGeom prst="straightConnector1">
+            <a:avLst/>
+          </a:prstGeom>
+          <a:ln>
+            <a:tailEnd type="triangle"/>
+          </a:ln>
         </p:spPr>
         <p:style>
-          <a:lnRef idx="3">
+          <a:lnRef idx="1">
             <a:schemeClr val="dk1"/>
           </a:lnRef>
           <a:fillRef idx="0">
             <a:schemeClr val="dk1"/>
           </a:fillRef>
-          <a:effectRef idx="2">
+          <a:effectRef idx="0">
             <a:schemeClr val="dk1"/>
           </a:effectRef>
           <a:fontRef idx="minor">
             <a:schemeClr val="tx1"/>
           </a:fontRef>
         </p:style>
-        <p:txBody>
-          <a:bodyPr rtlCol="0" anchor="ctr"/>
-          <a:lstStyle/>
-          <a:p>
-            <a:pPr algn="ctr"/>
-            <a:endParaRPr lang="en-US">
-              <a:latin typeface="Times New Roman" panose="02020603050405020304" pitchFamily="18" charset="0"/>
-              <a:cs typeface="Times New Roman" panose="02020603050405020304" pitchFamily="18" charset="0"/>
-            </a:endParaRPr>
-          </a:p>
-        </p:txBody>
-      </p:sp>
-      <p:sp>
-        <p:nvSpPr>
-          <p:cNvPr id="22" name="TextBox 21">
-            <a:extLst>
-              <a:ext uri="{FF2B5EF4-FFF2-40B4-BE49-F238E27FC236}">
-                <a16:creationId xmlns:a16="http://schemas.microsoft.com/office/drawing/2014/main" id="{8222517B-F6A2-4360-BFD5-9B6474FC85E2}"/>
-              </a:ext>
-            </a:extLst>
-          </p:cNvPr>
-          <p:cNvSpPr txBox="1"/>
-          <p:nvPr/>
-        </p:nvSpPr>
-        <p:spPr>
-          <a:xfrm>
-            <a:off x="1443487" y="5476863"/>
-            <a:ext cx="2513162" cy="707886"/>
-          </a:xfrm>
-          <a:prstGeom prst="rect">
-            <a:avLst/>
-          </a:prstGeom>
-          <a:noFill/>
-        </p:spPr>
-        <p:txBody>
-          <a:bodyPr wrap="square" rtlCol="0">
-            <a:spAutoFit/>
-          </a:bodyPr>
-          <a:lstStyle/>
-          <a:p>
-            <a:pPr algn="ctr"/>
-            <a:r>
-              <a:rPr lang="en-US" sz="2000" dirty="0">
-                <a:latin typeface="Times New Roman" panose="02020603050405020304" pitchFamily="18" charset="0"/>
-                <a:cs typeface="Times New Roman" panose="02020603050405020304" pitchFamily="18" charset="0"/>
-              </a:rPr>
-              <a:t>Team</a:t>
-            </a:r>
-            <a:r>
-              <a:rPr lang="en-US" sz="2000" baseline="-25000" dirty="0">
-                <a:latin typeface="Times New Roman" panose="02020603050405020304" pitchFamily="18" charset="0"/>
-                <a:cs typeface="Times New Roman" panose="02020603050405020304" pitchFamily="18" charset="0"/>
-              </a:rPr>
-              <a:t>n,0</a:t>
-            </a:r>
-            <a:r>
-              <a:rPr lang="en-US" sz="2000" dirty="0">
-                <a:latin typeface="Times New Roman" panose="02020603050405020304" pitchFamily="18" charset="0"/>
-                <a:cs typeface="Times New Roman" panose="02020603050405020304" pitchFamily="18" charset="0"/>
-              </a:rPr>
-              <a:t> </a:t>
-            </a:r>
-            <a:r>
-              <a:rPr lang="en-US" sz="2000" dirty="0" err="1">
-                <a:latin typeface="Times New Roman" panose="02020603050405020304" pitchFamily="18" charset="0"/>
-                <a:cs typeface="Times New Roman" panose="02020603050405020304" pitchFamily="18" charset="0"/>
-              </a:rPr>
-              <a:t>Kenpom</a:t>
-            </a:r>
-            <a:r>
-              <a:rPr lang="en-US" sz="2000" dirty="0">
-                <a:latin typeface="Times New Roman" panose="02020603050405020304" pitchFamily="18" charset="0"/>
-                <a:cs typeface="Times New Roman" panose="02020603050405020304" pitchFamily="18" charset="0"/>
-              </a:rPr>
-              <a:t> Features</a:t>
-            </a:r>
-          </a:p>
-        </p:txBody>
-      </p:sp>
-      <p:sp>
-        <p:nvSpPr>
-          <p:cNvPr id="23" name="TextBox 22">
-            <a:extLst>
-              <a:ext uri="{FF2B5EF4-FFF2-40B4-BE49-F238E27FC236}">
-                <a16:creationId xmlns:a16="http://schemas.microsoft.com/office/drawing/2014/main" id="{59BEFAF3-823C-4E85-AC70-43619F558789}"/>
-              </a:ext>
-            </a:extLst>
-          </p:cNvPr>
-          <p:cNvSpPr txBox="1"/>
-          <p:nvPr/>
-        </p:nvSpPr>
-        <p:spPr>
-          <a:xfrm>
-            <a:off x="4274389" y="5476863"/>
-            <a:ext cx="2513162" cy="707886"/>
-          </a:xfrm>
-          <a:prstGeom prst="rect">
-            <a:avLst/>
-          </a:prstGeom>
-          <a:noFill/>
-        </p:spPr>
-        <p:txBody>
-          <a:bodyPr wrap="square" rtlCol="0">
-            <a:spAutoFit/>
-          </a:bodyPr>
-          <a:lstStyle/>
-          <a:p>
-            <a:pPr algn="ctr"/>
-            <a:r>
-              <a:rPr lang="en-US" sz="2000" dirty="0">
-                <a:latin typeface="Times New Roman" panose="02020603050405020304" pitchFamily="18" charset="0"/>
-                <a:cs typeface="Times New Roman" panose="02020603050405020304" pitchFamily="18" charset="0"/>
-              </a:rPr>
-              <a:t>Team</a:t>
-            </a:r>
-            <a:r>
-              <a:rPr lang="en-US" sz="2000" baseline="-25000" dirty="0">
-                <a:latin typeface="Times New Roman" panose="02020603050405020304" pitchFamily="18" charset="0"/>
-                <a:cs typeface="Times New Roman" panose="02020603050405020304" pitchFamily="18" charset="0"/>
-              </a:rPr>
-              <a:t>n,1</a:t>
-            </a:r>
-            <a:r>
-              <a:rPr lang="en-US" sz="2000" dirty="0">
-                <a:latin typeface="Times New Roman" panose="02020603050405020304" pitchFamily="18" charset="0"/>
-                <a:cs typeface="Times New Roman" panose="02020603050405020304" pitchFamily="18" charset="0"/>
-              </a:rPr>
-              <a:t> </a:t>
-            </a:r>
-            <a:r>
-              <a:rPr lang="en-US" sz="2000" dirty="0" err="1">
-                <a:latin typeface="Times New Roman" panose="02020603050405020304" pitchFamily="18" charset="0"/>
-                <a:cs typeface="Times New Roman" panose="02020603050405020304" pitchFamily="18" charset="0"/>
-              </a:rPr>
-              <a:t>Kenpom</a:t>
-            </a:r>
-            <a:r>
-              <a:rPr lang="en-US" sz="2000" dirty="0">
-                <a:latin typeface="Times New Roman" panose="02020603050405020304" pitchFamily="18" charset="0"/>
-                <a:cs typeface="Times New Roman" panose="02020603050405020304" pitchFamily="18" charset="0"/>
-              </a:rPr>
-              <a:t> Features</a:t>
-            </a:r>
-          </a:p>
-        </p:txBody>
-      </p:sp>
-      <p:sp>
-        <p:nvSpPr>
-          <p:cNvPr id="26" name="TextBox 25">
-            <a:extLst>
-              <a:ext uri="{FF2B5EF4-FFF2-40B4-BE49-F238E27FC236}">
-                <a16:creationId xmlns:a16="http://schemas.microsoft.com/office/drawing/2014/main" id="{494830FC-5C42-4CC2-81C5-65AB0216AABE}"/>
-              </a:ext>
-            </a:extLst>
-          </p:cNvPr>
-          <p:cNvSpPr txBox="1"/>
-          <p:nvPr/>
-        </p:nvSpPr>
-        <p:spPr>
-          <a:xfrm rot="5400000">
-            <a:off x="1667235" y="3256694"/>
-            <a:ext cx="5302370" cy="1200329"/>
-          </a:xfrm>
-          <a:prstGeom prst="rect">
-            <a:avLst/>
-          </a:prstGeom>
-          <a:noFill/>
-        </p:spPr>
-        <p:txBody>
-          <a:bodyPr wrap="square" rtlCol="0">
-            <a:spAutoFit/>
-          </a:bodyPr>
-          <a:lstStyle/>
-          <a:p>
-            <a:pPr algn="ctr"/>
-            <a:r>
-              <a:rPr lang="en-US" sz="7200" dirty="0">
-                <a:latin typeface="Times New Roman" panose="02020603050405020304" pitchFamily="18" charset="0"/>
-                <a:cs typeface="Times New Roman" panose="02020603050405020304" pitchFamily="18" charset="0"/>
-              </a:rPr>
-              <a:t>…</a:t>
-            </a:r>
-          </a:p>
-        </p:txBody>
-      </p:sp>
-      <p:sp>
-        <p:nvSpPr>
-          <p:cNvPr id="27" name="Double Bracket 26">
-            <a:extLst>
-              <a:ext uri="{FF2B5EF4-FFF2-40B4-BE49-F238E27FC236}">
-                <a16:creationId xmlns:a16="http://schemas.microsoft.com/office/drawing/2014/main" id="{14812DD8-F73F-4510-B54E-2DDFDFC8941A}"/>
-              </a:ext>
-            </a:extLst>
-          </p:cNvPr>
-          <p:cNvSpPr/>
-          <p:nvPr/>
-        </p:nvSpPr>
-        <p:spPr>
-          <a:xfrm>
-            <a:off x="8193656" y="1339968"/>
-            <a:ext cx="3152955" cy="4934309"/>
-          </a:xfrm>
-          <a:prstGeom prst="bracketPair">
-            <a:avLst>
-              <a:gd name="adj" fmla="val 4196"/>
-            </a:avLst>
-          </a:prstGeom>
+      </p:cxnSp>
+      <p:cxnSp>
+        <p:nvCxnSpPr>
+          <p:cNvPr id="23" name="Straight Arrow Connector 22">
+            <a:extLst>
+              <a:ext uri="{FF2B5EF4-FFF2-40B4-BE49-F238E27FC236}">
+                <a16:creationId xmlns:a16="http://schemas.microsoft.com/office/drawing/2014/main" id="{7B5E54E0-129E-468E-9079-C7A85CCA220B}"/>
+              </a:ext>
+            </a:extLst>
+          </p:cNvPr>
+          <p:cNvCxnSpPr>
+            <a:cxnSpLocks/>
+            <a:stCxn id="15" idx="2"/>
+          </p:cNvCxnSpPr>
+          <p:nvPr/>
+        </p:nvCxnSpPr>
+        <p:spPr>
+          <a:xfrm>
+            <a:off x="6178377" y="1150528"/>
+            <a:ext cx="0" cy="237797"/>
+          </a:xfrm>
+          <a:prstGeom prst="straightConnector1">
+            <a:avLst/>
+          </a:prstGeom>
+          <a:ln>
+            <a:tailEnd type="triangle"/>
+          </a:ln>
         </p:spPr>
         <p:style>
-          <a:lnRef idx="3">
+          <a:lnRef idx="1">
             <a:schemeClr val="dk1"/>
           </a:lnRef>
           <a:fillRef idx="0">
             <a:schemeClr val="dk1"/>
           </a:fillRef>
-          <a:effectRef idx="2">
+          <a:effectRef idx="0">
             <a:schemeClr val="dk1"/>
           </a:effectRef>
           <a:fontRef idx="minor">
             <a:schemeClr val="tx1"/>
           </a:fontRef>
         </p:style>
+      </p:cxnSp>
+      <p:sp>
+        <p:nvSpPr>
+          <p:cNvPr id="25" name="Double Bracket 24">
+            <a:extLst>
+              <a:ext uri="{FF2B5EF4-FFF2-40B4-BE49-F238E27FC236}">
+                <a16:creationId xmlns:a16="http://schemas.microsoft.com/office/drawing/2014/main" id="{17E1F89E-592A-4AAD-A00E-E567CE641F93}"/>
+              </a:ext>
+            </a:extLst>
+          </p:cNvPr>
+          <p:cNvSpPr/>
+          <p:nvPr/>
+        </p:nvSpPr>
+        <p:spPr>
+          <a:xfrm>
+            <a:off x="9137819" y="1766277"/>
+            <a:ext cx="2910019" cy="3318528"/>
+          </a:xfrm>
+          <a:prstGeom prst="bracketPair">
+            <a:avLst>
+              <a:gd name="adj" fmla="val 4196"/>
+            </a:avLst>
+          </a:prstGeom>
+        </p:spPr>
+        <p:style>
+          <a:lnRef idx="3">
+            <a:schemeClr val="dk1"/>
+          </a:lnRef>
+          <a:fillRef idx="0">
+            <a:schemeClr val="dk1"/>
+          </a:fillRef>
+          <a:effectRef idx="2">
+            <a:schemeClr val="dk1"/>
+          </a:effectRef>
+          <a:fontRef idx="minor">
+            <a:schemeClr val="tx1"/>
+          </a:fontRef>
+        </p:style>
         <p:txBody>
           <a:bodyPr rtlCol="0" anchor="ctr"/>
           <a:lstStyle/>
           <a:p>
             <a:pPr algn="ctr"/>
-            <a:endParaRPr lang="en-US">
+            <a:endParaRPr lang="en-US" sz="1400">
               <a:latin typeface="Times New Roman" panose="02020603050405020304" pitchFamily="18" charset="0"/>
               <a:cs typeface="Times New Roman" panose="02020603050405020304" pitchFamily="18" charset="0"/>
             </a:endParaRPr>
@@ -4579,10 +5429,57 @@
       </p:sp>
       <p:sp>
         <p:nvSpPr>
-          <p:cNvPr id="28" name="TextBox 27">
-            <a:extLst>
-              <a:ext uri="{FF2B5EF4-FFF2-40B4-BE49-F238E27FC236}">
-                <a16:creationId xmlns:a16="http://schemas.microsoft.com/office/drawing/2014/main" id="{14148531-E525-4DBB-8E7A-69F15275232C}"/>
+          <p:cNvPr id="26" name="Double Bracket 25">
+            <a:extLst>
+              <a:ext uri="{FF2B5EF4-FFF2-40B4-BE49-F238E27FC236}">
+                <a16:creationId xmlns:a16="http://schemas.microsoft.com/office/drawing/2014/main" id="{1E2E41A3-7F58-48C9-ADFC-6CF956ECFCE9}"/>
+              </a:ext>
+            </a:extLst>
+          </p:cNvPr>
+          <p:cNvSpPr/>
+          <p:nvPr/>
+        </p:nvSpPr>
+        <p:spPr>
+          <a:xfrm>
+            <a:off x="9286906" y="1966903"/>
+            <a:ext cx="2629126" cy="603849"/>
+          </a:xfrm>
+          <a:prstGeom prst="bracketPair">
+            <a:avLst/>
+          </a:prstGeom>
+        </p:spPr>
+        <p:style>
+          <a:lnRef idx="3">
+            <a:schemeClr val="dk1"/>
+          </a:lnRef>
+          <a:fillRef idx="0">
+            <a:schemeClr val="dk1"/>
+          </a:fillRef>
+          <a:effectRef idx="2">
+            <a:schemeClr val="dk1"/>
+          </a:effectRef>
+          <a:fontRef idx="minor">
+            <a:schemeClr val="tx1"/>
+          </a:fontRef>
+        </p:style>
+        <p:txBody>
+          <a:bodyPr rtlCol="0" anchor="ctr"/>
+          <a:lstStyle/>
+          <a:p>
+            <a:pPr algn="ctr"/>
+            <a:endParaRPr lang="en-US" sz="1400">
+              <a:latin typeface="Times New Roman" panose="02020603050405020304" pitchFamily="18" charset="0"/>
+              <a:cs typeface="Times New Roman" panose="02020603050405020304" pitchFamily="18" charset="0"/>
+            </a:endParaRPr>
+          </a:p>
+        </p:txBody>
+      </p:sp>
+      <p:sp>
+        <p:nvSpPr>
+          <p:cNvPr id="27" name="TextBox 26">
+            <a:extLst>
+              <a:ext uri="{FF2B5EF4-FFF2-40B4-BE49-F238E27FC236}">
+                <a16:creationId xmlns:a16="http://schemas.microsoft.com/office/drawing/2014/main" id="{DADCD536-CBC6-4DB8-925A-B00D6D395228}"/>
               </a:ext>
             </a:extLst>
           </p:cNvPr>
@@ -4591,8 +5488,8 @@
         </p:nvSpPr>
         <p:spPr>
           <a:xfrm>
-            <a:off x="8356121" y="1483221"/>
-            <a:ext cx="2846717" cy="1015663"/>
+            <a:off x="9382526" y="2037996"/>
+            <a:ext cx="2386092" cy="369332"/>
           </a:xfrm>
           <a:prstGeom prst="rect">
             <a:avLst/>
@@ -4607,69 +5504,49 @@
           <a:p>
             <a:pPr algn="ctr"/>
             <a:r>
-              <a:rPr lang="en-US" sz="2000" dirty="0">
+              <a:rPr lang="en-US" dirty="0">
                 <a:latin typeface="Times New Roman" panose="02020603050405020304" pitchFamily="18" charset="0"/>
                 <a:cs typeface="Times New Roman" panose="02020603050405020304" pitchFamily="18" charset="0"/>
               </a:rPr>
               <a:t>Team</a:t>
             </a:r>
             <a:r>
-              <a:rPr lang="en-US" sz="2000" baseline="-25000" dirty="0">
-                <a:latin typeface="Times New Roman" panose="02020603050405020304" pitchFamily="18" charset="0"/>
-                <a:cs typeface="Times New Roman" panose="02020603050405020304" pitchFamily="18" charset="0"/>
-              </a:rPr>
-              <a:t>0,0</a:t>
-            </a:r>
-            <a:r>
-              <a:rPr lang="en-US" sz="2000" dirty="0">
-                <a:latin typeface="Times New Roman" panose="02020603050405020304" pitchFamily="18" charset="0"/>
-                <a:cs typeface="Times New Roman" panose="02020603050405020304" pitchFamily="18" charset="0"/>
-              </a:rPr>
-              <a:t> Score  </a:t>
-            </a:r>
-          </a:p>
-          <a:p>
-            <a:pPr algn="ctr"/>
-            <a:r>
-              <a:rPr lang="en-US" sz="2000" dirty="0">
-                <a:latin typeface="Times New Roman" panose="02020603050405020304" pitchFamily="18" charset="0"/>
-                <a:cs typeface="Times New Roman" panose="02020603050405020304" pitchFamily="18" charset="0"/>
-              </a:rPr>
-              <a:t>– </a:t>
-            </a:r>
-          </a:p>
-          <a:p>
-            <a:pPr algn="ctr"/>
-            <a:r>
-              <a:rPr lang="en-US" sz="2000" dirty="0">
-                <a:latin typeface="Times New Roman" panose="02020603050405020304" pitchFamily="18" charset="0"/>
-                <a:cs typeface="Times New Roman" panose="02020603050405020304" pitchFamily="18" charset="0"/>
-              </a:rPr>
-              <a:t>Team</a:t>
-            </a:r>
-            <a:r>
-              <a:rPr lang="en-US" sz="2000" baseline="-25000" dirty="0">
-                <a:latin typeface="Times New Roman" panose="02020603050405020304" pitchFamily="18" charset="0"/>
-                <a:cs typeface="Times New Roman" panose="02020603050405020304" pitchFamily="18" charset="0"/>
-              </a:rPr>
-              <a:t>0,1 </a:t>
-            </a:r>
-            <a:r>
-              <a:rPr lang="en-US" sz="2000" dirty="0">
-                <a:latin typeface="Times New Roman" panose="02020603050405020304" pitchFamily="18" charset="0"/>
-                <a:cs typeface="Times New Roman" panose="02020603050405020304" pitchFamily="18" charset="0"/>
-              </a:rPr>
-              <a:t>Score</a:t>
-            </a:r>
-          </a:p>
-        </p:txBody>
-      </p:sp>
-      <p:sp>
-        <p:nvSpPr>
-          <p:cNvPr id="29" name="TextBox 28">
-            <a:extLst>
-              <a:ext uri="{FF2B5EF4-FFF2-40B4-BE49-F238E27FC236}">
-                <a16:creationId xmlns:a16="http://schemas.microsoft.com/office/drawing/2014/main" id="{DD08F876-B866-49B9-965D-BA6CF4CB217A}"/>
+              <a:rPr lang="en-US" baseline="-25000" dirty="0">
+                <a:latin typeface="Times New Roman" panose="02020603050405020304" pitchFamily="18" charset="0"/>
+                <a:cs typeface="Times New Roman" panose="02020603050405020304" pitchFamily="18" charset="0"/>
+              </a:rPr>
+              <a:t>0,?</a:t>
+            </a:r>
+            <a:r>
+              <a:rPr lang="en-US" dirty="0">
+                <a:latin typeface="Times New Roman" panose="02020603050405020304" pitchFamily="18" charset="0"/>
+                <a:cs typeface="Times New Roman" panose="02020603050405020304" pitchFamily="18" charset="0"/>
+              </a:rPr>
+              <a:t> ID, Team</a:t>
+            </a:r>
+            <a:r>
+              <a:rPr lang="en-US" baseline="-25000" dirty="0">
+                <a:latin typeface="Times New Roman" panose="02020603050405020304" pitchFamily="18" charset="0"/>
+                <a:cs typeface="Times New Roman" panose="02020603050405020304" pitchFamily="18" charset="0"/>
+              </a:rPr>
+              <a:t>1,?</a:t>
+            </a:r>
+            <a:r>
+              <a:rPr lang="en-US" dirty="0">
+                <a:latin typeface="Times New Roman" panose="02020603050405020304" pitchFamily="18" charset="0"/>
+                <a:cs typeface="Times New Roman" panose="02020603050405020304" pitchFamily="18" charset="0"/>
+              </a:rPr>
+              <a:t> ID</a:t>
+            </a:r>
+          </a:p>
+        </p:txBody>
+      </p:sp>
+      <p:sp>
+        <p:nvSpPr>
+          <p:cNvPr id="28" name="TextBox 27">
+            <a:extLst>
+              <a:ext uri="{FF2B5EF4-FFF2-40B4-BE49-F238E27FC236}">
+                <a16:creationId xmlns:a16="http://schemas.microsoft.com/office/drawing/2014/main" id="{B3F90377-F7B2-4036-9A7C-5F42DEC039BB}"/>
               </a:ext>
             </a:extLst>
           </p:cNvPr>
@@ -4677,9 +5554,9 @@
           <p:nvPr/>
         </p:nvSpPr>
         <p:spPr>
-          <a:xfrm>
-            <a:off x="8410755" y="5212319"/>
-            <a:ext cx="2846717" cy="1015663"/>
+          <a:xfrm rot="5400000">
+            <a:off x="10310072" y="3084836"/>
+            <a:ext cx="1174757" cy="1015663"/>
           </a:xfrm>
           <a:prstGeom prst="rect">
             <a:avLst/>
@@ -4694,60 +5571,59 @@
           <a:p>
             <a:pPr algn="ctr"/>
             <a:r>
-              <a:rPr lang="en-US" sz="2000" dirty="0">
-                <a:latin typeface="Times New Roman" panose="02020603050405020304" pitchFamily="18" charset="0"/>
-                <a:cs typeface="Times New Roman" panose="02020603050405020304" pitchFamily="18" charset="0"/>
-              </a:rPr>
-              <a:t>Team</a:t>
-            </a:r>
-            <a:r>
-              <a:rPr lang="en-US" sz="2000" baseline="-25000" dirty="0">
-                <a:latin typeface="Times New Roman" panose="02020603050405020304" pitchFamily="18" charset="0"/>
-                <a:cs typeface="Times New Roman" panose="02020603050405020304" pitchFamily="18" charset="0"/>
-              </a:rPr>
-              <a:t>n,0</a:t>
-            </a:r>
-            <a:r>
-              <a:rPr lang="en-US" sz="2000" dirty="0">
-                <a:latin typeface="Times New Roman" panose="02020603050405020304" pitchFamily="18" charset="0"/>
-                <a:cs typeface="Times New Roman" panose="02020603050405020304" pitchFamily="18" charset="0"/>
-              </a:rPr>
-              <a:t> Score  </a:t>
-            </a:r>
-          </a:p>
+              <a:rPr lang="en-US" sz="6000" dirty="0">
+                <a:latin typeface="Times New Roman" panose="02020603050405020304" pitchFamily="18" charset="0"/>
+                <a:cs typeface="Times New Roman" panose="02020603050405020304" pitchFamily="18" charset="0"/>
+              </a:rPr>
+              <a:t>…</a:t>
+            </a:r>
+          </a:p>
+        </p:txBody>
+      </p:sp>
+      <p:sp>
+        <p:nvSpPr>
+          <p:cNvPr id="29" name="Double Bracket 28">
+            <a:extLst>
+              <a:ext uri="{FF2B5EF4-FFF2-40B4-BE49-F238E27FC236}">
+                <a16:creationId xmlns:a16="http://schemas.microsoft.com/office/drawing/2014/main" id="{0E74275E-16EA-439E-8AC9-ED3C70D3E3ED}"/>
+              </a:ext>
+            </a:extLst>
+          </p:cNvPr>
+          <p:cNvSpPr/>
+          <p:nvPr/>
+        </p:nvSpPr>
+        <p:spPr>
+          <a:xfrm>
+            <a:off x="9272539" y="4350144"/>
+            <a:ext cx="2643493" cy="603849"/>
+          </a:xfrm>
+          <a:prstGeom prst="bracketPair">
+            <a:avLst/>
+          </a:prstGeom>
+        </p:spPr>
+        <p:style>
+          <a:lnRef idx="3">
+            <a:schemeClr val="dk1"/>
+          </a:lnRef>
+          <a:fillRef idx="0">
+            <a:schemeClr val="dk1"/>
+          </a:fillRef>
+          <a:effectRef idx="2">
+            <a:schemeClr val="dk1"/>
+          </a:effectRef>
+          <a:fontRef idx="minor">
+            <a:schemeClr val="tx1"/>
+          </a:fontRef>
+        </p:style>
+        <p:txBody>
+          <a:bodyPr rtlCol="0" anchor="ctr"/>
+          <a:lstStyle/>
           <a:p>
             <a:pPr algn="ctr"/>
-            <a:r>
-              <a:rPr lang="en-US" sz="2000" dirty="0">
-                <a:latin typeface="Times New Roman" panose="02020603050405020304" pitchFamily="18" charset="0"/>
-                <a:cs typeface="Times New Roman" panose="02020603050405020304" pitchFamily="18" charset="0"/>
-              </a:rPr>
-              <a:t>– </a:t>
-            </a:r>
-          </a:p>
-          <a:p>
-            <a:pPr algn="ctr"/>
-            <a:r>
-              <a:rPr lang="en-US" sz="2000" dirty="0">
-                <a:latin typeface="Times New Roman" panose="02020603050405020304" pitchFamily="18" charset="0"/>
-                <a:cs typeface="Times New Roman" panose="02020603050405020304" pitchFamily="18" charset="0"/>
-              </a:rPr>
-              <a:t>Team</a:t>
-            </a:r>
-            <a:r>
-              <a:rPr lang="en-US" sz="2000" baseline="-25000" dirty="0">
-                <a:latin typeface="Times New Roman" panose="02020603050405020304" pitchFamily="18" charset="0"/>
-                <a:cs typeface="Times New Roman" panose="02020603050405020304" pitchFamily="18" charset="0"/>
-              </a:rPr>
-              <a:t>n,1 </a:t>
-            </a:r>
-            <a:r>
-              <a:rPr lang="en-US" sz="2000" dirty="0">
-                <a:latin typeface="Times New Roman" panose="02020603050405020304" pitchFamily="18" charset="0"/>
-                <a:cs typeface="Times New Roman" panose="02020603050405020304" pitchFamily="18" charset="0"/>
-              </a:rPr>
-              <a:t>Score</a:t>
-            </a:r>
+            <a:endParaRPr lang="en-US" sz="1400">
+              <a:latin typeface="Times New Roman" panose="02020603050405020304" pitchFamily="18" charset="0"/>
+              <a:cs typeface="Times New Roman" panose="02020603050405020304" pitchFamily="18" charset="0"/>
+            </a:endParaRPr>
           </a:p>
         </p:txBody>
       </p:sp>
@@ -4756,7 +5632,7 @@
           <p:cNvPr id="30" name="TextBox 29">
             <a:extLst>
               <a:ext uri="{FF2B5EF4-FFF2-40B4-BE49-F238E27FC236}">
-                <a16:creationId xmlns:a16="http://schemas.microsoft.com/office/drawing/2014/main" id="{DD54CEEA-A669-4D92-8407-1CCDA55CD58F}"/>
+                <a16:creationId xmlns:a16="http://schemas.microsoft.com/office/drawing/2014/main" id="{7F9D3C19-E078-4CC5-86A9-EBF6D8F4EF33}"/>
               </a:ext>
             </a:extLst>
           </p:cNvPr>
@@ -4764,9 +5640,9 @@
           <p:nvPr/>
         </p:nvSpPr>
         <p:spPr>
-          <a:xfrm rot="5400000">
-            <a:off x="7395894" y="3138800"/>
-            <a:ext cx="5302370" cy="1200329"/>
+          <a:xfrm>
+            <a:off x="9382526" y="4423607"/>
+            <a:ext cx="2533506" cy="369332"/>
           </a:xfrm>
           <a:prstGeom prst="rect">
             <a:avLst/>
@@ -4781,21 +5657,96 @@
           <a:p>
             <a:pPr algn="ctr"/>
             <a:r>
-              <a:rPr lang="en-US" sz="7200" dirty="0">
-                <a:latin typeface="Times New Roman" panose="02020603050405020304" pitchFamily="18" charset="0"/>
-                <a:cs typeface="Times New Roman" panose="02020603050405020304" pitchFamily="18" charset="0"/>
-              </a:rPr>
-              <a:t>…</a:t>
-            </a:r>
-          </a:p>
-        </p:txBody>
-      </p:sp>
-      <p:sp>
-        <p:nvSpPr>
-          <p:cNvPr id="31" name="TextBox 30">
-            <a:extLst>
-              <a:ext uri="{FF2B5EF4-FFF2-40B4-BE49-F238E27FC236}">
-                <a16:creationId xmlns:a16="http://schemas.microsoft.com/office/drawing/2014/main" id="{3F64F6D1-AF31-4200-979C-3214532986F6}"/>
+              <a:rPr lang="en-US" dirty="0">
+                <a:latin typeface="Times New Roman" panose="02020603050405020304" pitchFamily="18" charset="0"/>
+                <a:cs typeface="Times New Roman" panose="02020603050405020304" pitchFamily="18" charset="0"/>
+              </a:rPr>
+              <a:t>Team</a:t>
+            </a:r>
+            <a:r>
+              <a:rPr lang="en-US" baseline="-25000" dirty="0">
+                <a:latin typeface="Times New Roman" panose="02020603050405020304" pitchFamily="18" charset="0"/>
+                <a:cs typeface="Times New Roman" panose="02020603050405020304" pitchFamily="18" charset="0"/>
+              </a:rPr>
+              <a:t>30,?</a:t>
+            </a:r>
+            <a:r>
+              <a:rPr lang="en-US" dirty="0">
+                <a:latin typeface="Times New Roman" panose="02020603050405020304" pitchFamily="18" charset="0"/>
+                <a:cs typeface="Times New Roman" panose="02020603050405020304" pitchFamily="18" charset="0"/>
+              </a:rPr>
+              <a:t> ID, Team</a:t>
+            </a:r>
+            <a:r>
+              <a:rPr lang="en-US" baseline="-25000" dirty="0">
+                <a:latin typeface="Times New Roman" panose="02020603050405020304" pitchFamily="18" charset="0"/>
+                <a:cs typeface="Times New Roman" panose="02020603050405020304" pitchFamily="18" charset="0"/>
+              </a:rPr>
+              <a:t>31,?</a:t>
+            </a:r>
+            <a:r>
+              <a:rPr lang="en-US" dirty="0">
+                <a:latin typeface="Times New Roman" panose="02020603050405020304" pitchFamily="18" charset="0"/>
+                <a:cs typeface="Times New Roman" panose="02020603050405020304" pitchFamily="18" charset="0"/>
+              </a:rPr>
+              <a:t> ID</a:t>
+            </a:r>
+          </a:p>
+        </p:txBody>
+      </p:sp>
+      <p:sp>
+        <p:nvSpPr>
+          <p:cNvPr id="31" name="Double Bracket 30">
+            <a:extLst>
+              <a:ext uri="{FF2B5EF4-FFF2-40B4-BE49-F238E27FC236}">
+                <a16:creationId xmlns:a16="http://schemas.microsoft.com/office/drawing/2014/main" id="{26B733E6-0B04-4A13-8B34-E4BC03F0C1A1}"/>
+              </a:ext>
+            </a:extLst>
+          </p:cNvPr>
+          <p:cNvSpPr/>
+          <p:nvPr/>
+        </p:nvSpPr>
+        <p:spPr>
+          <a:xfrm>
+            <a:off x="470361" y="2391996"/>
+            <a:ext cx="2629126" cy="603849"/>
+          </a:xfrm>
+          <a:prstGeom prst="bracketPair">
+            <a:avLst/>
+          </a:prstGeom>
+        </p:spPr>
+        <p:style>
+          <a:lnRef idx="3">
+            <a:schemeClr val="dk1"/>
+          </a:lnRef>
+          <a:fillRef idx="0">
+            <a:schemeClr val="dk1"/>
+          </a:fillRef>
+          <a:effectRef idx="2">
+            <a:schemeClr val="dk1"/>
+          </a:effectRef>
+          <a:fontRef idx="minor">
+            <a:schemeClr val="tx1"/>
+          </a:fontRef>
+        </p:style>
+        <p:txBody>
+          <a:bodyPr rtlCol="0" anchor="ctr"/>
+          <a:lstStyle/>
+          <a:p>
+            <a:pPr algn="ctr"/>
+            <a:endParaRPr lang="en-US" sz="1400">
+              <a:latin typeface="Times New Roman" panose="02020603050405020304" pitchFamily="18" charset="0"/>
+              <a:cs typeface="Times New Roman" panose="02020603050405020304" pitchFamily="18" charset="0"/>
+            </a:endParaRPr>
+          </a:p>
+        </p:txBody>
+      </p:sp>
+      <p:sp>
+        <p:nvSpPr>
+          <p:cNvPr id="32" name="TextBox 31">
+            <a:extLst>
+              <a:ext uri="{FF2B5EF4-FFF2-40B4-BE49-F238E27FC236}">
+                <a16:creationId xmlns:a16="http://schemas.microsoft.com/office/drawing/2014/main" id="{0A76B014-A11B-4411-A05F-008BB071224F}"/>
               </a:ext>
             </a:extLst>
           </p:cNvPr>
@@ -4804,8 +5755,8 @@
         </p:nvSpPr>
         <p:spPr>
           <a:xfrm>
-            <a:off x="902898" y="6184749"/>
-            <a:ext cx="323491" cy="369332"/>
+            <a:off x="565981" y="2463089"/>
+            <a:ext cx="2386092" cy="369332"/>
           </a:xfrm>
           <a:prstGeom prst="rect">
             <a:avLst/>
@@ -4818,22 +5769,693 @@
           </a:bodyPr>
           <a:lstStyle/>
           <a:p>
+            <a:pPr algn="ctr"/>
             <a:r>
               <a:rPr lang="en-US" dirty="0">
                 <a:latin typeface="Times New Roman" panose="02020603050405020304" pitchFamily="18" charset="0"/>
                 <a:cs typeface="Times New Roman" panose="02020603050405020304" pitchFamily="18" charset="0"/>
               </a:rPr>
-              <a:t>n</a:t>
-            </a:r>
-          </a:p>
-        </p:txBody>
-      </p:sp>
-      <p:sp>
-        <p:nvSpPr>
-          <p:cNvPr id="32" name="TextBox 31">
-            <a:extLst>
-              <a:ext uri="{FF2B5EF4-FFF2-40B4-BE49-F238E27FC236}">
-                <a16:creationId xmlns:a16="http://schemas.microsoft.com/office/drawing/2014/main" id="{45F876FE-BC0A-4067-9DB9-90119FC52C25}"/>
+              <a:t>Team</a:t>
+            </a:r>
+            <a:r>
+              <a:rPr lang="en-US" baseline="-25000" dirty="0">
+                <a:latin typeface="Times New Roman" panose="02020603050405020304" pitchFamily="18" charset="0"/>
+                <a:cs typeface="Times New Roman" panose="02020603050405020304" pitchFamily="18" charset="0"/>
+              </a:rPr>
+              <a:t>1,0</a:t>
+            </a:r>
+            <a:r>
+              <a:rPr lang="en-US" dirty="0">
+                <a:latin typeface="Times New Roman" panose="02020603050405020304" pitchFamily="18" charset="0"/>
+                <a:cs typeface="Times New Roman" panose="02020603050405020304" pitchFamily="18" charset="0"/>
+              </a:rPr>
+              <a:t> ID, Team</a:t>
+            </a:r>
+            <a:r>
+              <a:rPr lang="en-US" baseline="-25000" dirty="0">
+                <a:latin typeface="Times New Roman" panose="02020603050405020304" pitchFamily="18" charset="0"/>
+                <a:cs typeface="Times New Roman" panose="02020603050405020304" pitchFamily="18" charset="0"/>
+              </a:rPr>
+              <a:t>1,1</a:t>
+            </a:r>
+            <a:r>
+              <a:rPr lang="en-US" dirty="0">
+                <a:latin typeface="Times New Roman" panose="02020603050405020304" pitchFamily="18" charset="0"/>
+                <a:cs typeface="Times New Roman" panose="02020603050405020304" pitchFamily="18" charset="0"/>
+              </a:rPr>
+              <a:t> ID</a:t>
+            </a:r>
+          </a:p>
+        </p:txBody>
+      </p:sp>
+      <p:sp>
+        <p:nvSpPr>
+          <p:cNvPr id="44" name="Flowchart: Process 43">
+            <a:extLst>
+              <a:ext uri="{FF2B5EF4-FFF2-40B4-BE49-F238E27FC236}">
+                <a16:creationId xmlns:a16="http://schemas.microsoft.com/office/drawing/2014/main" id="{BE0DBB4D-4F31-41F9-8653-91A4ABC2FBE3}"/>
+              </a:ext>
+            </a:extLst>
+          </p:cNvPr>
+          <p:cNvSpPr/>
+          <p:nvPr/>
+        </p:nvSpPr>
+        <p:spPr>
+          <a:xfrm>
+            <a:off x="6472834" y="1540596"/>
+            <a:ext cx="1121602" cy="603849"/>
+          </a:xfrm>
+          <a:prstGeom prst="flowChartProcess">
+            <a:avLst/>
+          </a:prstGeom>
+          <a:solidFill>
+            <a:schemeClr val="bg1"/>
+          </a:solidFill>
+          <a:ln>
+            <a:solidFill>
+              <a:schemeClr val="tx1"/>
+            </a:solidFill>
+          </a:ln>
+        </p:spPr>
+        <p:style>
+          <a:lnRef idx="2">
+            <a:schemeClr val="accent1">
+              <a:shade val="50000"/>
+            </a:schemeClr>
+          </a:lnRef>
+          <a:fillRef idx="1">
+            <a:schemeClr val="accent1"/>
+          </a:fillRef>
+          <a:effectRef idx="0">
+            <a:schemeClr val="accent1"/>
+          </a:effectRef>
+          <a:fontRef idx="minor">
+            <a:schemeClr val="lt1"/>
+          </a:fontRef>
+        </p:style>
+        <p:txBody>
+          <a:bodyPr rtlCol="0" anchor="ctr"/>
+          <a:lstStyle/>
+          <a:p>
+            <a:pPr algn="ctr"/>
+            <a:r>
+              <a:rPr lang="en-US" sz="1400" dirty="0">
+                <a:solidFill>
+                  <a:schemeClr val="tx1"/>
+                </a:solidFill>
+                <a:latin typeface="Times New Roman" panose="02020603050405020304" pitchFamily="18" charset="0"/>
+                <a:cs typeface="Times New Roman" panose="02020603050405020304" pitchFamily="18" charset="0"/>
+              </a:rPr>
+              <a:t>Select Winning ID</a:t>
+            </a:r>
+            <a:endParaRPr lang="en-US" dirty="0">
+              <a:solidFill>
+                <a:schemeClr val="tx1"/>
+              </a:solidFill>
+              <a:latin typeface="Times New Roman" panose="02020603050405020304" pitchFamily="18" charset="0"/>
+              <a:cs typeface="Times New Roman" panose="02020603050405020304" pitchFamily="18" charset="0"/>
+            </a:endParaRPr>
+          </a:p>
+        </p:txBody>
+      </p:sp>
+      <p:cxnSp>
+        <p:nvCxnSpPr>
+          <p:cNvPr id="45" name="Straight Arrow Connector 44">
+            <a:extLst>
+              <a:ext uri="{FF2B5EF4-FFF2-40B4-BE49-F238E27FC236}">
+                <a16:creationId xmlns:a16="http://schemas.microsoft.com/office/drawing/2014/main" id="{63B23734-723E-4EED-959B-76291DB510A9}"/>
+              </a:ext>
+            </a:extLst>
+          </p:cNvPr>
+          <p:cNvCxnSpPr>
+            <a:cxnSpLocks/>
+            <a:stCxn id="17" idx="3"/>
+            <a:endCxn id="44" idx="1"/>
+          </p:cNvCxnSpPr>
+          <p:nvPr/>
+        </p:nvCxnSpPr>
+        <p:spPr>
+          <a:xfrm>
+            <a:off x="6227810" y="1842521"/>
+            <a:ext cx="245024" cy="0"/>
+          </a:xfrm>
+          <a:prstGeom prst="straightConnector1">
+            <a:avLst/>
+          </a:prstGeom>
+          <a:ln>
+            <a:tailEnd type="triangle"/>
+          </a:ln>
+        </p:spPr>
+        <p:style>
+          <a:lnRef idx="1">
+            <a:schemeClr val="dk1"/>
+          </a:lnRef>
+          <a:fillRef idx="0">
+            <a:schemeClr val="dk1"/>
+          </a:fillRef>
+          <a:effectRef idx="0">
+            <a:schemeClr val="dk1"/>
+          </a:effectRef>
+          <a:fontRef idx="minor">
+            <a:schemeClr val="tx1"/>
+          </a:fontRef>
+        </p:style>
+      </p:cxnSp>
+      <p:sp>
+        <p:nvSpPr>
+          <p:cNvPr id="49" name="Flowchart: Process 48">
+            <a:extLst>
+              <a:ext uri="{FF2B5EF4-FFF2-40B4-BE49-F238E27FC236}">
+                <a16:creationId xmlns:a16="http://schemas.microsoft.com/office/drawing/2014/main" id="{665FD0E3-5481-42D1-A42A-88026A42F71A}"/>
+              </a:ext>
+            </a:extLst>
+          </p:cNvPr>
+          <p:cNvSpPr/>
+          <p:nvPr/>
+        </p:nvSpPr>
+        <p:spPr>
+          <a:xfrm>
+            <a:off x="3641182" y="2391034"/>
+            <a:ext cx="1326238" cy="609078"/>
+          </a:xfrm>
+          <a:prstGeom prst="flowChartProcess">
+            <a:avLst/>
+          </a:prstGeom>
+          <a:solidFill>
+            <a:schemeClr val="bg1"/>
+          </a:solidFill>
+          <a:ln>
+            <a:solidFill>
+              <a:schemeClr val="tx1"/>
+            </a:solidFill>
+          </a:ln>
+        </p:spPr>
+        <p:style>
+          <a:lnRef idx="2">
+            <a:schemeClr val="accent1">
+              <a:shade val="50000"/>
+            </a:schemeClr>
+          </a:lnRef>
+          <a:fillRef idx="1">
+            <a:schemeClr val="accent1"/>
+          </a:fillRef>
+          <a:effectRef idx="0">
+            <a:schemeClr val="accent1"/>
+          </a:effectRef>
+          <a:fontRef idx="minor">
+            <a:schemeClr val="lt1"/>
+          </a:fontRef>
+        </p:style>
+        <p:txBody>
+          <a:bodyPr rtlCol="0" anchor="ctr"/>
+          <a:lstStyle/>
+          <a:p>
+            <a:pPr algn="ctr"/>
+            <a:r>
+              <a:rPr lang="en-US" sz="1400" dirty="0">
+                <a:solidFill>
+                  <a:schemeClr val="tx1"/>
+                </a:solidFill>
+                <a:latin typeface="Times New Roman" panose="02020603050405020304" pitchFamily="18" charset="0"/>
+                <a:cs typeface="Times New Roman" panose="02020603050405020304" pitchFamily="18" charset="0"/>
+              </a:rPr>
+              <a:t>Create feature vector</a:t>
+            </a:r>
+          </a:p>
+        </p:txBody>
+      </p:sp>
+      <p:sp>
+        <p:nvSpPr>
+          <p:cNvPr id="50" name="Flowchart: Process 49">
+            <a:extLst>
+              <a:ext uri="{FF2B5EF4-FFF2-40B4-BE49-F238E27FC236}">
+                <a16:creationId xmlns:a16="http://schemas.microsoft.com/office/drawing/2014/main" id="{D612F23E-8212-4D10-A5E7-C12E0ACE9AE0}"/>
+              </a:ext>
+            </a:extLst>
+          </p:cNvPr>
+          <p:cNvSpPr/>
+          <p:nvPr/>
+        </p:nvSpPr>
+        <p:spPr>
+          <a:xfrm>
+            <a:off x="5189843" y="2391034"/>
+            <a:ext cx="1037967" cy="603849"/>
+          </a:xfrm>
+          <a:prstGeom prst="flowChartProcess">
+            <a:avLst/>
+          </a:prstGeom>
+          <a:solidFill>
+            <a:schemeClr val="bg1"/>
+          </a:solidFill>
+          <a:ln>
+            <a:solidFill>
+              <a:schemeClr val="tx1"/>
+            </a:solidFill>
+          </a:ln>
+        </p:spPr>
+        <p:style>
+          <a:lnRef idx="2">
+            <a:schemeClr val="accent1">
+              <a:shade val="50000"/>
+            </a:schemeClr>
+          </a:lnRef>
+          <a:fillRef idx="1">
+            <a:schemeClr val="accent1"/>
+          </a:fillRef>
+          <a:effectRef idx="0">
+            <a:schemeClr val="accent1"/>
+          </a:effectRef>
+          <a:fontRef idx="minor">
+            <a:schemeClr val="lt1"/>
+          </a:fontRef>
+        </p:style>
+        <p:txBody>
+          <a:bodyPr rtlCol="0" anchor="ctr"/>
+          <a:lstStyle/>
+          <a:p>
+            <a:pPr algn="ctr"/>
+            <a:r>
+              <a:rPr lang="en-US" sz="1400" dirty="0">
+                <a:solidFill>
+                  <a:schemeClr val="tx1"/>
+                </a:solidFill>
+                <a:latin typeface="Times New Roman" panose="02020603050405020304" pitchFamily="18" charset="0"/>
+                <a:cs typeface="Times New Roman" panose="02020603050405020304" pitchFamily="18" charset="0"/>
+              </a:rPr>
+              <a:t>Predict</a:t>
+            </a:r>
+            <a:endParaRPr lang="en-US" dirty="0">
+              <a:solidFill>
+                <a:schemeClr val="tx1"/>
+              </a:solidFill>
+              <a:latin typeface="Times New Roman" panose="02020603050405020304" pitchFamily="18" charset="0"/>
+              <a:cs typeface="Times New Roman" panose="02020603050405020304" pitchFamily="18" charset="0"/>
+            </a:endParaRPr>
+          </a:p>
+        </p:txBody>
+      </p:sp>
+      <p:cxnSp>
+        <p:nvCxnSpPr>
+          <p:cNvPr id="51" name="Straight Arrow Connector 50">
+            <a:extLst>
+              <a:ext uri="{FF2B5EF4-FFF2-40B4-BE49-F238E27FC236}">
+                <a16:creationId xmlns:a16="http://schemas.microsoft.com/office/drawing/2014/main" id="{7F746533-2401-438A-B4E2-86088B770587}"/>
+              </a:ext>
+            </a:extLst>
+          </p:cNvPr>
+          <p:cNvCxnSpPr>
+            <a:cxnSpLocks/>
+            <a:stCxn id="49" idx="3"/>
+            <a:endCxn id="50" idx="1"/>
+          </p:cNvCxnSpPr>
+          <p:nvPr/>
+        </p:nvCxnSpPr>
+        <p:spPr>
+          <a:xfrm flipV="1">
+            <a:off x="4967420" y="2692959"/>
+            <a:ext cx="222423" cy="2614"/>
+          </a:xfrm>
+          <a:prstGeom prst="straightConnector1">
+            <a:avLst/>
+          </a:prstGeom>
+          <a:ln>
+            <a:tailEnd type="triangle"/>
+          </a:ln>
+        </p:spPr>
+        <p:style>
+          <a:lnRef idx="1">
+            <a:schemeClr val="dk1"/>
+          </a:lnRef>
+          <a:fillRef idx="0">
+            <a:schemeClr val="dk1"/>
+          </a:fillRef>
+          <a:effectRef idx="0">
+            <a:schemeClr val="dk1"/>
+          </a:effectRef>
+          <a:fontRef idx="minor">
+            <a:schemeClr val="tx1"/>
+          </a:fontRef>
+        </p:style>
+      </p:cxnSp>
+      <p:sp>
+        <p:nvSpPr>
+          <p:cNvPr id="52" name="Flowchart: Process 51">
+            <a:extLst>
+              <a:ext uri="{FF2B5EF4-FFF2-40B4-BE49-F238E27FC236}">
+                <a16:creationId xmlns:a16="http://schemas.microsoft.com/office/drawing/2014/main" id="{48146FC5-B38C-4514-AA2F-1A3AE31615E8}"/>
+              </a:ext>
+            </a:extLst>
+          </p:cNvPr>
+          <p:cNvSpPr/>
+          <p:nvPr/>
+        </p:nvSpPr>
+        <p:spPr>
+          <a:xfrm>
+            <a:off x="6472834" y="2391034"/>
+            <a:ext cx="1121602" cy="603849"/>
+          </a:xfrm>
+          <a:prstGeom prst="flowChartProcess">
+            <a:avLst/>
+          </a:prstGeom>
+          <a:solidFill>
+            <a:schemeClr val="bg1"/>
+          </a:solidFill>
+          <a:ln>
+            <a:solidFill>
+              <a:schemeClr val="tx1"/>
+            </a:solidFill>
+          </a:ln>
+        </p:spPr>
+        <p:style>
+          <a:lnRef idx="2">
+            <a:schemeClr val="accent1">
+              <a:shade val="50000"/>
+            </a:schemeClr>
+          </a:lnRef>
+          <a:fillRef idx="1">
+            <a:schemeClr val="accent1"/>
+          </a:fillRef>
+          <a:effectRef idx="0">
+            <a:schemeClr val="accent1"/>
+          </a:effectRef>
+          <a:fontRef idx="minor">
+            <a:schemeClr val="lt1"/>
+          </a:fontRef>
+        </p:style>
+        <p:txBody>
+          <a:bodyPr rtlCol="0" anchor="ctr"/>
+          <a:lstStyle/>
+          <a:p>
+            <a:pPr algn="ctr"/>
+            <a:r>
+              <a:rPr lang="en-US" sz="1400" dirty="0">
+                <a:solidFill>
+                  <a:schemeClr val="tx1"/>
+                </a:solidFill>
+                <a:latin typeface="Times New Roman" panose="02020603050405020304" pitchFamily="18" charset="0"/>
+                <a:cs typeface="Times New Roman" panose="02020603050405020304" pitchFamily="18" charset="0"/>
+              </a:rPr>
+              <a:t>Select Winning ID</a:t>
+            </a:r>
+            <a:endParaRPr lang="en-US" dirty="0">
+              <a:solidFill>
+                <a:schemeClr val="tx1"/>
+              </a:solidFill>
+              <a:latin typeface="Times New Roman" panose="02020603050405020304" pitchFamily="18" charset="0"/>
+              <a:cs typeface="Times New Roman" panose="02020603050405020304" pitchFamily="18" charset="0"/>
+            </a:endParaRPr>
+          </a:p>
+        </p:txBody>
+      </p:sp>
+      <p:cxnSp>
+        <p:nvCxnSpPr>
+          <p:cNvPr id="53" name="Straight Arrow Connector 52">
+            <a:extLst>
+              <a:ext uri="{FF2B5EF4-FFF2-40B4-BE49-F238E27FC236}">
+                <a16:creationId xmlns:a16="http://schemas.microsoft.com/office/drawing/2014/main" id="{19840294-3B54-447A-972B-19593B1D5ADF}"/>
+              </a:ext>
+            </a:extLst>
+          </p:cNvPr>
+          <p:cNvCxnSpPr>
+            <a:cxnSpLocks/>
+            <a:stCxn id="50" idx="3"/>
+            <a:endCxn id="52" idx="1"/>
+          </p:cNvCxnSpPr>
+          <p:nvPr/>
+        </p:nvCxnSpPr>
+        <p:spPr>
+          <a:xfrm>
+            <a:off x="6227810" y="2692959"/>
+            <a:ext cx="245024" cy="0"/>
+          </a:xfrm>
+          <a:prstGeom prst="straightConnector1">
+            <a:avLst/>
+          </a:prstGeom>
+          <a:ln>
+            <a:tailEnd type="triangle"/>
+          </a:ln>
+        </p:spPr>
+        <p:style>
+          <a:lnRef idx="1">
+            <a:schemeClr val="dk1"/>
+          </a:lnRef>
+          <a:fillRef idx="0">
+            <a:schemeClr val="dk1"/>
+          </a:fillRef>
+          <a:effectRef idx="0">
+            <a:schemeClr val="dk1"/>
+          </a:effectRef>
+          <a:fontRef idx="minor">
+            <a:schemeClr val="tx1"/>
+          </a:fontRef>
+        </p:style>
+      </p:cxnSp>
+      <p:cxnSp>
+        <p:nvCxnSpPr>
+          <p:cNvPr id="54" name="Straight Arrow Connector 53">
+            <a:extLst>
+              <a:ext uri="{FF2B5EF4-FFF2-40B4-BE49-F238E27FC236}">
+                <a16:creationId xmlns:a16="http://schemas.microsoft.com/office/drawing/2014/main" id="{382E0715-64FF-434D-9FF0-D845E472B569}"/>
+              </a:ext>
+            </a:extLst>
+          </p:cNvPr>
+          <p:cNvCxnSpPr>
+            <a:cxnSpLocks/>
+            <a:stCxn id="31" idx="3"/>
+            <a:endCxn id="49" idx="1"/>
+          </p:cNvCxnSpPr>
+          <p:nvPr/>
+        </p:nvCxnSpPr>
+        <p:spPr>
+          <a:xfrm>
+            <a:off x="3099487" y="2693921"/>
+            <a:ext cx="541695" cy="1652"/>
+          </a:xfrm>
+          <a:prstGeom prst="straightConnector1">
+            <a:avLst/>
+          </a:prstGeom>
+          <a:ln>
+            <a:tailEnd type="triangle"/>
+          </a:ln>
+        </p:spPr>
+        <p:style>
+          <a:lnRef idx="1">
+            <a:schemeClr val="dk1"/>
+          </a:lnRef>
+          <a:fillRef idx="0">
+            <a:schemeClr val="dk1"/>
+          </a:fillRef>
+          <a:effectRef idx="0">
+            <a:schemeClr val="dk1"/>
+          </a:effectRef>
+          <a:fontRef idx="minor">
+            <a:schemeClr val="tx1"/>
+          </a:fontRef>
+        </p:style>
+      </p:cxnSp>
+      <p:sp>
+        <p:nvSpPr>
+          <p:cNvPr id="77" name="Flowchart: Process 76">
+            <a:extLst>
+              <a:ext uri="{FF2B5EF4-FFF2-40B4-BE49-F238E27FC236}">
+                <a16:creationId xmlns:a16="http://schemas.microsoft.com/office/drawing/2014/main" id="{E9EC7B2D-2EBC-4889-B729-E9941123396D}"/>
+              </a:ext>
+            </a:extLst>
+          </p:cNvPr>
+          <p:cNvSpPr/>
+          <p:nvPr/>
+        </p:nvSpPr>
+        <p:spPr>
+          <a:xfrm>
+            <a:off x="7749239" y="1966511"/>
+            <a:ext cx="1121602" cy="603849"/>
+          </a:xfrm>
+          <a:prstGeom prst="flowChartProcess">
+            <a:avLst/>
+          </a:prstGeom>
+          <a:solidFill>
+            <a:schemeClr val="bg1"/>
+          </a:solidFill>
+          <a:ln>
+            <a:solidFill>
+              <a:schemeClr val="tx1"/>
+            </a:solidFill>
+          </a:ln>
+        </p:spPr>
+        <p:style>
+          <a:lnRef idx="2">
+            <a:schemeClr val="accent1">
+              <a:shade val="50000"/>
+            </a:schemeClr>
+          </a:lnRef>
+          <a:fillRef idx="1">
+            <a:schemeClr val="accent1"/>
+          </a:fillRef>
+          <a:effectRef idx="0">
+            <a:schemeClr val="accent1"/>
+          </a:effectRef>
+          <a:fontRef idx="minor">
+            <a:schemeClr val="lt1"/>
+          </a:fontRef>
+        </p:style>
+        <p:txBody>
+          <a:bodyPr rtlCol="0" anchor="ctr"/>
+          <a:lstStyle/>
+          <a:p>
+            <a:pPr algn="ctr"/>
+            <a:r>
+              <a:rPr lang="en-US" sz="1400" dirty="0">
+                <a:solidFill>
+                  <a:schemeClr val="tx1"/>
+                </a:solidFill>
+                <a:latin typeface="Times New Roman" panose="02020603050405020304" pitchFamily="18" charset="0"/>
+                <a:cs typeface="Times New Roman" panose="02020603050405020304" pitchFamily="18" charset="0"/>
+              </a:rPr>
+              <a:t>Create Match</a:t>
+            </a:r>
+            <a:endParaRPr lang="en-US" dirty="0">
+              <a:solidFill>
+                <a:schemeClr val="tx1"/>
+              </a:solidFill>
+              <a:latin typeface="Times New Roman" panose="02020603050405020304" pitchFamily="18" charset="0"/>
+              <a:cs typeface="Times New Roman" panose="02020603050405020304" pitchFamily="18" charset="0"/>
+            </a:endParaRPr>
+          </a:p>
+        </p:txBody>
+      </p:sp>
+      <p:cxnSp>
+        <p:nvCxnSpPr>
+          <p:cNvPr id="81" name="Connector: Elbow 80">
+            <a:extLst>
+              <a:ext uri="{FF2B5EF4-FFF2-40B4-BE49-F238E27FC236}">
+                <a16:creationId xmlns:a16="http://schemas.microsoft.com/office/drawing/2014/main" id="{E1FFB0E2-688C-4D06-8B90-0064269C81D7}"/>
+              </a:ext>
+            </a:extLst>
+          </p:cNvPr>
+          <p:cNvCxnSpPr>
+            <a:stCxn id="44" idx="3"/>
+            <a:endCxn id="77" idx="0"/>
+          </p:cNvCxnSpPr>
+          <p:nvPr/>
+        </p:nvCxnSpPr>
+        <p:spPr>
+          <a:xfrm>
+            <a:off x="7594436" y="1842521"/>
+            <a:ext cx="715604" cy="123990"/>
+          </a:xfrm>
+          <a:prstGeom prst="bentConnector2">
+            <a:avLst/>
+          </a:prstGeom>
+          <a:ln>
+            <a:tailEnd type="triangle"/>
+          </a:ln>
+        </p:spPr>
+        <p:style>
+          <a:lnRef idx="1">
+            <a:schemeClr val="dk1"/>
+          </a:lnRef>
+          <a:fillRef idx="0">
+            <a:schemeClr val="dk1"/>
+          </a:fillRef>
+          <a:effectRef idx="0">
+            <a:schemeClr val="dk1"/>
+          </a:effectRef>
+          <a:fontRef idx="minor">
+            <a:schemeClr val="tx1"/>
+          </a:fontRef>
+        </p:style>
+      </p:cxnSp>
+      <p:cxnSp>
+        <p:nvCxnSpPr>
+          <p:cNvPr id="83" name="Connector: Elbow 82">
+            <a:extLst>
+              <a:ext uri="{FF2B5EF4-FFF2-40B4-BE49-F238E27FC236}">
+                <a16:creationId xmlns:a16="http://schemas.microsoft.com/office/drawing/2014/main" id="{32651CC0-7207-4D85-A9A0-3CD6F90C6279}"/>
+              </a:ext>
+            </a:extLst>
+          </p:cNvPr>
+          <p:cNvCxnSpPr>
+            <a:stCxn id="52" idx="3"/>
+            <a:endCxn id="77" idx="2"/>
+          </p:cNvCxnSpPr>
+          <p:nvPr/>
+        </p:nvCxnSpPr>
+        <p:spPr>
+          <a:xfrm flipV="1">
+            <a:off x="7594436" y="2570360"/>
+            <a:ext cx="715604" cy="122599"/>
+          </a:xfrm>
+          <a:prstGeom prst="bentConnector2">
+            <a:avLst/>
+          </a:prstGeom>
+          <a:ln>
+            <a:tailEnd type="triangle"/>
+          </a:ln>
+        </p:spPr>
+        <p:style>
+          <a:lnRef idx="1">
+            <a:schemeClr val="dk1"/>
+          </a:lnRef>
+          <a:fillRef idx="0">
+            <a:schemeClr val="dk1"/>
+          </a:fillRef>
+          <a:effectRef idx="0">
+            <a:schemeClr val="dk1"/>
+          </a:effectRef>
+          <a:fontRef idx="minor">
+            <a:schemeClr val="tx1"/>
+          </a:fontRef>
+        </p:style>
+      </p:cxnSp>
+      <p:cxnSp>
+        <p:nvCxnSpPr>
+          <p:cNvPr id="85" name="Straight Arrow Connector 84">
+            <a:extLst>
+              <a:ext uri="{FF2B5EF4-FFF2-40B4-BE49-F238E27FC236}">
+                <a16:creationId xmlns:a16="http://schemas.microsoft.com/office/drawing/2014/main" id="{ED694835-1F6B-4402-8802-1FE592A247A1}"/>
+              </a:ext>
+            </a:extLst>
+          </p:cNvPr>
+          <p:cNvCxnSpPr>
+            <a:cxnSpLocks/>
+            <a:stCxn id="77" idx="3"/>
+            <a:endCxn id="26" idx="1"/>
+          </p:cNvCxnSpPr>
+          <p:nvPr/>
+        </p:nvCxnSpPr>
+        <p:spPr>
+          <a:xfrm>
+            <a:off x="8870841" y="2268436"/>
+            <a:ext cx="416065" cy="392"/>
+          </a:xfrm>
+          <a:prstGeom prst="straightConnector1">
+            <a:avLst/>
+          </a:prstGeom>
+          <a:ln>
+            <a:tailEnd type="triangle"/>
+          </a:ln>
+        </p:spPr>
+        <p:style>
+          <a:lnRef idx="1">
+            <a:schemeClr val="dk1"/>
+          </a:lnRef>
+          <a:fillRef idx="0">
+            <a:schemeClr val="dk1"/>
+          </a:fillRef>
+          <a:effectRef idx="0">
+            <a:schemeClr val="dk1"/>
+          </a:effectRef>
+          <a:fontRef idx="minor">
+            <a:schemeClr val="tx1"/>
+          </a:fontRef>
+        </p:style>
+      </p:cxnSp>
+      <p:sp>
+        <p:nvSpPr>
+          <p:cNvPr id="91" name="TextBox 90">
+            <a:extLst>
+              <a:ext uri="{FF2B5EF4-FFF2-40B4-BE49-F238E27FC236}">
+                <a16:creationId xmlns:a16="http://schemas.microsoft.com/office/drawing/2014/main" id="{211F416B-0BAA-4C17-BF19-DCEF3E1EC24C}"/>
               </a:ext>
             </a:extLst>
           </p:cNvPr>
@@ -4842,8 +6464,8 @@
         </p:nvSpPr>
         <p:spPr>
           <a:xfrm>
-            <a:off x="8823964" y="501487"/>
-            <a:ext cx="2020298" cy="523220"/>
+            <a:off x="8909219" y="4977654"/>
+            <a:ext cx="457200" cy="307777"/>
           </a:xfrm>
           <a:prstGeom prst="rect">
             <a:avLst/>
@@ -4851,28 +6473,27 @@
           <a:noFill/>
         </p:spPr>
         <p:txBody>
-          <a:bodyPr wrap="none" rtlCol="0">
+          <a:bodyPr wrap="square" rtlCol="0">
             <a:spAutoFit/>
           </a:bodyPr>
           <a:lstStyle/>
           <a:p>
-            <a:pPr algn="ctr"/>
-            <a:r>
-              <a:rPr lang="en-US" sz="2800" dirty="0">
-                <a:latin typeface="Times New Roman" panose="02020603050405020304" pitchFamily="18" charset="0"/>
-                <a:cs typeface="Times New Roman" panose="02020603050405020304" pitchFamily="18" charset="0"/>
-              </a:rPr>
-              <a:t>Label Vector</a:t>
-            </a:r>
-          </a:p>
-        </p:txBody>
-      </p:sp>
-      <p:sp>
-        <p:nvSpPr>
-          <p:cNvPr id="33" name="TextBox 32">
-            <a:extLst>
-              <a:ext uri="{FF2B5EF4-FFF2-40B4-BE49-F238E27FC236}">
-                <a16:creationId xmlns:a16="http://schemas.microsoft.com/office/drawing/2014/main" id="{E5696793-9E6D-4A00-A328-278DACE411A1}"/>
+            <a:r>
+              <a:rPr lang="en-US" sz="1400" dirty="0">
+                <a:latin typeface="Times New Roman" panose="02020603050405020304" pitchFamily="18" charset="0"/>
+                <a:cs typeface="Times New Roman" panose="02020603050405020304" pitchFamily="18" charset="0"/>
+              </a:rPr>
+              <a:t>16</a:t>
+            </a:r>
+          </a:p>
+        </p:txBody>
+      </p:sp>
+      <p:sp>
+        <p:nvSpPr>
+          <p:cNvPr id="92" name="TextBox 91">
+            <a:extLst>
+              <a:ext uri="{FF2B5EF4-FFF2-40B4-BE49-F238E27FC236}">
+                <a16:creationId xmlns:a16="http://schemas.microsoft.com/office/drawing/2014/main" id="{5CE0F868-98EC-4B0E-91CF-C715E06F32D8}"/>
               </a:ext>
             </a:extLst>
           </p:cNvPr>
@@ -4881,8 +6502,8 @@
         </p:nvSpPr>
         <p:spPr>
           <a:xfrm>
-            <a:off x="3187192" y="501487"/>
-            <a:ext cx="2326792" cy="523220"/>
+            <a:off x="463376" y="766672"/>
+            <a:ext cx="3006812" cy="400110"/>
           </a:xfrm>
           <a:prstGeom prst="rect">
             <a:avLst/>
@@ -4890,26 +6511,1057 @@
           <a:noFill/>
         </p:spPr>
         <p:txBody>
-          <a:bodyPr wrap="none" rtlCol="0">
+          <a:bodyPr wrap="square" rtlCol="0">
             <a:spAutoFit/>
           </a:bodyPr>
           <a:lstStyle/>
           <a:p>
             <a:pPr algn="ctr"/>
             <a:r>
-              <a:rPr lang="en-US" sz="2800" dirty="0">
-                <a:latin typeface="Times New Roman" panose="02020603050405020304" pitchFamily="18" charset="0"/>
-                <a:cs typeface="Times New Roman" panose="02020603050405020304" pitchFamily="18" charset="0"/>
-              </a:rPr>
-              <a:t>Feature Vector</a:t>
-            </a:r>
-          </a:p>
-        </p:txBody>
-      </p:sp>
+              <a:rPr lang="en-US" sz="2000" dirty="0">
+                <a:latin typeface="Times New Roman" panose="02020603050405020304" pitchFamily="18" charset="0"/>
+                <a:cs typeface="Times New Roman" panose="02020603050405020304" pitchFamily="18" charset="0"/>
+              </a:rPr>
+              <a:t>1st Round Games</a:t>
+            </a:r>
+          </a:p>
+        </p:txBody>
+      </p:sp>
+      <p:sp>
+        <p:nvSpPr>
+          <p:cNvPr id="93" name="TextBox 92">
+            <a:extLst>
+              <a:ext uri="{FF2B5EF4-FFF2-40B4-BE49-F238E27FC236}">
+                <a16:creationId xmlns:a16="http://schemas.microsoft.com/office/drawing/2014/main" id="{C5A275E7-E0AA-44EB-A03B-EAD38F81B821}"/>
+              </a:ext>
+            </a:extLst>
+          </p:cNvPr>
+          <p:cNvSpPr txBox="1"/>
+          <p:nvPr/>
+        </p:nvSpPr>
+        <p:spPr>
+          <a:xfrm rot="5400000">
+            <a:off x="4910246" y="3324861"/>
+            <a:ext cx="3128514" cy="1015663"/>
+          </a:xfrm>
+          <a:prstGeom prst="rect">
+            <a:avLst/>
+          </a:prstGeom>
+          <a:noFill/>
+        </p:spPr>
+        <p:txBody>
+          <a:bodyPr wrap="square" rtlCol="0">
+            <a:spAutoFit/>
+          </a:bodyPr>
+          <a:lstStyle/>
+          <a:p>
+            <a:pPr algn="ctr"/>
+            <a:r>
+              <a:rPr lang="en-US" sz="6000" dirty="0">
+                <a:latin typeface="Times New Roman" panose="02020603050405020304" pitchFamily="18" charset="0"/>
+                <a:cs typeface="Times New Roman" panose="02020603050405020304" pitchFamily="18" charset="0"/>
+              </a:rPr>
+              <a:t>…</a:t>
+            </a:r>
+          </a:p>
+        </p:txBody>
+      </p:sp>
+      <p:sp>
+        <p:nvSpPr>
+          <p:cNvPr id="94" name="Double Bracket 93">
+            <a:extLst>
+              <a:ext uri="{FF2B5EF4-FFF2-40B4-BE49-F238E27FC236}">
+                <a16:creationId xmlns:a16="http://schemas.microsoft.com/office/drawing/2014/main" id="{4FA4B498-DCE7-4F15-B3D5-62D50ECE45A4}"/>
+              </a:ext>
+            </a:extLst>
+          </p:cNvPr>
+          <p:cNvSpPr/>
+          <p:nvPr/>
+        </p:nvSpPr>
+        <p:spPr>
+          <a:xfrm>
+            <a:off x="450670" y="4616880"/>
+            <a:ext cx="2643493" cy="603849"/>
+          </a:xfrm>
+          <a:prstGeom prst="bracketPair">
+            <a:avLst/>
+          </a:prstGeom>
+        </p:spPr>
+        <p:style>
+          <a:lnRef idx="3">
+            <a:schemeClr val="dk1"/>
+          </a:lnRef>
+          <a:fillRef idx="0">
+            <a:schemeClr val="dk1"/>
+          </a:fillRef>
+          <a:effectRef idx="2">
+            <a:schemeClr val="dk1"/>
+          </a:effectRef>
+          <a:fontRef idx="minor">
+            <a:schemeClr val="tx1"/>
+          </a:fontRef>
+        </p:style>
+        <p:txBody>
+          <a:bodyPr rtlCol="0" anchor="ctr"/>
+          <a:lstStyle/>
+          <a:p>
+            <a:pPr algn="ctr"/>
+            <a:endParaRPr lang="en-US" sz="1400">
+              <a:latin typeface="Times New Roman" panose="02020603050405020304" pitchFamily="18" charset="0"/>
+              <a:cs typeface="Times New Roman" panose="02020603050405020304" pitchFamily="18" charset="0"/>
+            </a:endParaRPr>
+          </a:p>
+        </p:txBody>
+      </p:sp>
+      <p:sp>
+        <p:nvSpPr>
+          <p:cNvPr id="95" name="TextBox 94">
+            <a:extLst>
+              <a:ext uri="{FF2B5EF4-FFF2-40B4-BE49-F238E27FC236}">
+                <a16:creationId xmlns:a16="http://schemas.microsoft.com/office/drawing/2014/main" id="{4D515222-496E-4B60-9C0A-DF9141392FCB}"/>
+              </a:ext>
+            </a:extLst>
+          </p:cNvPr>
+          <p:cNvSpPr txBox="1"/>
+          <p:nvPr/>
+        </p:nvSpPr>
+        <p:spPr>
+          <a:xfrm>
+            <a:off x="560657" y="4690343"/>
+            <a:ext cx="2533506" cy="369332"/>
+          </a:xfrm>
+          <a:prstGeom prst="rect">
+            <a:avLst/>
+          </a:prstGeom>
+          <a:noFill/>
+        </p:spPr>
+        <p:txBody>
+          <a:bodyPr wrap="square" rtlCol="0">
+            <a:spAutoFit/>
+          </a:bodyPr>
+          <a:lstStyle/>
+          <a:p>
+            <a:pPr algn="ctr"/>
+            <a:r>
+              <a:rPr lang="en-US" dirty="0">
+                <a:latin typeface="Times New Roman" panose="02020603050405020304" pitchFamily="18" charset="0"/>
+                <a:cs typeface="Times New Roman" panose="02020603050405020304" pitchFamily="18" charset="0"/>
+              </a:rPr>
+              <a:t>Team</a:t>
+            </a:r>
+            <a:r>
+              <a:rPr lang="en-US" baseline="-25000" dirty="0">
+                <a:latin typeface="Times New Roman" panose="02020603050405020304" pitchFamily="18" charset="0"/>
+                <a:cs typeface="Times New Roman" panose="02020603050405020304" pitchFamily="18" charset="0"/>
+              </a:rPr>
+              <a:t>30,0</a:t>
+            </a:r>
+            <a:r>
+              <a:rPr lang="en-US" dirty="0">
+                <a:latin typeface="Times New Roman" panose="02020603050405020304" pitchFamily="18" charset="0"/>
+                <a:cs typeface="Times New Roman" panose="02020603050405020304" pitchFamily="18" charset="0"/>
+              </a:rPr>
+              <a:t> ID</a:t>
+            </a:r>
+            <a:r>
+              <a:rPr lang="en-US">
+                <a:latin typeface="Times New Roman" panose="02020603050405020304" pitchFamily="18" charset="0"/>
+                <a:cs typeface="Times New Roman" panose="02020603050405020304" pitchFamily="18" charset="0"/>
+              </a:rPr>
+              <a:t>, Team</a:t>
+            </a:r>
+            <a:r>
+              <a:rPr lang="en-US" baseline="-25000">
+                <a:latin typeface="Times New Roman" panose="02020603050405020304" pitchFamily="18" charset="0"/>
+                <a:cs typeface="Times New Roman" panose="02020603050405020304" pitchFamily="18" charset="0"/>
+              </a:rPr>
+              <a:t>30,1</a:t>
+            </a:r>
+            <a:r>
+              <a:rPr lang="en-US">
+                <a:latin typeface="Times New Roman" panose="02020603050405020304" pitchFamily="18" charset="0"/>
+                <a:cs typeface="Times New Roman" panose="02020603050405020304" pitchFamily="18" charset="0"/>
+              </a:rPr>
+              <a:t> </a:t>
+            </a:r>
+            <a:r>
+              <a:rPr lang="en-US" dirty="0">
+                <a:latin typeface="Times New Roman" panose="02020603050405020304" pitchFamily="18" charset="0"/>
+                <a:cs typeface="Times New Roman" panose="02020603050405020304" pitchFamily="18" charset="0"/>
+              </a:rPr>
+              <a:t>ID</a:t>
+            </a:r>
+          </a:p>
+        </p:txBody>
+      </p:sp>
+      <p:sp>
+        <p:nvSpPr>
+          <p:cNvPr id="106" name="Flowchart: Process 105">
+            <a:extLst>
+              <a:ext uri="{FF2B5EF4-FFF2-40B4-BE49-F238E27FC236}">
+                <a16:creationId xmlns:a16="http://schemas.microsoft.com/office/drawing/2014/main" id="{176497C2-C8F1-4D07-B6B3-D4686469EEFD}"/>
+              </a:ext>
+            </a:extLst>
+          </p:cNvPr>
+          <p:cNvSpPr/>
+          <p:nvPr/>
+        </p:nvSpPr>
+        <p:spPr>
+          <a:xfrm>
+            <a:off x="3641478" y="4613772"/>
+            <a:ext cx="1326238" cy="609078"/>
+          </a:xfrm>
+          <a:prstGeom prst="flowChartProcess">
+            <a:avLst/>
+          </a:prstGeom>
+          <a:solidFill>
+            <a:schemeClr val="bg1"/>
+          </a:solidFill>
+          <a:ln>
+            <a:solidFill>
+              <a:schemeClr val="tx1"/>
+            </a:solidFill>
+          </a:ln>
+        </p:spPr>
+        <p:style>
+          <a:lnRef idx="2">
+            <a:schemeClr val="accent1">
+              <a:shade val="50000"/>
+            </a:schemeClr>
+          </a:lnRef>
+          <a:fillRef idx="1">
+            <a:schemeClr val="accent1"/>
+          </a:fillRef>
+          <a:effectRef idx="0">
+            <a:schemeClr val="accent1"/>
+          </a:effectRef>
+          <a:fontRef idx="minor">
+            <a:schemeClr val="lt1"/>
+          </a:fontRef>
+        </p:style>
+        <p:txBody>
+          <a:bodyPr rtlCol="0" anchor="ctr"/>
+          <a:lstStyle/>
+          <a:p>
+            <a:pPr algn="ctr"/>
+            <a:r>
+              <a:rPr lang="en-US" sz="1400" dirty="0">
+                <a:solidFill>
+                  <a:schemeClr val="tx1"/>
+                </a:solidFill>
+                <a:latin typeface="Times New Roman" panose="02020603050405020304" pitchFamily="18" charset="0"/>
+                <a:cs typeface="Times New Roman" panose="02020603050405020304" pitchFamily="18" charset="0"/>
+              </a:rPr>
+              <a:t>Create feature vector</a:t>
+            </a:r>
+          </a:p>
+        </p:txBody>
+      </p:sp>
+      <p:sp>
+        <p:nvSpPr>
+          <p:cNvPr id="107" name="Flowchart: Process 106">
+            <a:extLst>
+              <a:ext uri="{FF2B5EF4-FFF2-40B4-BE49-F238E27FC236}">
+                <a16:creationId xmlns:a16="http://schemas.microsoft.com/office/drawing/2014/main" id="{054A6F77-D471-48F0-8C5C-C31535B6E288}"/>
+              </a:ext>
+            </a:extLst>
+          </p:cNvPr>
+          <p:cNvSpPr/>
+          <p:nvPr/>
+        </p:nvSpPr>
+        <p:spPr>
+          <a:xfrm>
+            <a:off x="5190139" y="4613772"/>
+            <a:ext cx="1037967" cy="603849"/>
+          </a:xfrm>
+          <a:prstGeom prst="flowChartProcess">
+            <a:avLst/>
+          </a:prstGeom>
+          <a:solidFill>
+            <a:schemeClr val="bg1"/>
+          </a:solidFill>
+          <a:ln>
+            <a:solidFill>
+              <a:schemeClr val="tx1"/>
+            </a:solidFill>
+          </a:ln>
+        </p:spPr>
+        <p:style>
+          <a:lnRef idx="2">
+            <a:schemeClr val="accent1">
+              <a:shade val="50000"/>
+            </a:schemeClr>
+          </a:lnRef>
+          <a:fillRef idx="1">
+            <a:schemeClr val="accent1"/>
+          </a:fillRef>
+          <a:effectRef idx="0">
+            <a:schemeClr val="accent1"/>
+          </a:effectRef>
+          <a:fontRef idx="minor">
+            <a:schemeClr val="lt1"/>
+          </a:fontRef>
+        </p:style>
+        <p:txBody>
+          <a:bodyPr rtlCol="0" anchor="ctr"/>
+          <a:lstStyle/>
+          <a:p>
+            <a:pPr algn="ctr"/>
+            <a:r>
+              <a:rPr lang="en-US" sz="1400" dirty="0">
+                <a:solidFill>
+                  <a:schemeClr val="tx1"/>
+                </a:solidFill>
+                <a:latin typeface="Times New Roman" panose="02020603050405020304" pitchFamily="18" charset="0"/>
+                <a:cs typeface="Times New Roman" panose="02020603050405020304" pitchFamily="18" charset="0"/>
+              </a:rPr>
+              <a:t>Predict</a:t>
+            </a:r>
+            <a:endParaRPr lang="en-US" dirty="0">
+              <a:solidFill>
+                <a:schemeClr val="tx1"/>
+              </a:solidFill>
+              <a:latin typeface="Times New Roman" panose="02020603050405020304" pitchFamily="18" charset="0"/>
+              <a:cs typeface="Times New Roman" panose="02020603050405020304" pitchFamily="18" charset="0"/>
+            </a:endParaRPr>
+          </a:p>
+        </p:txBody>
+      </p:sp>
+      <p:cxnSp>
+        <p:nvCxnSpPr>
+          <p:cNvPr id="108" name="Straight Arrow Connector 107">
+            <a:extLst>
+              <a:ext uri="{FF2B5EF4-FFF2-40B4-BE49-F238E27FC236}">
+                <a16:creationId xmlns:a16="http://schemas.microsoft.com/office/drawing/2014/main" id="{44987315-77B9-4FEB-A799-C549765C1724}"/>
+              </a:ext>
+            </a:extLst>
+          </p:cNvPr>
+          <p:cNvCxnSpPr>
+            <a:cxnSpLocks/>
+            <a:stCxn id="106" idx="3"/>
+            <a:endCxn id="107" idx="1"/>
+          </p:cNvCxnSpPr>
+          <p:nvPr/>
+        </p:nvCxnSpPr>
+        <p:spPr>
+          <a:xfrm flipV="1">
+            <a:off x="4967716" y="4915697"/>
+            <a:ext cx="222423" cy="2614"/>
+          </a:xfrm>
+          <a:prstGeom prst="straightConnector1">
+            <a:avLst/>
+          </a:prstGeom>
+          <a:ln>
+            <a:tailEnd type="triangle"/>
+          </a:ln>
+        </p:spPr>
+        <p:style>
+          <a:lnRef idx="1">
+            <a:schemeClr val="dk1"/>
+          </a:lnRef>
+          <a:fillRef idx="0">
+            <a:schemeClr val="dk1"/>
+          </a:fillRef>
+          <a:effectRef idx="0">
+            <a:schemeClr val="dk1"/>
+          </a:effectRef>
+          <a:fontRef idx="minor">
+            <a:schemeClr val="tx1"/>
+          </a:fontRef>
+        </p:style>
+      </p:cxnSp>
+      <p:sp>
+        <p:nvSpPr>
+          <p:cNvPr id="109" name="Flowchart: Process 108">
+            <a:extLst>
+              <a:ext uri="{FF2B5EF4-FFF2-40B4-BE49-F238E27FC236}">
+                <a16:creationId xmlns:a16="http://schemas.microsoft.com/office/drawing/2014/main" id="{70FC3582-F27A-4718-A1F3-B7AC248BB4A6}"/>
+              </a:ext>
+            </a:extLst>
+          </p:cNvPr>
+          <p:cNvSpPr/>
+          <p:nvPr/>
+        </p:nvSpPr>
+        <p:spPr>
+          <a:xfrm>
+            <a:off x="6473130" y="4613772"/>
+            <a:ext cx="1121602" cy="603849"/>
+          </a:xfrm>
+          <a:prstGeom prst="flowChartProcess">
+            <a:avLst/>
+          </a:prstGeom>
+          <a:solidFill>
+            <a:schemeClr val="bg1"/>
+          </a:solidFill>
+          <a:ln>
+            <a:solidFill>
+              <a:schemeClr val="tx1"/>
+            </a:solidFill>
+          </a:ln>
+        </p:spPr>
+        <p:style>
+          <a:lnRef idx="2">
+            <a:schemeClr val="accent1">
+              <a:shade val="50000"/>
+            </a:schemeClr>
+          </a:lnRef>
+          <a:fillRef idx="1">
+            <a:schemeClr val="accent1"/>
+          </a:fillRef>
+          <a:effectRef idx="0">
+            <a:schemeClr val="accent1"/>
+          </a:effectRef>
+          <a:fontRef idx="minor">
+            <a:schemeClr val="lt1"/>
+          </a:fontRef>
+        </p:style>
+        <p:txBody>
+          <a:bodyPr rtlCol="0" anchor="ctr"/>
+          <a:lstStyle/>
+          <a:p>
+            <a:pPr algn="ctr"/>
+            <a:r>
+              <a:rPr lang="en-US" sz="1400" dirty="0">
+                <a:solidFill>
+                  <a:schemeClr val="tx1"/>
+                </a:solidFill>
+                <a:latin typeface="Times New Roman" panose="02020603050405020304" pitchFamily="18" charset="0"/>
+                <a:cs typeface="Times New Roman" panose="02020603050405020304" pitchFamily="18" charset="0"/>
+              </a:rPr>
+              <a:t>Select Winning ID</a:t>
+            </a:r>
+            <a:endParaRPr lang="en-US" dirty="0">
+              <a:solidFill>
+                <a:schemeClr val="tx1"/>
+              </a:solidFill>
+              <a:latin typeface="Times New Roman" panose="02020603050405020304" pitchFamily="18" charset="0"/>
+              <a:cs typeface="Times New Roman" panose="02020603050405020304" pitchFamily="18" charset="0"/>
+            </a:endParaRPr>
+          </a:p>
+        </p:txBody>
+      </p:sp>
+      <p:cxnSp>
+        <p:nvCxnSpPr>
+          <p:cNvPr id="110" name="Straight Arrow Connector 109">
+            <a:extLst>
+              <a:ext uri="{FF2B5EF4-FFF2-40B4-BE49-F238E27FC236}">
+                <a16:creationId xmlns:a16="http://schemas.microsoft.com/office/drawing/2014/main" id="{004D8479-DC49-4025-9EB7-FAB0A586EAA0}"/>
+              </a:ext>
+            </a:extLst>
+          </p:cNvPr>
+          <p:cNvCxnSpPr>
+            <a:cxnSpLocks/>
+            <a:stCxn id="107" idx="3"/>
+            <a:endCxn id="109" idx="1"/>
+          </p:cNvCxnSpPr>
+          <p:nvPr/>
+        </p:nvCxnSpPr>
+        <p:spPr>
+          <a:xfrm>
+            <a:off x="6228106" y="4915697"/>
+            <a:ext cx="245024" cy="0"/>
+          </a:xfrm>
+          <a:prstGeom prst="straightConnector1">
+            <a:avLst/>
+          </a:prstGeom>
+          <a:ln>
+            <a:tailEnd type="triangle"/>
+          </a:ln>
+        </p:spPr>
+        <p:style>
+          <a:lnRef idx="1">
+            <a:schemeClr val="dk1"/>
+          </a:lnRef>
+          <a:fillRef idx="0">
+            <a:schemeClr val="dk1"/>
+          </a:fillRef>
+          <a:effectRef idx="0">
+            <a:schemeClr val="dk1"/>
+          </a:effectRef>
+          <a:fontRef idx="minor">
+            <a:schemeClr val="tx1"/>
+          </a:fontRef>
+        </p:style>
+      </p:cxnSp>
+      <p:sp>
+        <p:nvSpPr>
+          <p:cNvPr id="111" name="Flowchart: Process 110">
+            <a:extLst>
+              <a:ext uri="{FF2B5EF4-FFF2-40B4-BE49-F238E27FC236}">
+                <a16:creationId xmlns:a16="http://schemas.microsoft.com/office/drawing/2014/main" id="{91AF56D0-81B5-497A-A179-940F0EFDCC72}"/>
+              </a:ext>
+            </a:extLst>
+          </p:cNvPr>
+          <p:cNvSpPr/>
+          <p:nvPr/>
+        </p:nvSpPr>
+        <p:spPr>
+          <a:xfrm>
+            <a:off x="3641478" y="5464210"/>
+            <a:ext cx="1326238" cy="609078"/>
+          </a:xfrm>
+          <a:prstGeom prst="flowChartProcess">
+            <a:avLst/>
+          </a:prstGeom>
+          <a:solidFill>
+            <a:schemeClr val="bg1"/>
+          </a:solidFill>
+          <a:ln>
+            <a:solidFill>
+              <a:schemeClr val="tx1"/>
+            </a:solidFill>
+          </a:ln>
+        </p:spPr>
+        <p:style>
+          <a:lnRef idx="2">
+            <a:schemeClr val="accent1">
+              <a:shade val="50000"/>
+            </a:schemeClr>
+          </a:lnRef>
+          <a:fillRef idx="1">
+            <a:schemeClr val="accent1"/>
+          </a:fillRef>
+          <a:effectRef idx="0">
+            <a:schemeClr val="accent1"/>
+          </a:effectRef>
+          <a:fontRef idx="minor">
+            <a:schemeClr val="lt1"/>
+          </a:fontRef>
+        </p:style>
+        <p:txBody>
+          <a:bodyPr rtlCol="0" anchor="ctr"/>
+          <a:lstStyle/>
+          <a:p>
+            <a:pPr algn="ctr"/>
+            <a:r>
+              <a:rPr lang="en-US" sz="1400" dirty="0">
+                <a:solidFill>
+                  <a:schemeClr val="tx1"/>
+                </a:solidFill>
+                <a:latin typeface="Times New Roman" panose="02020603050405020304" pitchFamily="18" charset="0"/>
+                <a:cs typeface="Times New Roman" panose="02020603050405020304" pitchFamily="18" charset="0"/>
+              </a:rPr>
+              <a:t>Create feature vector</a:t>
+            </a:r>
+          </a:p>
+        </p:txBody>
+      </p:sp>
+      <p:sp>
+        <p:nvSpPr>
+          <p:cNvPr id="112" name="Flowchart: Process 111">
+            <a:extLst>
+              <a:ext uri="{FF2B5EF4-FFF2-40B4-BE49-F238E27FC236}">
+                <a16:creationId xmlns:a16="http://schemas.microsoft.com/office/drawing/2014/main" id="{38FCE4C1-849D-4C45-A829-5199972C764F}"/>
+              </a:ext>
+            </a:extLst>
+          </p:cNvPr>
+          <p:cNvSpPr/>
+          <p:nvPr/>
+        </p:nvSpPr>
+        <p:spPr>
+          <a:xfrm>
+            <a:off x="5190139" y="5464210"/>
+            <a:ext cx="1037967" cy="603849"/>
+          </a:xfrm>
+          <a:prstGeom prst="flowChartProcess">
+            <a:avLst/>
+          </a:prstGeom>
+          <a:solidFill>
+            <a:schemeClr val="bg1"/>
+          </a:solidFill>
+          <a:ln>
+            <a:solidFill>
+              <a:schemeClr val="tx1"/>
+            </a:solidFill>
+          </a:ln>
+        </p:spPr>
+        <p:style>
+          <a:lnRef idx="2">
+            <a:schemeClr val="accent1">
+              <a:shade val="50000"/>
+            </a:schemeClr>
+          </a:lnRef>
+          <a:fillRef idx="1">
+            <a:schemeClr val="accent1"/>
+          </a:fillRef>
+          <a:effectRef idx="0">
+            <a:schemeClr val="accent1"/>
+          </a:effectRef>
+          <a:fontRef idx="minor">
+            <a:schemeClr val="lt1"/>
+          </a:fontRef>
+        </p:style>
+        <p:txBody>
+          <a:bodyPr rtlCol="0" anchor="ctr"/>
+          <a:lstStyle/>
+          <a:p>
+            <a:pPr algn="ctr"/>
+            <a:r>
+              <a:rPr lang="en-US" sz="1400" dirty="0">
+                <a:solidFill>
+                  <a:schemeClr val="tx1"/>
+                </a:solidFill>
+                <a:latin typeface="Times New Roman" panose="02020603050405020304" pitchFamily="18" charset="0"/>
+                <a:cs typeface="Times New Roman" panose="02020603050405020304" pitchFamily="18" charset="0"/>
+              </a:rPr>
+              <a:t>Predict</a:t>
+            </a:r>
+            <a:endParaRPr lang="en-US" dirty="0">
+              <a:solidFill>
+                <a:schemeClr val="tx1"/>
+              </a:solidFill>
+              <a:latin typeface="Times New Roman" panose="02020603050405020304" pitchFamily="18" charset="0"/>
+              <a:cs typeface="Times New Roman" panose="02020603050405020304" pitchFamily="18" charset="0"/>
+            </a:endParaRPr>
+          </a:p>
+        </p:txBody>
+      </p:sp>
+      <p:cxnSp>
+        <p:nvCxnSpPr>
+          <p:cNvPr id="113" name="Straight Arrow Connector 112">
+            <a:extLst>
+              <a:ext uri="{FF2B5EF4-FFF2-40B4-BE49-F238E27FC236}">
+                <a16:creationId xmlns:a16="http://schemas.microsoft.com/office/drawing/2014/main" id="{A1B90F6D-081E-4EDD-9244-0B6A6A2D2B1B}"/>
+              </a:ext>
+            </a:extLst>
+          </p:cNvPr>
+          <p:cNvCxnSpPr>
+            <a:cxnSpLocks/>
+            <a:stCxn id="111" idx="3"/>
+            <a:endCxn id="112" idx="1"/>
+          </p:cNvCxnSpPr>
+          <p:nvPr/>
+        </p:nvCxnSpPr>
+        <p:spPr>
+          <a:xfrm flipV="1">
+            <a:off x="4967716" y="5766135"/>
+            <a:ext cx="222423" cy="2614"/>
+          </a:xfrm>
+          <a:prstGeom prst="straightConnector1">
+            <a:avLst/>
+          </a:prstGeom>
+          <a:ln>
+            <a:tailEnd type="triangle"/>
+          </a:ln>
+        </p:spPr>
+        <p:style>
+          <a:lnRef idx="1">
+            <a:schemeClr val="dk1"/>
+          </a:lnRef>
+          <a:fillRef idx="0">
+            <a:schemeClr val="dk1"/>
+          </a:fillRef>
+          <a:effectRef idx="0">
+            <a:schemeClr val="dk1"/>
+          </a:effectRef>
+          <a:fontRef idx="minor">
+            <a:schemeClr val="tx1"/>
+          </a:fontRef>
+        </p:style>
+      </p:cxnSp>
+      <p:sp>
+        <p:nvSpPr>
+          <p:cNvPr id="114" name="Flowchart: Process 113">
+            <a:extLst>
+              <a:ext uri="{FF2B5EF4-FFF2-40B4-BE49-F238E27FC236}">
+                <a16:creationId xmlns:a16="http://schemas.microsoft.com/office/drawing/2014/main" id="{77D8C811-8A7A-4A39-B4E8-E6700E8E2407}"/>
+              </a:ext>
+            </a:extLst>
+          </p:cNvPr>
+          <p:cNvSpPr/>
+          <p:nvPr/>
+        </p:nvSpPr>
+        <p:spPr>
+          <a:xfrm>
+            <a:off x="6473130" y="5464210"/>
+            <a:ext cx="1121602" cy="603849"/>
+          </a:xfrm>
+          <a:prstGeom prst="flowChartProcess">
+            <a:avLst/>
+          </a:prstGeom>
+          <a:solidFill>
+            <a:schemeClr val="bg1"/>
+          </a:solidFill>
+          <a:ln>
+            <a:solidFill>
+              <a:schemeClr val="tx1"/>
+            </a:solidFill>
+          </a:ln>
+        </p:spPr>
+        <p:style>
+          <a:lnRef idx="2">
+            <a:schemeClr val="accent1">
+              <a:shade val="50000"/>
+            </a:schemeClr>
+          </a:lnRef>
+          <a:fillRef idx="1">
+            <a:schemeClr val="accent1"/>
+          </a:fillRef>
+          <a:effectRef idx="0">
+            <a:schemeClr val="accent1"/>
+          </a:effectRef>
+          <a:fontRef idx="minor">
+            <a:schemeClr val="lt1"/>
+          </a:fontRef>
+        </p:style>
+        <p:txBody>
+          <a:bodyPr rtlCol="0" anchor="ctr"/>
+          <a:lstStyle/>
+          <a:p>
+            <a:pPr algn="ctr"/>
+            <a:r>
+              <a:rPr lang="en-US" sz="1400" dirty="0">
+                <a:solidFill>
+                  <a:schemeClr val="tx1"/>
+                </a:solidFill>
+                <a:latin typeface="Times New Roman" panose="02020603050405020304" pitchFamily="18" charset="0"/>
+                <a:cs typeface="Times New Roman" panose="02020603050405020304" pitchFamily="18" charset="0"/>
+              </a:rPr>
+              <a:t>Select Winning ID</a:t>
+            </a:r>
+            <a:endParaRPr lang="en-US" dirty="0">
+              <a:solidFill>
+                <a:schemeClr val="tx1"/>
+              </a:solidFill>
+              <a:latin typeface="Times New Roman" panose="02020603050405020304" pitchFamily="18" charset="0"/>
+              <a:cs typeface="Times New Roman" panose="02020603050405020304" pitchFamily="18" charset="0"/>
+            </a:endParaRPr>
+          </a:p>
+        </p:txBody>
+      </p:sp>
+      <p:cxnSp>
+        <p:nvCxnSpPr>
+          <p:cNvPr id="115" name="Straight Arrow Connector 114">
+            <a:extLst>
+              <a:ext uri="{FF2B5EF4-FFF2-40B4-BE49-F238E27FC236}">
+                <a16:creationId xmlns:a16="http://schemas.microsoft.com/office/drawing/2014/main" id="{C3F673EC-377F-45D4-B6C1-F7BA84E69764}"/>
+              </a:ext>
+            </a:extLst>
+          </p:cNvPr>
+          <p:cNvCxnSpPr>
+            <a:cxnSpLocks/>
+            <a:stCxn id="112" idx="3"/>
+            <a:endCxn id="114" idx="1"/>
+          </p:cNvCxnSpPr>
+          <p:nvPr/>
+        </p:nvCxnSpPr>
+        <p:spPr>
+          <a:xfrm>
+            <a:off x="6228106" y="5766135"/>
+            <a:ext cx="245024" cy="0"/>
+          </a:xfrm>
+          <a:prstGeom prst="straightConnector1">
+            <a:avLst/>
+          </a:prstGeom>
+          <a:ln>
+            <a:tailEnd type="triangle"/>
+          </a:ln>
+        </p:spPr>
+        <p:style>
+          <a:lnRef idx="1">
+            <a:schemeClr val="dk1"/>
+          </a:lnRef>
+          <a:fillRef idx="0">
+            <a:schemeClr val="dk1"/>
+          </a:fillRef>
+          <a:effectRef idx="0">
+            <a:schemeClr val="dk1"/>
+          </a:effectRef>
+          <a:fontRef idx="minor">
+            <a:schemeClr val="tx1"/>
+          </a:fontRef>
+        </p:style>
+      </p:cxnSp>
+      <p:sp>
+        <p:nvSpPr>
+          <p:cNvPr id="116" name="Flowchart: Process 115">
+            <a:extLst>
+              <a:ext uri="{FF2B5EF4-FFF2-40B4-BE49-F238E27FC236}">
+                <a16:creationId xmlns:a16="http://schemas.microsoft.com/office/drawing/2014/main" id="{1EDBCAFC-F2A6-492D-A5C6-B7138650A26D}"/>
+              </a:ext>
+            </a:extLst>
+          </p:cNvPr>
+          <p:cNvSpPr/>
+          <p:nvPr/>
+        </p:nvSpPr>
+        <p:spPr>
+          <a:xfrm>
+            <a:off x="7749535" y="5039687"/>
+            <a:ext cx="1121602" cy="603849"/>
+          </a:xfrm>
+          <a:prstGeom prst="flowChartProcess">
+            <a:avLst/>
+          </a:prstGeom>
+          <a:solidFill>
+            <a:schemeClr val="bg1"/>
+          </a:solidFill>
+          <a:ln>
+            <a:solidFill>
+              <a:schemeClr val="tx1"/>
+            </a:solidFill>
+          </a:ln>
+        </p:spPr>
+        <p:style>
+          <a:lnRef idx="2">
+            <a:schemeClr val="accent1">
+              <a:shade val="50000"/>
+            </a:schemeClr>
+          </a:lnRef>
+          <a:fillRef idx="1">
+            <a:schemeClr val="accent1"/>
+          </a:fillRef>
+          <a:effectRef idx="0">
+            <a:schemeClr val="accent1"/>
+          </a:effectRef>
+          <a:fontRef idx="minor">
+            <a:schemeClr val="lt1"/>
+          </a:fontRef>
+        </p:style>
+        <p:txBody>
+          <a:bodyPr rtlCol="0" anchor="ctr"/>
+          <a:lstStyle/>
+          <a:p>
+            <a:pPr algn="ctr"/>
+            <a:r>
+              <a:rPr lang="en-US" sz="1400" dirty="0">
+                <a:solidFill>
+                  <a:schemeClr val="tx1"/>
+                </a:solidFill>
+                <a:latin typeface="Times New Roman" panose="02020603050405020304" pitchFamily="18" charset="0"/>
+                <a:cs typeface="Times New Roman" panose="02020603050405020304" pitchFamily="18" charset="0"/>
+              </a:rPr>
+              <a:t>Create Match</a:t>
+            </a:r>
+            <a:endParaRPr lang="en-US" dirty="0">
+              <a:solidFill>
+                <a:schemeClr val="tx1"/>
+              </a:solidFill>
+              <a:latin typeface="Times New Roman" panose="02020603050405020304" pitchFamily="18" charset="0"/>
+              <a:cs typeface="Times New Roman" panose="02020603050405020304" pitchFamily="18" charset="0"/>
+            </a:endParaRPr>
+          </a:p>
+        </p:txBody>
+      </p:sp>
+      <p:cxnSp>
+        <p:nvCxnSpPr>
+          <p:cNvPr id="117" name="Connector: Elbow 116">
+            <a:extLst>
+              <a:ext uri="{FF2B5EF4-FFF2-40B4-BE49-F238E27FC236}">
+                <a16:creationId xmlns:a16="http://schemas.microsoft.com/office/drawing/2014/main" id="{E14E8437-A418-432D-997F-1E59EF928698}"/>
+              </a:ext>
+            </a:extLst>
+          </p:cNvPr>
+          <p:cNvCxnSpPr>
+            <a:cxnSpLocks/>
+            <a:stCxn id="109" idx="3"/>
+            <a:endCxn id="116" idx="0"/>
+          </p:cNvCxnSpPr>
+          <p:nvPr/>
+        </p:nvCxnSpPr>
+        <p:spPr>
+          <a:xfrm>
+            <a:off x="7594732" y="4915697"/>
+            <a:ext cx="715604" cy="123990"/>
+          </a:xfrm>
+          <a:prstGeom prst="bentConnector2">
+            <a:avLst/>
+          </a:prstGeom>
+          <a:ln>
+            <a:tailEnd type="triangle"/>
+          </a:ln>
+        </p:spPr>
+        <p:style>
+          <a:lnRef idx="1">
+            <a:schemeClr val="dk1"/>
+          </a:lnRef>
+          <a:fillRef idx="0">
+            <a:schemeClr val="dk1"/>
+          </a:fillRef>
+          <a:effectRef idx="0">
+            <a:schemeClr val="dk1"/>
+          </a:effectRef>
+          <a:fontRef idx="minor">
+            <a:schemeClr val="tx1"/>
+          </a:fontRef>
+        </p:style>
+      </p:cxnSp>
+      <p:cxnSp>
+        <p:nvCxnSpPr>
+          <p:cNvPr id="118" name="Connector: Elbow 117">
+            <a:extLst>
+              <a:ext uri="{FF2B5EF4-FFF2-40B4-BE49-F238E27FC236}">
+                <a16:creationId xmlns:a16="http://schemas.microsoft.com/office/drawing/2014/main" id="{2ABF494F-EA27-412B-9166-18A0BFABA004}"/>
+              </a:ext>
+            </a:extLst>
+          </p:cNvPr>
+          <p:cNvCxnSpPr>
+            <a:cxnSpLocks/>
+            <a:stCxn id="114" idx="3"/>
+            <a:endCxn id="116" idx="2"/>
+          </p:cNvCxnSpPr>
+          <p:nvPr/>
+        </p:nvCxnSpPr>
+        <p:spPr>
+          <a:xfrm flipV="1">
+            <a:off x="7594732" y="5643536"/>
+            <a:ext cx="715604" cy="122599"/>
+          </a:xfrm>
+          <a:prstGeom prst="bentConnector2">
+            <a:avLst/>
+          </a:prstGeom>
+          <a:ln>
+            <a:tailEnd type="triangle"/>
+          </a:ln>
+        </p:spPr>
+        <p:style>
+          <a:lnRef idx="1">
+            <a:schemeClr val="dk1"/>
+          </a:lnRef>
+          <a:fillRef idx="0">
+            <a:schemeClr val="dk1"/>
+          </a:fillRef>
+          <a:effectRef idx="0">
+            <a:schemeClr val="dk1"/>
+          </a:effectRef>
+          <a:fontRef idx="minor">
+            <a:schemeClr val="tx1"/>
+          </a:fontRef>
+        </p:style>
+      </p:cxnSp>
+      <p:cxnSp>
+        <p:nvCxnSpPr>
+          <p:cNvPr id="119" name="Straight Arrow Connector 118">
+            <a:extLst>
+              <a:ext uri="{FF2B5EF4-FFF2-40B4-BE49-F238E27FC236}">
+                <a16:creationId xmlns:a16="http://schemas.microsoft.com/office/drawing/2014/main" id="{128A07A8-BE28-474A-8952-05F565A5AE79}"/>
+              </a:ext>
+            </a:extLst>
+          </p:cNvPr>
+          <p:cNvCxnSpPr>
+            <a:cxnSpLocks/>
+            <a:stCxn id="94" idx="3"/>
+            <a:endCxn id="106" idx="1"/>
+          </p:cNvCxnSpPr>
+          <p:nvPr/>
+        </p:nvCxnSpPr>
+        <p:spPr>
+          <a:xfrm flipV="1">
+            <a:off x="3094163" y="4918311"/>
+            <a:ext cx="547315" cy="494"/>
+          </a:xfrm>
+          <a:prstGeom prst="straightConnector1">
+            <a:avLst/>
+          </a:prstGeom>
+          <a:ln>
+            <a:tailEnd type="triangle"/>
+          </a:ln>
+        </p:spPr>
+        <p:style>
+          <a:lnRef idx="1">
+            <a:schemeClr val="dk1"/>
+          </a:lnRef>
+          <a:fillRef idx="0">
+            <a:schemeClr val="dk1"/>
+          </a:fillRef>
+          <a:effectRef idx="0">
+            <a:schemeClr val="dk1"/>
+          </a:effectRef>
+          <a:fontRef idx="minor">
+            <a:schemeClr val="tx1"/>
+          </a:fontRef>
+        </p:style>
+      </p:cxnSp>
+      <p:cxnSp>
+        <p:nvCxnSpPr>
+          <p:cNvPr id="122" name="Straight Arrow Connector 121">
+            <a:extLst>
+              <a:ext uri="{FF2B5EF4-FFF2-40B4-BE49-F238E27FC236}">
+                <a16:creationId xmlns:a16="http://schemas.microsoft.com/office/drawing/2014/main" id="{F99A4289-4659-4A72-94AE-7AAE8F6AF5B6}"/>
+              </a:ext>
+            </a:extLst>
+          </p:cNvPr>
+          <p:cNvCxnSpPr>
+            <a:cxnSpLocks/>
+            <a:stCxn id="11" idx="3"/>
+            <a:endCxn id="111" idx="1"/>
+          </p:cNvCxnSpPr>
+          <p:nvPr/>
+        </p:nvCxnSpPr>
+        <p:spPr>
+          <a:xfrm flipV="1">
+            <a:off x="3095367" y="5768749"/>
+            <a:ext cx="546111" cy="1064"/>
+          </a:xfrm>
+          <a:prstGeom prst="straightConnector1">
+            <a:avLst/>
+          </a:prstGeom>
+          <a:ln>
+            <a:tailEnd type="triangle"/>
+          </a:ln>
+        </p:spPr>
+        <p:style>
+          <a:lnRef idx="1">
+            <a:schemeClr val="dk1"/>
+          </a:lnRef>
+          <a:fillRef idx="0">
+            <a:schemeClr val="dk1"/>
+          </a:fillRef>
+          <a:effectRef idx="0">
+            <a:schemeClr val="dk1"/>
+          </a:effectRef>
+          <a:fontRef idx="minor">
+            <a:schemeClr val="tx1"/>
+          </a:fontRef>
+        </p:style>
+      </p:cxnSp>
+      <p:cxnSp>
+        <p:nvCxnSpPr>
+          <p:cNvPr id="126" name="Connector: Elbow 125">
+            <a:extLst>
+              <a:ext uri="{FF2B5EF4-FFF2-40B4-BE49-F238E27FC236}">
+                <a16:creationId xmlns:a16="http://schemas.microsoft.com/office/drawing/2014/main" id="{B45F6E88-A3DD-480D-A724-EE9793A81C04}"/>
+              </a:ext>
+            </a:extLst>
+          </p:cNvPr>
+          <p:cNvCxnSpPr>
+            <a:stCxn id="116" idx="3"/>
+            <a:endCxn id="29" idx="1"/>
+          </p:cNvCxnSpPr>
+          <p:nvPr/>
+        </p:nvCxnSpPr>
+        <p:spPr>
+          <a:xfrm flipV="1">
+            <a:off x="8871137" y="4652069"/>
+            <a:ext cx="401402" cy="689543"/>
+          </a:xfrm>
+          <a:prstGeom prst="bentConnector3">
+            <a:avLst>
+              <a:gd name="adj1" fmla="val 31530"/>
+            </a:avLst>
+          </a:prstGeom>
+          <a:ln>
+            <a:tailEnd type="triangle"/>
+          </a:ln>
+        </p:spPr>
+        <p:style>
+          <a:lnRef idx="1">
+            <a:schemeClr val="dk1"/>
+          </a:lnRef>
+          <a:fillRef idx="0">
+            <a:schemeClr val="dk1"/>
+          </a:fillRef>
+          <a:effectRef idx="0">
+            <a:schemeClr val="dk1"/>
+          </a:effectRef>
+          <a:fontRef idx="minor">
+            <a:schemeClr val="tx1"/>
+          </a:fontRef>
+        </p:style>
+      </p:cxnSp>
     </p:spTree>
     <p:extLst>
       <p:ext uri="{BB962C8B-B14F-4D97-AF65-F5344CB8AC3E}">
-        <p14:creationId xmlns:p14="http://schemas.microsoft.com/office/powerpoint/2010/main" val="645904320"/>
+        <p14:creationId xmlns:p14="http://schemas.microsoft.com/office/powerpoint/2010/main" val="2777473097"/>
       </p:ext>
     </p:extLst>
   </p:cSld>
@@ -4936,6 +7588,958 @@
           <a:chExt cx="0" cy="0"/>
         </a:xfrm>
       </p:grpSpPr>
+      <p:sp>
+        <p:nvSpPr>
+          <p:cNvPr id="14" name="Double Bracket 13">
+            <a:extLst>
+              <a:ext uri="{FF2B5EF4-FFF2-40B4-BE49-F238E27FC236}">
+                <a16:creationId xmlns:a16="http://schemas.microsoft.com/office/drawing/2014/main" id="{8C15911B-A108-4EE6-82DF-45519AB3B400}"/>
+              </a:ext>
+            </a:extLst>
+          </p:cNvPr>
+          <p:cNvSpPr/>
+          <p:nvPr/>
+        </p:nvSpPr>
+        <p:spPr>
+          <a:xfrm>
+            <a:off x="1219200" y="1339969"/>
+            <a:ext cx="5785449" cy="4934309"/>
+          </a:xfrm>
+          <a:prstGeom prst="bracketPair">
+            <a:avLst>
+              <a:gd name="adj" fmla="val 4196"/>
+            </a:avLst>
+          </a:prstGeom>
+        </p:spPr>
+        <p:style>
+          <a:lnRef idx="3">
+            <a:schemeClr val="dk1"/>
+          </a:lnRef>
+          <a:fillRef idx="0">
+            <a:schemeClr val="dk1"/>
+          </a:fillRef>
+          <a:effectRef idx="2">
+            <a:schemeClr val="dk1"/>
+          </a:effectRef>
+          <a:fontRef idx="minor">
+            <a:schemeClr val="tx1"/>
+          </a:fontRef>
+        </p:style>
+        <p:txBody>
+          <a:bodyPr rtlCol="0" anchor="ctr"/>
+          <a:lstStyle/>
+          <a:p>
+            <a:pPr algn="ctr"/>
+            <a:endParaRPr lang="en-US">
+              <a:latin typeface="Times New Roman" panose="02020603050405020304" pitchFamily="18" charset="0"/>
+              <a:cs typeface="Times New Roman" panose="02020603050405020304" pitchFamily="18" charset="0"/>
+            </a:endParaRPr>
+          </a:p>
+        </p:txBody>
+      </p:sp>
+      <p:sp>
+        <p:nvSpPr>
+          <p:cNvPr id="15" name="Double Bracket 14">
+            <a:extLst>
+              <a:ext uri="{FF2B5EF4-FFF2-40B4-BE49-F238E27FC236}">
+                <a16:creationId xmlns:a16="http://schemas.microsoft.com/office/drawing/2014/main" id="{C28020CD-43EF-41B7-86BD-C91A86C1C26D}"/>
+              </a:ext>
+            </a:extLst>
+          </p:cNvPr>
+          <p:cNvSpPr/>
+          <p:nvPr/>
+        </p:nvSpPr>
+        <p:spPr>
+          <a:xfrm>
+            <a:off x="1360098" y="1535501"/>
+            <a:ext cx="2697193" cy="603849"/>
+          </a:xfrm>
+          <a:prstGeom prst="bracketPair">
+            <a:avLst/>
+          </a:prstGeom>
+        </p:spPr>
+        <p:style>
+          <a:lnRef idx="3">
+            <a:schemeClr val="dk1"/>
+          </a:lnRef>
+          <a:fillRef idx="0">
+            <a:schemeClr val="dk1"/>
+          </a:fillRef>
+          <a:effectRef idx="2">
+            <a:schemeClr val="dk1"/>
+          </a:effectRef>
+          <a:fontRef idx="minor">
+            <a:schemeClr val="tx1"/>
+          </a:fontRef>
+        </p:style>
+        <p:txBody>
+          <a:bodyPr rtlCol="0" anchor="ctr"/>
+          <a:lstStyle/>
+          <a:p>
+            <a:pPr algn="ctr"/>
+            <a:endParaRPr lang="en-US">
+              <a:latin typeface="Times New Roman" panose="02020603050405020304" pitchFamily="18" charset="0"/>
+              <a:cs typeface="Times New Roman" panose="02020603050405020304" pitchFamily="18" charset="0"/>
+            </a:endParaRPr>
+          </a:p>
+        </p:txBody>
+      </p:sp>
+      <p:sp>
+        <p:nvSpPr>
+          <p:cNvPr id="16" name="Double Bracket 15">
+            <a:extLst>
+              <a:ext uri="{FF2B5EF4-FFF2-40B4-BE49-F238E27FC236}">
+                <a16:creationId xmlns:a16="http://schemas.microsoft.com/office/drawing/2014/main" id="{1AF8EB5C-13F1-4E33-8BB8-45E3A03323ED}"/>
+              </a:ext>
+            </a:extLst>
+          </p:cNvPr>
+          <p:cNvSpPr/>
+          <p:nvPr/>
+        </p:nvSpPr>
+        <p:spPr>
+          <a:xfrm>
+            <a:off x="4198188" y="1535502"/>
+            <a:ext cx="2697193" cy="603849"/>
+          </a:xfrm>
+          <a:prstGeom prst="bracketPair">
+            <a:avLst/>
+          </a:prstGeom>
+        </p:spPr>
+        <p:style>
+          <a:lnRef idx="3">
+            <a:schemeClr val="dk1"/>
+          </a:lnRef>
+          <a:fillRef idx="0">
+            <a:schemeClr val="dk1"/>
+          </a:fillRef>
+          <a:effectRef idx="2">
+            <a:schemeClr val="dk1"/>
+          </a:effectRef>
+          <a:fontRef idx="minor">
+            <a:schemeClr val="tx1"/>
+          </a:fontRef>
+        </p:style>
+        <p:txBody>
+          <a:bodyPr rtlCol="0" anchor="ctr"/>
+          <a:lstStyle/>
+          <a:p>
+            <a:pPr algn="ctr"/>
+            <a:endParaRPr lang="en-US">
+              <a:latin typeface="Times New Roman" panose="02020603050405020304" pitchFamily="18" charset="0"/>
+              <a:cs typeface="Times New Roman" panose="02020603050405020304" pitchFamily="18" charset="0"/>
+            </a:endParaRPr>
+          </a:p>
+        </p:txBody>
+      </p:sp>
+      <p:sp>
+        <p:nvSpPr>
+          <p:cNvPr id="17" name="TextBox 16">
+            <a:extLst>
+              <a:ext uri="{FF2B5EF4-FFF2-40B4-BE49-F238E27FC236}">
+                <a16:creationId xmlns:a16="http://schemas.microsoft.com/office/drawing/2014/main" id="{EA98BA4C-4894-4C0F-A628-F7EDCB9DD70B}"/>
+              </a:ext>
+            </a:extLst>
+          </p:cNvPr>
+          <p:cNvSpPr txBox="1"/>
+          <p:nvPr/>
+        </p:nvSpPr>
+        <p:spPr>
+          <a:xfrm>
+            <a:off x="1467928" y="1483482"/>
+            <a:ext cx="2513162" cy="707886"/>
+          </a:xfrm>
+          <a:prstGeom prst="rect">
+            <a:avLst/>
+          </a:prstGeom>
+          <a:noFill/>
+        </p:spPr>
+        <p:txBody>
+          <a:bodyPr wrap="square" rtlCol="0">
+            <a:spAutoFit/>
+          </a:bodyPr>
+          <a:lstStyle/>
+          <a:p>
+            <a:pPr algn="ctr"/>
+            <a:r>
+              <a:rPr lang="en-US" sz="2000" dirty="0">
+                <a:latin typeface="Times New Roman" panose="02020603050405020304" pitchFamily="18" charset="0"/>
+                <a:cs typeface="Times New Roman" panose="02020603050405020304" pitchFamily="18" charset="0"/>
+              </a:rPr>
+              <a:t>Team</a:t>
+            </a:r>
+            <a:r>
+              <a:rPr lang="en-US" sz="2000" baseline="-25000" dirty="0">
+                <a:latin typeface="Times New Roman" panose="02020603050405020304" pitchFamily="18" charset="0"/>
+                <a:cs typeface="Times New Roman" panose="02020603050405020304" pitchFamily="18" charset="0"/>
+              </a:rPr>
+              <a:t>0,0</a:t>
+            </a:r>
+            <a:r>
+              <a:rPr lang="en-US" sz="2000" dirty="0">
+                <a:latin typeface="Times New Roman" panose="02020603050405020304" pitchFamily="18" charset="0"/>
+                <a:cs typeface="Times New Roman" panose="02020603050405020304" pitchFamily="18" charset="0"/>
+              </a:rPr>
+              <a:t> </a:t>
+            </a:r>
+            <a:r>
+              <a:rPr lang="en-US" sz="2000" dirty="0" err="1">
+                <a:latin typeface="Times New Roman" panose="02020603050405020304" pitchFamily="18" charset="0"/>
+                <a:cs typeface="Times New Roman" panose="02020603050405020304" pitchFamily="18" charset="0"/>
+              </a:rPr>
+              <a:t>Kenpom</a:t>
+            </a:r>
+            <a:r>
+              <a:rPr lang="en-US" sz="2000" dirty="0">
+                <a:latin typeface="Times New Roman" panose="02020603050405020304" pitchFamily="18" charset="0"/>
+                <a:cs typeface="Times New Roman" panose="02020603050405020304" pitchFamily="18" charset="0"/>
+              </a:rPr>
+              <a:t> Features</a:t>
+            </a:r>
+          </a:p>
+        </p:txBody>
+      </p:sp>
+      <p:sp>
+        <p:nvSpPr>
+          <p:cNvPr id="18" name="TextBox 17">
+            <a:extLst>
+              <a:ext uri="{FF2B5EF4-FFF2-40B4-BE49-F238E27FC236}">
+                <a16:creationId xmlns:a16="http://schemas.microsoft.com/office/drawing/2014/main" id="{6134CB12-4F2C-4339-AB6F-239BED3FC62A}"/>
+              </a:ext>
+            </a:extLst>
+          </p:cNvPr>
+          <p:cNvSpPr txBox="1"/>
+          <p:nvPr/>
+        </p:nvSpPr>
+        <p:spPr>
+          <a:xfrm>
+            <a:off x="4290203" y="1483221"/>
+            <a:ext cx="2513162" cy="707886"/>
+          </a:xfrm>
+          <a:prstGeom prst="rect">
+            <a:avLst/>
+          </a:prstGeom>
+          <a:noFill/>
+        </p:spPr>
+        <p:txBody>
+          <a:bodyPr wrap="square" rtlCol="0">
+            <a:spAutoFit/>
+          </a:bodyPr>
+          <a:lstStyle/>
+          <a:p>
+            <a:pPr algn="ctr"/>
+            <a:r>
+              <a:rPr lang="en-US" sz="2000" dirty="0">
+                <a:latin typeface="Times New Roman" panose="02020603050405020304" pitchFamily="18" charset="0"/>
+                <a:cs typeface="Times New Roman" panose="02020603050405020304" pitchFamily="18" charset="0"/>
+              </a:rPr>
+              <a:t>Team</a:t>
+            </a:r>
+            <a:r>
+              <a:rPr lang="en-US" sz="2000" baseline="-25000" dirty="0">
+                <a:latin typeface="Times New Roman" panose="02020603050405020304" pitchFamily="18" charset="0"/>
+                <a:cs typeface="Times New Roman" panose="02020603050405020304" pitchFamily="18" charset="0"/>
+              </a:rPr>
+              <a:t>0,1</a:t>
+            </a:r>
+            <a:r>
+              <a:rPr lang="en-US" sz="2000" dirty="0">
+                <a:latin typeface="Times New Roman" panose="02020603050405020304" pitchFamily="18" charset="0"/>
+                <a:cs typeface="Times New Roman" panose="02020603050405020304" pitchFamily="18" charset="0"/>
+              </a:rPr>
+              <a:t> </a:t>
+            </a:r>
+            <a:r>
+              <a:rPr lang="en-US" sz="2000" dirty="0" err="1">
+                <a:latin typeface="Times New Roman" panose="02020603050405020304" pitchFamily="18" charset="0"/>
+                <a:cs typeface="Times New Roman" panose="02020603050405020304" pitchFamily="18" charset="0"/>
+              </a:rPr>
+              <a:t>Kenpom</a:t>
+            </a:r>
+            <a:r>
+              <a:rPr lang="en-US" sz="2000" dirty="0">
+                <a:latin typeface="Times New Roman" panose="02020603050405020304" pitchFamily="18" charset="0"/>
+                <a:cs typeface="Times New Roman" panose="02020603050405020304" pitchFamily="18" charset="0"/>
+              </a:rPr>
+              <a:t> Features</a:t>
+            </a:r>
+          </a:p>
+        </p:txBody>
+      </p:sp>
+      <p:sp>
+        <p:nvSpPr>
+          <p:cNvPr id="20" name="Double Bracket 19">
+            <a:extLst>
+              <a:ext uri="{FF2B5EF4-FFF2-40B4-BE49-F238E27FC236}">
+                <a16:creationId xmlns:a16="http://schemas.microsoft.com/office/drawing/2014/main" id="{CE2F4AF5-5911-4927-AB5A-FD25B3C1B13F}"/>
+              </a:ext>
+            </a:extLst>
+          </p:cNvPr>
+          <p:cNvSpPr/>
+          <p:nvPr/>
+        </p:nvSpPr>
+        <p:spPr>
+          <a:xfrm>
+            <a:off x="1360098" y="5528882"/>
+            <a:ext cx="2697193" cy="603849"/>
+          </a:xfrm>
+          <a:prstGeom prst="bracketPair">
+            <a:avLst/>
+          </a:prstGeom>
+        </p:spPr>
+        <p:style>
+          <a:lnRef idx="3">
+            <a:schemeClr val="dk1"/>
+          </a:lnRef>
+          <a:fillRef idx="0">
+            <a:schemeClr val="dk1"/>
+          </a:fillRef>
+          <a:effectRef idx="2">
+            <a:schemeClr val="dk1"/>
+          </a:effectRef>
+          <a:fontRef idx="minor">
+            <a:schemeClr val="tx1"/>
+          </a:fontRef>
+        </p:style>
+        <p:txBody>
+          <a:bodyPr rtlCol="0" anchor="ctr"/>
+          <a:lstStyle/>
+          <a:p>
+            <a:pPr algn="ctr"/>
+            <a:endParaRPr lang="en-US">
+              <a:latin typeface="Times New Roman" panose="02020603050405020304" pitchFamily="18" charset="0"/>
+              <a:cs typeface="Times New Roman" panose="02020603050405020304" pitchFamily="18" charset="0"/>
+            </a:endParaRPr>
+          </a:p>
+        </p:txBody>
+      </p:sp>
+      <p:sp>
+        <p:nvSpPr>
+          <p:cNvPr id="21" name="Double Bracket 20">
+            <a:extLst>
+              <a:ext uri="{FF2B5EF4-FFF2-40B4-BE49-F238E27FC236}">
+                <a16:creationId xmlns:a16="http://schemas.microsoft.com/office/drawing/2014/main" id="{B9C711F1-B151-4E9A-A5F6-AD79DAB96089}"/>
+              </a:ext>
+            </a:extLst>
+          </p:cNvPr>
+          <p:cNvSpPr/>
+          <p:nvPr/>
+        </p:nvSpPr>
+        <p:spPr>
+          <a:xfrm>
+            <a:off x="4198188" y="5528883"/>
+            <a:ext cx="2697193" cy="603849"/>
+          </a:xfrm>
+          <a:prstGeom prst="bracketPair">
+            <a:avLst/>
+          </a:prstGeom>
+        </p:spPr>
+        <p:style>
+          <a:lnRef idx="3">
+            <a:schemeClr val="dk1"/>
+          </a:lnRef>
+          <a:fillRef idx="0">
+            <a:schemeClr val="dk1"/>
+          </a:fillRef>
+          <a:effectRef idx="2">
+            <a:schemeClr val="dk1"/>
+          </a:effectRef>
+          <a:fontRef idx="minor">
+            <a:schemeClr val="tx1"/>
+          </a:fontRef>
+        </p:style>
+        <p:txBody>
+          <a:bodyPr rtlCol="0" anchor="ctr"/>
+          <a:lstStyle/>
+          <a:p>
+            <a:pPr algn="ctr"/>
+            <a:endParaRPr lang="en-US">
+              <a:latin typeface="Times New Roman" panose="02020603050405020304" pitchFamily="18" charset="0"/>
+              <a:cs typeface="Times New Roman" panose="02020603050405020304" pitchFamily="18" charset="0"/>
+            </a:endParaRPr>
+          </a:p>
+        </p:txBody>
+      </p:sp>
+      <p:sp>
+        <p:nvSpPr>
+          <p:cNvPr id="22" name="TextBox 21">
+            <a:extLst>
+              <a:ext uri="{FF2B5EF4-FFF2-40B4-BE49-F238E27FC236}">
+                <a16:creationId xmlns:a16="http://schemas.microsoft.com/office/drawing/2014/main" id="{8222517B-F6A2-4360-BFD5-9B6474FC85E2}"/>
+              </a:ext>
+            </a:extLst>
+          </p:cNvPr>
+          <p:cNvSpPr txBox="1"/>
+          <p:nvPr/>
+        </p:nvSpPr>
+        <p:spPr>
+          <a:xfrm>
+            <a:off x="1443487" y="5476863"/>
+            <a:ext cx="2513162" cy="707886"/>
+          </a:xfrm>
+          <a:prstGeom prst="rect">
+            <a:avLst/>
+          </a:prstGeom>
+          <a:noFill/>
+        </p:spPr>
+        <p:txBody>
+          <a:bodyPr wrap="square" rtlCol="0">
+            <a:spAutoFit/>
+          </a:bodyPr>
+          <a:lstStyle/>
+          <a:p>
+            <a:pPr algn="ctr"/>
+            <a:r>
+              <a:rPr lang="en-US" sz="2000" dirty="0">
+                <a:latin typeface="Times New Roman" panose="02020603050405020304" pitchFamily="18" charset="0"/>
+                <a:cs typeface="Times New Roman" panose="02020603050405020304" pitchFamily="18" charset="0"/>
+              </a:rPr>
+              <a:t>Team</a:t>
+            </a:r>
+            <a:r>
+              <a:rPr lang="en-US" sz="2000" baseline="-25000" dirty="0">
+                <a:latin typeface="Times New Roman" panose="02020603050405020304" pitchFamily="18" charset="0"/>
+                <a:cs typeface="Times New Roman" panose="02020603050405020304" pitchFamily="18" charset="0"/>
+              </a:rPr>
+              <a:t>n,0</a:t>
+            </a:r>
+            <a:r>
+              <a:rPr lang="en-US" sz="2000" dirty="0">
+                <a:latin typeface="Times New Roman" panose="02020603050405020304" pitchFamily="18" charset="0"/>
+                <a:cs typeface="Times New Roman" panose="02020603050405020304" pitchFamily="18" charset="0"/>
+              </a:rPr>
+              <a:t> </a:t>
+            </a:r>
+            <a:r>
+              <a:rPr lang="en-US" sz="2000" dirty="0" err="1">
+                <a:latin typeface="Times New Roman" panose="02020603050405020304" pitchFamily="18" charset="0"/>
+                <a:cs typeface="Times New Roman" panose="02020603050405020304" pitchFamily="18" charset="0"/>
+              </a:rPr>
+              <a:t>Kenpom</a:t>
+            </a:r>
+            <a:r>
+              <a:rPr lang="en-US" sz="2000" dirty="0">
+                <a:latin typeface="Times New Roman" panose="02020603050405020304" pitchFamily="18" charset="0"/>
+                <a:cs typeface="Times New Roman" panose="02020603050405020304" pitchFamily="18" charset="0"/>
+              </a:rPr>
+              <a:t> Features</a:t>
+            </a:r>
+          </a:p>
+        </p:txBody>
+      </p:sp>
+      <p:sp>
+        <p:nvSpPr>
+          <p:cNvPr id="23" name="TextBox 22">
+            <a:extLst>
+              <a:ext uri="{FF2B5EF4-FFF2-40B4-BE49-F238E27FC236}">
+                <a16:creationId xmlns:a16="http://schemas.microsoft.com/office/drawing/2014/main" id="{59BEFAF3-823C-4E85-AC70-43619F558789}"/>
+              </a:ext>
+            </a:extLst>
+          </p:cNvPr>
+          <p:cNvSpPr txBox="1"/>
+          <p:nvPr/>
+        </p:nvSpPr>
+        <p:spPr>
+          <a:xfrm>
+            <a:off x="4274389" y="5476863"/>
+            <a:ext cx="2513162" cy="707886"/>
+          </a:xfrm>
+          <a:prstGeom prst="rect">
+            <a:avLst/>
+          </a:prstGeom>
+          <a:noFill/>
+        </p:spPr>
+        <p:txBody>
+          <a:bodyPr wrap="square" rtlCol="0">
+            <a:spAutoFit/>
+          </a:bodyPr>
+          <a:lstStyle/>
+          <a:p>
+            <a:pPr algn="ctr"/>
+            <a:r>
+              <a:rPr lang="en-US" sz="2000" dirty="0">
+                <a:latin typeface="Times New Roman" panose="02020603050405020304" pitchFamily="18" charset="0"/>
+                <a:cs typeface="Times New Roman" panose="02020603050405020304" pitchFamily="18" charset="0"/>
+              </a:rPr>
+              <a:t>Team</a:t>
+            </a:r>
+            <a:r>
+              <a:rPr lang="en-US" sz="2000" baseline="-25000" dirty="0">
+                <a:latin typeface="Times New Roman" panose="02020603050405020304" pitchFamily="18" charset="0"/>
+                <a:cs typeface="Times New Roman" panose="02020603050405020304" pitchFamily="18" charset="0"/>
+              </a:rPr>
+              <a:t>n,1</a:t>
+            </a:r>
+            <a:r>
+              <a:rPr lang="en-US" sz="2000" dirty="0">
+                <a:latin typeface="Times New Roman" panose="02020603050405020304" pitchFamily="18" charset="0"/>
+                <a:cs typeface="Times New Roman" panose="02020603050405020304" pitchFamily="18" charset="0"/>
+              </a:rPr>
+              <a:t> </a:t>
+            </a:r>
+            <a:r>
+              <a:rPr lang="en-US" sz="2000" dirty="0" err="1">
+                <a:latin typeface="Times New Roman" panose="02020603050405020304" pitchFamily="18" charset="0"/>
+                <a:cs typeface="Times New Roman" panose="02020603050405020304" pitchFamily="18" charset="0"/>
+              </a:rPr>
+              <a:t>Kenpom</a:t>
+            </a:r>
+            <a:r>
+              <a:rPr lang="en-US" sz="2000" dirty="0">
+                <a:latin typeface="Times New Roman" panose="02020603050405020304" pitchFamily="18" charset="0"/>
+                <a:cs typeface="Times New Roman" panose="02020603050405020304" pitchFamily="18" charset="0"/>
+              </a:rPr>
+              <a:t> Features</a:t>
+            </a:r>
+          </a:p>
+        </p:txBody>
+      </p:sp>
+      <p:sp>
+        <p:nvSpPr>
+          <p:cNvPr id="26" name="TextBox 25">
+            <a:extLst>
+              <a:ext uri="{FF2B5EF4-FFF2-40B4-BE49-F238E27FC236}">
+                <a16:creationId xmlns:a16="http://schemas.microsoft.com/office/drawing/2014/main" id="{494830FC-5C42-4CC2-81C5-65AB0216AABE}"/>
+              </a:ext>
+            </a:extLst>
+          </p:cNvPr>
+          <p:cNvSpPr txBox="1"/>
+          <p:nvPr/>
+        </p:nvSpPr>
+        <p:spPr>
+          <a:xfrm rot="5400000">
+            <a:off x="1667235" y="3256694"/>
+            <a:ext cx="5302370" cy="1200329"/>
+          </a:xfrm>
+          <a:prstGeom prst="rect">
+            <a:avLst/>
+          </a:prstGeom>
+          <a:noFill/>
+        </p:spPr>
+        <p:txBody>
+          <a:bodyPr wrap="square" rtlCol="0">
+            <a:spAutoFit/>
+          </a:bodyPr>
+          <a:lstStyle/>
+          <a:p>
+            <a:pPr algn="ctr"/>
+            <a:r>
+              <a:rPr lang="en-US" sz="7200" dirty="0">
+                <a:latin typeface="Times New Roman" panose="02020603050405020304" pitchFamily="18" charset="0"/>
+                <a:cs typeface="Times New Roman" panose="02020603050405020304" pitchFamily="18" charset="0"/>
+              </a:rPr>
+              <a:t>…</a:t>
+            </a:r>
+          </a:p>
+        </p:txBody>
+      </p:sp>
+      <p:sp>
+        <p:nvSpPr>
+          <p:cNvPr id="27" name="Double Bracket 26">
+            <a:extLst>
+              <a:ext uri="{FF2B5EF4-FFF2-40B4-BE49-F238E27FC236}">
+                <a16:creationId xmlns:a16="http://schemas.microsoft.com/office/drawing/2014/main" id="{14812DD8-F73F-4510-B54E-2DDFDFC8941A}"/>
+              </a:ext>
+            </a:extLst>
+          </p:cNvPr>
+          <p:cNvSpPr/>
+          <p:nvPr/>
+        </p:nvSpPr>
+        <p:spPr>
+          <a:xfrm>
+            <a:off x="8193656" y="1339968"/>
+            <a:ext cx="3152955" cy="4934309"/>
+          </a:xfrm>
+          <a:prstGeom prst="bracketPair">
+            <a:avLst>
+              <a:gd name="adj" fmla="val 4196"/>
+            </a:avLst>
+          </a:prstGeom>
+        </p:spPr>
+        <p:style>
+          <a:lnRef idx="3">
+            <a:schemeClr val="dk1"/>
+          </a:lnRef>
+          <a:fillRef idx="0">
+            <a:schemeClr val="dk1"/>
+          </a:fillRef>
+          <a:effectRef idx="2">
+            <a:schemeClr val="dk1"/>
+          </a:effectRef>
+          <a:fontRef idx="minor">
+            <a:schemeClr val="tx1"/>
+          </a:fontRef>
+        </p:style>
+        <p:txBody>
+          <a:bodyPr rtlCol="0" anchor="ctr"/>
+          <a:lstStyle/>
+          <a:p>
+            <a:pPr algn="ctr"/>
+            <a:endParaRPr lang="en-US">
+              <a:latin typeface="Times New Roman" panose="02020603050405020304" pitchFamily="18" charset="0"/>
+              <a:cs typeface="Times New Roman" panose="02020603050405020304" pitchFamily="18" charset="0"/>
+            </a:endParaRPr>
+          </a:p>
+        </p:txBody>
+      </p:sp>
+      <p:sp>
+        <p:nvSpPr>
+          <p:cNvPr id="28" name="TextBox 27">
+            <a:extLst>
+              <a:ext uri="{FF2B5EF4-FFF2-40B4-BE49-F238E27FC236}">
+                <a16:creationId xmlns:a16="http://schemas.microsoft.com/office/drawing/2014/main" id="{14148531-E525-4DBB-8E7A-69F15275232C}"/>
+              </a:ext>
+            </a:extLst>
+          </p:cNvPr>
+          <p:cNvSpPr txBox="1"/>
+          <p:nvPr/>
+        </p:nvSpPr>
+        <p:spPr>
+          <a:xfrm>
+            <a:off x="8356121" y="1483221"/>
+            <a:ext cx="2846717" cy="1015663"/>
+          </a:xfrm>
+          <a:prstGeom prst="rect">
+            <a:avLst/>
+          </a:prstGeom>
+          <a:noFill/>
+        </p:spPr>
+        <p:txBody>
+          <a:bodyPr wrap="square" rtlCol="0">
+            <a:spAutoFit/>
+          </a:bodyPr>
+          <a:lstStyle/>
+          <a:p>
+            <a:pPr algn="ctr"/>
+            <a:r>
+              <a:rPr lang="en-US" sz="2000" dirty="0">
+                <a:latin typeface="Times New Roman" panose="02020603050405020304" pitchFamily="18" charset="0"/>
+                <a:cs typeface="Times New Roman" panose="02020603050405020304" pitchFamily="18" charset="0"/>
+              </a:rPr>
+              <a:t>Team</a:t>
+            </a:r>
+            <a:r>
+              <a:rPr lang="en-US" sz="2000" baseline="-25000" dirty="0">
+                <a:latin typeface="Times New Roman" panose="02020603050405020304" pitchFamily="18" charset="0"/>
+                <a:cs typeface="Times New Roman" panose="02020603050405020304" pitchFamily="18" charset="0"/>
+              </a:rPr>
+              <a:t>0,0</a:t>
+            </a:r>
+            <a:r>
+              <a:rPr lang="en-US" sz="2000" dirty="0">
+                <a:latin typeface="Times New Roman" panose="02020603050405020304" pitchFamily="18" charset="0"/>
+                <a:cs typeface="Times New Roman" panose="02020603050405020304" pitchFamily="18" charset="0"/>
+              </a:rPr>
+              <a:t> Score  </a:t>
+            </a:r>
+          </a:p>
+          <a:p>
+            <a:pPr algn="ctr"/>
+            <a:r>
+              <a:rPr lang="en-US" sz="2000" dirty="0">
+                <a:latin typeface="Times New Roman" panose="02020603050405020304" pitchFamily="18" charset="0"/>
+                <a:cs typeface="Times New Roman" panose="02020603050405020304" pitchFamily="18" charset="0"/>
+              </a:rPr>
+              <a:t>– </a:t>
+            </a:r>
+          </a:p>
+          <a:p>
+            <a:pPr algn="ctr"/>
+            <a:r>
+              <a:rPr lang="en-US" sz="2000" dirty="0">
+                <a:latin typeface="Times New Roman" panose="02020603050405020304" pitchFamily="18" charset="0"/>
+                <a:cs typeface="Times New Roman" panose="02020603050405020304" pitchFamily="18" charset="0"/>
+              </a:rPr>
+              <a:t>Team</a:t>
+            </a:r>
+            <a:r>
+              <a:rPr lang="en-US" sz="2000" baseline="-25000" dirty="0">
+                <a:latin typeface="Times New Roman" panose="02020603050405020304" pitchFamily="18" charset="0"/>
+                <a:cs typeface="Times New Roman" panose="02020603050405020304" pitchFamily="18" charset="0"/>
+              </a:rPr>
+              <a:t>0,1 </a:t>
+            </a:r>
+            <a:r>
+              <a:rPr lang="en-US" sz="2000" dirty="0">
+                <a:latin typeface="Times New Roman" panose="02020603050405020304" pitchFamily="18" charset="0"/>
+                <a:cs typeface="Times New Roman" panose="02020603050405020304" pitchFamily="18" charset="0"/>
+              </a:rPr>
+              <a:t>Score</a:t>
+            </a:r>
+          </a:p>
+        </p:txBody>
+      </p:sp>
+      <p:sp>
+        <p:nvSpPr>
+          <p:cNvPr id="29" name="TextBox 28">
+            <a:extLst>
+              <a:ext uri="{FF2B5EF4-FFF2-40B4-BE49-F238E27FC236}">
+                <a16:creationId xmlns:a16="http://schemas.microsoft.com/office/drawing/2014/main" id="{DD08F876-B866-49B9-965D-BA6CF4CB217A}"/>
+              </a:ext>
+            </a:extLst>
+          </p:cNvPr>
+          <p:cNvSpPr txBox="1"/>
+          <p:nvPr/>
+        </p:nvSpPr>
+        <p:spPr>
+          <a:xfrm>
+            <a:off x="8410755" y="5212319"/>
+            <a:ext cx="2846717" cy="1015663"/>
+          </a:xfrm>
+          <a:prstGeom prst="rect">
+            <a:avLst/>
+          </a:prstGeom>
+          <a:noFill/>
+        </p:spPr>
+        <p:txBody>
+          <a:bodyPr wrap="square" rtlCol="0">
+            <a:spAutoFit/>
+          </a:bodyPr>
+          <a:lstStyle/>
+          <a:p>
+            <a:pPr algn="ctr"/>
+            <a:r>
+              <a:rPr lang="en-US" sz="2000" dirty="0">
+                <a:latin typeface="Times New Roman" panose="02020603050405020304" pitchFamily="18" charset="0"/>
+                <a:cs typeface="Times New Roman" panose="02020603050405020304" pitchFamily="18" charset="0"/>
+              </a:rPr>
+              <a:t>Team</a:t>
+            </a:r>
+            <a:r>
+              <a:rPr lang="en-US" sz="2000" baseline="-25000" dirty="0">
+                <a:latin typeface="Times New Roman" panose="02020603050405020304" pitchFamily="18" charset="0"/>
+                <a:cs typeface="Times New Roman" panose="02020603050405020304" pitchFamily="18" charset="0"/>
+              </a:rPr>
+              <a:t>n,0</a:t>
+            </a:r>
+            <a:r>
+              <a:rPr lang="en-US" sz="2000" dirty="0">
+                <a:latin typeface="Times New Roman" panose="02020603050405020304" pitchFamily="18" charset="0"/>
+                <a:cs typeface="Times New Roman" panose="02020603050405020304" pitchFamily="18" charset="0"/>
+              </a:rPr>
+              <a:t> Score  </a:t>
+            </a:r>
+          </a:p>
+          <a:p>
+            <a:pPr algn="ctr"/>
+            <a:r>
+              <a:rPr lang="en-US" sz="2000" dirty="0">
+                <a:latin typeface="Times New Roman" panose="02020603050405020304" pitchFamily="18" charset="0"/>
+                <a:cs typeface="Times New Roman" panose="02020603050405020304" pitchFamily="18" charset="0"/>
+              </a:rPr>
+              <a:t>– </a:t>
+            </a:r>
+          </a:p>
+          <a:p>
+            <a:pPr algn="ctr"/>
+            <a:r>
+              <a:rPr lang="en-US" sz="2000" dirty="0">
+                <a:latin typeface="Times New Roman" panose="02020603050405020304" pitchFamily="18" charset="0"/>
+                <a:cs typeface="Times New Roman" panose="02020603050405020304" pitchFamily="18" charset="0"/>
+              </a:rPr>
+              <a:t>Team</a:t>
+            </a:r>
+            <a:r>
+              <a:rPr lang="en-US" sz="2000" baseline="-25000" dirty="0">
+                <a:latin typeface="Times New Roman" panose="02020603050405020304" pitchFamily="18" charset="0"/>
+                <a:cs typeface="Times New Roman" panose="02020603050405020304" pitchFamily="18" charset="0"/>
+              </a:rPr>
+              <a:t>n,1 </a:t>
+            </a:r>
+            <a:r>
+              <a:rPr lang="en-US" sz="2000" dirty="0">
+                <a:latin typeface="Times New Roman" panose="02020603050405020304" pitchFamily="18" charset="0"/>
+                <a:cs typeface="Times New Roman" panose="02020603050405020304" pitchFamily="18" charset="0"/>
+              </a:rPr>
+              <a:t>Score</a:t>
+            </a:r>
+          </a:p>
+        </p:txBody>
+      </p:sp>
+      <p:sp>
+        <p:nvSpPr>
+          <p:cNvPr id="30" name="TextBox 29">
+            <a:extLst>
+              <a:ext uri="{FF2B5EF4-FFF2-40B4-BE49-F238E27FC236}">
+                <a16:creationId xmlns:a16="http://schemas.microsoft.com/office/drawing/2014/main" id="{DD54CEEA-A669-4D92-8407-1CCDA55CD58F}"/>
+              </a:ext>
+            </a:extLst>
+          </p:cNvPr>
+          <p:cNvSpPr txBox="1"/>
+          <p:nvPr/>
+        </p:nvSpPr>
+        <p:spPr>
+          <a:xfrm rot="5400000">
+            <a:off x="7395894" y="3138800"/>
+            <a:ext cx="5302370" cy="1200329"/>
+          </a:xfrm>
+          <a:prstGeom prst="rect">
+            <a:avLst/>
+          </a:prstGeom>
+          <a:noFill/>
+        </p:spPr>
+        <p:txBody>
+          <a:bodyPr wrap="square" rtlCol="0">
+            <a:spAutoFit/>
+          </a:bodyPr>
+          <a:lstStyle/>
+          <a:p>
+            <a:pPr algn="ctr"/>
+            <a:r>
+              <a:rPr lang="en-US" sz="7200" dirty="0">
+                <a:latin typeface="Times New Roman" panose="02020603050405020304" pitchFamily="18" charset="0"/>
+                <a:cs typeface="Times New Roman" panose="02020603050405020304" pitchFamily="18" charset="0"/>
+              </a:rPr>
+              <a:t>…</a:t>
+            </a:r>
+          </a:p>
+        </p:txBody>
+      </p:sp>
+      <p:sp>
+        <p:nvSpPr>
+          <p:cNvPr id="31" name="TextBox 30">
+            <a:extLst>
+              <a:ext uri="{FF2B5EF4-FFF2-40B4-BE49-F238E27FC236}">
+                <a16:creationId xmlns:a16="http://schemas.microsoft.com/office/drawing/2014/main" id="{3F64F6D1-AF31-4200-979C-3214532986F6}"/>
+              </a:ext>
+            </a:extLst>
+          </p:cNvPr>
+          <p:cNvSpPr txBox="1"/>
+          <p:nvPr/>
+        </p:nvSpPr>
+        <p:spPr>
+          <a:xfrm>
+            <a:off x="902898" y="6184749"/>
+            <a:ext cx="323491" cy="369332"/>
+          </a:xfrm>
+          <a:prstGeom prst="rect">
+            <a:avLst/>
+          </a:prstGeom>
+          <a:noFill/>
+        </p:spPr>
+        <p:txBody>
+          <a:bodyPr wrap="square" rtlCol="0">
+            <a:spAutoFit/>
+          </a:bodyPr>
+          <a:lstStyle/>
+          <a:p>
+            <a:r>
+              <a:rPr lang="en-US" dirty="0">
+                <a:latin typeface="Times New Roman" panose="02020603050405020304" pitchFamily="18" charset="0"/>
+                <a:cs typeface="Times New Roman" panose="02020603050405020304" pitchFamily="18" charset="0"/>
+              </a:rPr>
+              <a:t>n</a:t>
+            </a:r>
+          </a:p>
+        </p:txBody>
+      </p:sp>
+      <p:sp>
+        <p:nvSpPr>
+          <p:cNvPr id="32" name="TextBox 31">
+            <a:extLst>
+              <a:ext uri="{FF2B5EF4-FFF2-40B4-BE49-F238E27FC236}">
+                <a16:creationId xmlns:a16="http://schemas.microsoft.com/office/drawing/2014/main" id="{45F876FE-BC0A-4067-9DB9-90119FC52C25}"/>
+              </a:ext>
+            </a:extLst>
+          </p:cNvPr>
+          <p:cNvSpPr txBox="1"/>
+          <p:nvPr/>
+        </p:nvSpPr>
+        <p:spPr>
+          <a:xfrm>
+            <a:off x="8823964" y="501487"/>
+            <a:ext cx="2020298" cy="523220"/>
+          </a:xfrm>
+          <a:prstGeom prst="rect">
+            <a:avLst/>
+          </a:prstGeom>
+          <a:noFill/>
+        </p:spPr>
+        <p:txBody>
+          <a:bodyPr wrap="none" rtlCol="0">
+            <a:spAutoFit/>
+          </a:bodyPr>
+          <a:lstStyle/>
+          <a:p>
+            <a:pPr algn="ctr"/>
+            <a:r>
+              <a:rPr lang="en-US" sz="2800" dirty="0">
+                <a:latin typeface="Times New Roman" panose="02020603050405020304" pitchFamily="18" charset="0"/>
+                <a:cs typeface="Times New Roman" panose="02020603050405020304" pitchFamily="18" charset="0"/>
+              </a:rPr>
+              <a:t>Label Vector</a:t>
+            </a:r>
+          </a:p>
+        </p:txBody>
+      </p:sp>
+      <p:sp>
+        <p:nvSpPr>
+          <p:cNvPr id="33" name="TextBox 32">
+            <a:extLst>
+              <a:ext uri="{FF2B5EF4-FFF2-40B4-BE49-F238E27FC236}">
+                <a16:creationId xmlns:a16="http://schemas.microsoft.com/office/drawing/2014/main" id="{E5696793-9E6D-4A00-A328-278DACE411A1}"/>
+              </a:ext>
+            </a:extLst>
+          </p:cNvPr>
+          <p:cNvSpPr txBox="1"/>
+          <p:nvPr/>
+        </p:nvSpPr>
+        <p:spPr>
+          <a:xfrm>
+            <a:off x="3187192" y="501487"/>
+            <a:ext cx="2326792" cy="523220"/>
+          </a:xfrm>
+          <a:prstGeom prst="rect">
+            <a:avLst/>
+          </a:prstGeom>
+          <a:noFill/>
+        </p:spPr>
+        <p:txBody>
+          <a:bodyPr wrap="none" rtlCol="0">
+            <a:spAutoFit/>
+          </a:bodyPr>
+          <a:lstStyle/>
+          <a:p>
+            <a:pPr algn="ctr"/>
+            <a:r>
+              <a:rPr lang="en-US" sz="2800" dirty="0">
+                <a:latin typeface="Times New Roman" panose="02020603050405020304" pitchFamily="18" charset="0"/>
+                <a:cs typeface="Times New Roman" panose="02020603050405020304" pitchFamily="18" charset="0"/>
+              </a:rPr>
+              <a:t>Feature Vector</a:t>
+            </a:r>
+          </a:p>
+        </p:txBody>
+      </p:sp>
+    </p:spTree>
+    <p:extLst>
+      <p:ext uri="{BB962C8B-B14F-4D97-AF65-F5344CB8AC3E}">
+        <p14:creationId xmlns:p14="http://schemas.microsoft.com/office/powerpoint/2010/main" val="645904320"/>
+      </p:ext>
+    </p:extLst>
+  </p:cSld>
+  <p:clrMapOvr>
+    <a:masterClrMapping/>
+  </p:clrMapOvr>
+</p:sld>
+</file>
+
+<file path=ppt/slides/slide5.xml><?xml version="1.0" encoding="utf-8"?>
+<p:sld xmlns:a="http://schemas.openxmlformats.org/drawingml/2006/main" xmlns:r="http://schemas.openxmlformats.org/officeDocument/2006/relationships" xmlns:p="http://schemas.openxmlformats.org/presentationml/2006/main">
+  <p:cSld>
+    <p:spTree>
+      <p:nvGrpSpPr>
+        <p:cNvPr id="1" name=""/>
+        <p:cNvGrpSpPr/>
+        <p:nvPr/>
+      </p:nvGrpSpPr>
+      <p:grpSpPr>
+        <a:xfrm>
+          <a:off x="0" y="0"/>
+          <a:ext cx="0" cy="0"/>
+          <a:chOff x="0" y="0"/>
+          <a:chExt cx="0" cy="0"/>
+        </a:xfrm>
+      </p:grpSpPr>
       <p:pic>
         <p:nvPicPr>
           <p:cNvPr id="12" name="Picture 11">
@@ -5155,7 +8759,7 @@
 </p:sld>
 </file>
 
-<file path=ppt/slides/slide5.xml><?xml version="1.0" encoding="utf-8"?>
+<file path=ppt/slides/slide6.xml><?xml version="1.0" encoding="utf-8"?>
 <p:sld xmlns:a="http://schemas.openxmlformats.org/drawingml/2006/main" xmlns:r="http://schemas.openxmlformats.org/officeDocument/2006/relationships" xmlns:p="http://schemas.openxmlformats.org/presentationml/2006/main">
   <p:cSld>
     <p:spTree>
